--- a/spring11/slides11/slides7m.pptx
+++ b/spring11/slides11/slides7m.pptx
@@ -5,10 +5,10 @@
     <p:sldMasterId id="2147483648" r:id="rId1"/>
   </p:sldMasterIdLst>
   <p:notesMasterIdLst>
-    <p:notesMasterId r:id="rId54"/>
+    <p:notesMasterId r:id="rId39"/>
   </p:notesMasterIdLst>
   <p:handoutMasterIdLst>
-    <p:handoutMasterId r:id="rId55"/>
+    <p:handoutMasterId r:id="rId40"/>
   </p:handoutMasterIdLst>
   <p:sldIdLst>
     <p:sldId id="276" r:id="rId2"/>
@@ -48,64 +48,49 @@
     <p:sldId id="435" r:id="rId36"/>
     <p:sldId id="412" r:id="rId37"/>
     <p:sldId id="259" r:id="rId38"/>
-    <p:sldId id="257" r:id="rId39"/>
-    <p:sldId id="283" r:id="rId40"/>
-    <p:sldId id="258" r:id="rId41"/>
-    <p:sldId id="284" r:id="rId42"/>
-    <p:sldId id="260" r:id="rId43"/>
-    <p:sldId id="262" r:id="rId44"/>
-    <p:sldId id="263" r:id="rId45"/>
-    <p:sldId id="289" r:id="rId46"/>
-    <p:sldId id="264" r:id="rId47"/>
-    <p:sldId id="265" r:id="rId48"/>
-    <p:sldId id="267" r:id="rId49"/>
-    <p:sldId id="268" r:id="rId50"/>
-    <p:sldId id="310" r:id="rId51"/>
-    <p:sldId id="269" r:id="rId52"/>
-    <p:sldId id="270" r:id="rId53"/>
   </p:sldIdLst>
   <p:sldSz cx="9144000" cy="6858000" type="screen4x3"/>
   <p:notesSz cx="7315200" cy="9601200"/>
   <p:embeddedFontLst>
     <p:embeddedFont>
       <p:font typeface="Comic Sans MS"/>
-      <p:regular r:id="rId56"/>
-      <p:bold r:id="rId57"/>
+      <p:regular r:id="rId41"/>
+      <p:bold r:id="rId42"/>
     </p:embeddedFont>
     <p:embeddedFont>
       <p:font typeface="Calibri"/>
-      <p:regular r:id="rId58"/>
-      <p:bold r:id="rId59"/>
-      <p:italic r:id="rId60"/>
-      <p:boldItalic r:id="rId61"/>
+      <p:regular r:id="rId43"/>
+      <p:bold r:id="rId44"/>
+      <p:italic r:id="rId45"/>
+      <p:boldItalic r:id="rId46"/>
     </p:embeddedFont>
     <p:embeddedFont>
       <p:font typeface="CMEX10"/>
-      <p:regular r:id="rId62"/>
+      <p:regular r:id="rId47"/>
     </p:embeddedFont>
     <p:embeddedFont>
       <p:font typeface="EURM10"/>
-      <p:regular r:id="rId63"/>
+      <p:regular r:id="rId48"/>
     </p:embeddedFont>
     <p:embeddedFont>
       <p:font typeface="Euclid Symbol" charset="2"/>
-      <p:regular r:id="rId64"/>
-      <p:bold r:id="rId65"/>
-      <p:italic r:id="rId66"/>
-      <p:boldItalic r:id="rId67"/>
+      <p:regular r:id="rId49"/>
+      <p:bold r:id="rId50"/>
+      <p:italic r:id="rId51"/>
+      <p:boldItalic r:id="rId52"/>
     </p:embeddedFont>
     <p:embeddedFont>
       <p:font typeface="cmsy10"/>
-      <p:regular r:id="rId68"/>
+      <p:regular r:id="rId53"/>
     </p:embeddedFont>
     <p:embeddedFont>
       <p:font typeface="Euclid Math Two" charset="2"/>
-      <p:regular r:id="rId69"/>
-      <p:bold r:id="rId70"/>
+      <p:regular r:id="rId54"/>
+      <p:bold r:id="rId55"/>
     </p:embeddedFont>
   </p:embeddedFontLst>
   <p:custDataLst>
-    <p:tags r:id="rId72"/>
+    <p:tags r:id="rId57"/>
   </p:custDataLst>
   <p:defaultTextStyle>
     <a:defPPr>
@@ -3069,424 +3054,6 @@
 </p:notes>
 </file>
 
-<file path=ppt/notesSlides/notesSlide35.xml><?xml version="1.0" encoding="utf-8"?>
-<p:notes xmlns:a="http://schemas.openxmlformats.org/drawingml/2006/main" xmlns:r="http://schemas.openxmlformats.org/officeDocument/2006/relationships" xmlns:mc="http://schemas.openxmlformats.org/markup-compatibility/2006" xmlns:mv="urn:schemas-microsoft-com:mac:vml" xmlns:p="http://schemas.openxmlformats.org/presentationml/2006/main" mc:Ignorable="mv" mc:PreserveAttributes="mv:*">
-  <p:cSld>
-    <p:spTree>
-      <p:nvGrpSpPr>
-        <p:cNvPr id="1" name=""/>
-        <p:cNvGrpSpPr/>
-        <p:nvPr/>
-      </p:nvGrpSpPr>
-      <p:grpSpPr>
-        <a:xfrm>
-          <a:off x="0" y="0"/>
-          <a:ext cx="0" cy="0"/>
-          <a:chOff x="0" y="0"/>
-          <a:chExt cx="0" cy="0"/>
-        </a:xfrm>
-      </p:grpSpPr>
-      <p:sp>
-        <p:nvSpPr>
-          <p:cNvPr id="7" name="Rectangle 7"/>
-          <p:cNvSpPr>
-            <a:spLocks noGrp="1" noChangeArrowheads="1"/>
-          </p:cNvSpPr>
-          <p:nvPr>
-            <p:ph type="sldNum" sz="quarter" idx="5"/>
-          </p:nvPr>
-        </p:nvSpPr>
-        <p:spPr>
-          <a:ln/>
-        </p:spPr>
-        <p:txBody>
-          <a:bodyPr/>
-          <a:lstStyle/>
-          <a:p>
-            <a:fld id="{419A6C5F-0F3E-45E7-8190-75F9845BB43A}" type="slidenum">
-              <a:rPr lang="en-US"/>
-              <a:pPr/>
-              <a:t>38</a:t>
-            </a:fld>
-            <a:endParaRPr lang="en-US"/>
-          </a:p>
-        </p:txBody>
-      </p:sp>
-      <p:sp>
-        <p:nvSpPr>
-          <p:cNvPr id="748546" name="Rectangle 2"/>
-          <p:cNvSpPr>
-            <a:spLocks noGrp="1" noRot="1" noChangeAspect="1" noChangeArrowheads="1" noTextEdit="1"/>
-          </p:cNvSpPr>
-          <p:nvPr>
-            <p:ph type="sldImg"/>
-          </p:nvPr>
-        </p:nvSpPr>
-        <p:spPr>
-          <a:ln/>
-        </p:spPr>
-      </p:sp>
-      <p:sp>
-        <p:nvSpPr>
-          <p:cNvPr id="748547" name="Rectangle 3"/>
-          <p:cNvSpPr>
-            <a:spLocks noGrp="1" noChangeArrowheads="1"/>
-          </p:cNvSpPr>
-          <p:nvPr>
-            <p:ph type="body" idx="1"/>
-          </p:nvPr>
-        </p:nvSpPr>
-        <p:spPr/>
-        <p:txBody>
-          <a:bodyPr/>
-          <a:lstStyle/>
-          <a:p>
-            <a:endParaRPr lang="en-US"/>
-          </a:p>
-        </p:txBody>
-      </p:sp>
-    </p:spTree>
-  </p:cSld>
-  <p:clrMapOvr>
-    <a:masterClrMapping/>
-  </p:clrMapOvr>
-</p:notes>
-</file>
-
-<file path=ppt/notesSlides/notesSlide36.xml><?xml version="1.0" encoding="utf-8"?>
-<p:notes xmlns:a="http://schemas.openxmlformats.org/drawingml/2006/main" xmlns:r="http://schemas.openxmlformats.org/officeDocument/2006/relationships" xmlns:mc="http://schemas.openxmlformats.org/markup-compatibility/2006" xmlns:mv="urn:schemas-microsoft-com:mac:vml" xmlns:p="http://schemas.openxmlformats.org/presentationml/2006/main" mc:Ignorable="mv" mc:PreserveAttributes="mv:*">
-  <p:cSld>
-    <p:spTree>
-      <p:nvGrpSpPr>
-        <p:cNvPr id="1" name=""/>
-        <p:cNvGrpSpPr/>
-        <p:nvPr/>
-      </p:nvGrpSpPr>
-      <p:grpSpPr>
-        <a:xfrm>
-          <a:off x="0" y="0"/>
-          <a:ext cx="0" cy="0"/>
-          <a:chOff x="0" y="0"/>
-          <a:chExt cx="0" cy="0"/>
-        </a:xfrm>
-      </p:grpSpPr>
-      <p:sp>
-        <p:nvSpPr>
-          <p:cNvPr id="7" name="Rectangle 7"/>
-          <p:cNvSpPr>
-            <a:spLocks noGrp="1" noChangeArrowheads="1"/>
-          </p:cNvSpPr>
-          <p:nvPr>
-            <p:ph type="sldNum" sz="quarter" idx="5"/>
-          </p:nvPr>
-        </p:nvSpPr>
-        <p:spPr>
-          <a:ln/>
-        </p:spPr>
-        <p:txBody>
-          <a:bodyPr/>
-          <a:lstStyle/>
-          <a:p>
-            <a:fld id="{419A6C5F-0F3E-45E7-8190-75F9845BB43A}" type="slidenum">
-              <a:rPr lang="en-US"/>
-              <a:pPr/>
-              <a:t>39</a:t>
-            </a:fld>
-            <a:endParaRPr lang="en-US"/>
-          </a:p>
-        </p:txBody>
-      </p:sp>
-      <p:sp>
-        <p:nvSpPr>
-          <p:cNvPr id="748546" name="Rectangle 2"/>
-          <p:cNvSpPr>
-            <a:spLocks noGrp="1" noRot="1" noChangeAspect="1" noChangeArrowheads="1" noTextEdit="1"/>
-          </p:cNvSpPr>
-          <p:nvPr>
-            <p:ph type="sldImg"/>
-          </p:nvPr>
-        </p:nvSpPr>
-        <p:spPr>
-          <a:ln/>
-        </p:spPr>
-      </p:sp>
-      <p:sp>
-        <p:nvSpPr>
-          <p:cNvPr id="748547" name="Rectangle 3"/>
-          <p:cNvSpPr>
-            <a:spLocks noGrp="1" noChangeArrowheads="1"/>
-          </p:cNvSpPr>
-          <p:nvPr>
-            <p:ph type="body" idx="1"/>
-          </p:nvPr>
-        </p:nvSpPr>
-        <p:spPr/>
-        <p:txBody>
-          <a:bodyPr/>
-          <a:lstStyle/>
-          <a:p>
-            <a:endParaRPr lang="en-US"/>
-          </a:p>
-        </p:txBody>
-      </p:sp>
-    </p:spTree>
-  </p:cSld>
-  <p:clrMapOvr>
-    <a:masterClrMapping/>
-  </p:clrMapOvr>
-</p:notes>
-</file>
-
-<file path=ppt/notesSlides/notesSlide37.xml><?xml version="1.0" encoding="utf-8"?>
-<p:notes xmlns:a="http://schemas.openxmlformats.org/drawingml/2006/main" xmlns:r="http://schemas.openxmlformats.org/officeDocument/2006/relationships" xmlns:mc="http://schemas.openxmlformats.org/markup-compatibility/2006" xmlns:mv="urn:schemas-microsoft-com:mac:vml" xmlns:p="http://schemas.openxmlformats.org/presentationml/2006/main" mc:Ignorable="mv" mc:PreserveAttributes="mv:*">
-  <p:cSld>
-    <p:spTree>
-      <p:nvGrpSpPr>
-        <p:cNvPr id="1" name=""/>
-        <p:cNvGrpSpPr/>
-        <p:nvPr/>
-      </p:nvGrpSpPr>
-      <p:grpSpPr>
-        <a:xfrm>
-          <a:off x="0" y="0"/>
-          <a:ext cx="0" cy="0"/>
-          <a:chOff x="0" y="0"/>
-          <a:chExt cx="0" cy="0"/>
-        </a:xfrm>
-      </p:grpSpPr>
-      <p:sp>
-        <p:nvSpPr>
-          <p:cNvPr id="7" name="Rectangle 7"/>
-          <p:cNvSpPr>
-            <a:spLocks noGrp="1" noChangeArrowheads="1"/>
-          </p:cNvSpPr>
-          <p:nvPr>
-            <p:ph type="sldNum" sz="quarter" idx="5"/>
-          </p:nvPr>
-        </p:nvSpPr>
-        <p:spPr>
-          <a:ln/>
-        </p:spPr>
-        <p:txBody>
-          <a:bodyPr/>
-          <a:lstStyle/>
-          <a:p>
-            <a:fld id="{77202CCD-666B-4F70-AE96-B9680B0F7239}" type="slidenum">
-              <a:rPr lang="en-US"/>
-              <a:pPr/>
-              <a:t>40</a:t>
-            </a:fld>
-            <a:endParaRPr lang="en-US"/>
-          </a:p>
-        </p:txBody>
-      </p:sp>
-      <p:sp>
-        <p:nvSpPr>
-          <p:cNvPr id="774146" name="Rectangle 2"/>
-          <p:cNvSpPr>
-            <a:spLocks noGrp="1" noRot="1" noChangeAspect="1" noChangeArrowheads="1" noTextEdit="1"/>
-          </p:cNvSpPr>
-          <p:nvPr>
-            <p:ph type="sldImg"/>
-          </p:nvPr>
-        </p:nvSpPr>
-        <p:spPr>
-          <a:ln/>
-        </p:spPr>
-      </p:sp>
-      <p:sp>
-        <p:nvSpPr>
-          <p:cNvPr id="774147" name="Rectangle 3"/>
-          <p:cNvSpPr>
-            <a:spLocks noGrp="1" noChangeArrowheads="1"/>
-          </p:cNvSpPr>
-          <p:nvPr>
-            <p:ph type="body" idx="1"/>
-          </p:nvPr>
-        </p:nvSpPr>
-        <p:spPr/>
-        <p:txBody>
-          <a:bodyPr/>
-          <a:lstStyle/>
-          <a:p>
-            <a:endParaRPr lang="en-US"/>
-          </a:p>
-        </p:txBody>
-      </p:sp>
-    </p:spTree>
-  </p:cSld>
-  <p:clrMapOvr>
-    <a:masterClrMapping/>
-  </p:clrMapOvr>
-</p:notes>
-</file>
-
-<file path=ppt/notesSlides/notesSlide38.xml><?xml version="1.0" encoding="utf-8"?>
-<p:notes xmlns:a="http://schemas.openxmlformats.org/drawingml/2006/main" xmlns:r="http://schemas.openxmlformats.org/officeDocument/2006/relationships" xmlns:mc="http://schemas.openxmlformats.org/markup-compatibility/2006" xmlns:mv="urn:schemas-microsoft-com:mac:vml" xmlns:p="http://schemas.openxmlformats.org/presentationml/2006/main" mc:Ignorable="mv" mc:PreserveAttributes="mv:*">
-  <p:cSld>
-    <p:spTree>
-      <p:nvGrpSpPr>
-        <p:cNvPr id="1" name=""/>
-        <p:cNvGrpSpPr/>
-        <p:nvPr/>
-      </p:nvGrpSpPr>
-      <p:grpSpPr>
-        <a:xfrm>
-          <a:off x="0" y="0"/>
-          <a:ext cx="0" cy="0"/>
-          <a:chOff x="0" y="0"/>
-          <a:chExt cx="0" cy="0"/>
-        </a:xfrm>
-      </p:grpSpPr>
-      <p:sp>
-        <p:nvSpPr>
-          <p:cNvPr id="2" name="Slide Image Placeholder 1"/>
-          <p:cNvSpPr>
-            <a:spLocks noGrp="1" noRot="1" noChangeAspect="1"/>
-          </p:cNvSpPr>
-          <p:nvPr>
-            <p:ph type="sldImg"/>
-          </p:nvPr>
-        </p:nvSpPr>
-        <p:spPr/>
-      </p:sp>
-      <p:sp>
-        <p:nvSpPr>
-          <p:cNvPr id="3" name="Notes Placeholder 2"/>
-          <p:cNvSpPr>
-            <a:spLocks noGrp="1"/>
-          </p:cNvSpPr>
-          <p:nvPr>
-            <p:ph type="body" idx="1"/>
-          </p:nvPr>
-        </p:nvSpPr>
-        <p:spPr/>
-        <p:txBody>
-          <a:bodyPr>
-            <a:normAutofit/>
-          </a:bodyPr>
-          <a:lstStyle/>
-          <a:p>
-            <a:endParaRPr lang="en-US"/>
-          </a:p>
-        </p:txBody>
-      </p:sp>
-      <p:sp>
-        <p:nvSpPr>
-          <p:cNvPr id="4" name="Slide Number Placeholder 3"/>
-          <p:cNvSpPr>
-            <a:spLocks noGrp="1"/>
-          </p:cNvSpPr>
-          <p:nvPr>
-            <p:ph type="sldNum" sz="quarter" idx="10"/>
-          </p:nvPr>
-        </p:nvSpPr>
-        <p:spPr/>
-        <p:txBody>
-          <a:bodyPr/>
-          <a:lstStyle/>
-          <a:p>
-            <a:fld id="{4E59DC59-ED3D-4108-AF3A-3AFD1215876E}" type="slidenum">
-              <a:rPr lang="en-US" smtClean="0"/>
-              <a:pPr/>
-              <a:t>41</a:t>
-            </a:fld>
-            <a:endParaRPr lang="en-US"/>
-          </a:p>
-        </p:txBody>
-      </p:sp>
-    </p:spTree>
-  </p:cSld>
-  <p:clrMapOvr>
-    <a:masterClrMapping/>
-  </p:clrMapOvr>
-</p:notes>
-</file>
-
-<file path=ppt/notesSlides/notesSlide39.xml><?xml version="1.0" encoding="utf-8"?>
-<p:notes xmlns:a="http://schemas.openxmlformats.org/drawingml/2006/main" xmlns:r="http://schemas.openxmlformats.org/officeDocument/2006/relationships" xmlns:mc="http://schemas.openxmlformats.org/markup-compatibility/2006" xmlns:mv="urn:schemas-microsoft-com:mac:vml" xmlns:p="http://schemas.openxmlformats.org/presentationml/2006/main" mc:Ignorable="mv" mc:PreserveAttributes="mv:*">
-  <p:cSld>
-    <p:spTree>
-      <p:nvGrpSpPr>
-        <p:cNvPr id="1" name=""/>
-        <p:cNvGrpSpPr/>
-        <p:nvPr/>
-      </p:nvGrpSpPr>
-      <p:grpSpPr>
-        <a:xfrm>
-          <a:off x="0" y="0"/>
-          <a:ext cx="0" cy="0"/>
-          <a:chOff x="0" y="0"/>
-          <a:chExt cx="0" cy="0"/>
-        </a:xfrm>
-      </p:grpSpPr>
-      <p:sp>
-        <p:nvSpPr>
-          <p:cNvPr id="7" name="Rectangle 7"/>
-          <p:cNvSpPr>
-            <a:spLocks noGrp="1" noChangeArrowheads="1"/>
-          </p:cNvSpPr>
-          <p:nvPr>
-            <p:ph type="sldNum" sz="quarter" idx="5"/>
-          </p:nvPr>
-        </p:nvSpPr>
-        <p:spPr>
-          <a:ln/>
-        </p:spPr>
-        <p:txBody>
-          <a:bodyPr/>
-          <a:lstStyle/>
-          <a:p>
-            <a:fld id="{8C774DD0-07C3-4B08-91A0-62FCFCB096E8}" type="slidenum">
-              <a:rPr lang="en-US"/>
-              <a:pPr/>
-              <a:t>42</a:t>
-            </a:fld>
-            <a:endParaRPr lang="en-US"/>
-          </a:p>
-        </p:txBody>
-      </p:sp>
-      <p:sp>
-        <p:nvSpPr>
-          <p:cNvPr id="734210" name="Rectangle 2"/>
-          <p:cNvSpPr>
-            <a:spLocks noGrp="1" noRot="1" noChangeAspect="1" noChangeArrowheads="1" noTextEdit="1"/>
-          </p:cNvSpPr>
-          <p:nvPr>
-            <p:ph type="sldImg"/>
-          </p:nvPr>
-        </p:nvSpPr>
-        <p:spPr>
-          <a:ln/>
-        </p:spPr>
-      </p:sp>
-      <p:sp>
-        <p:nvSpPr>
-          <p:cNvPr id="734211" name="Rectangle 3"/>
-          <p:cNvSpPr>
-            <a:spLocks noGrp="1" noChangeArrowheads="1"/>
-          </p:cNvSpPr>
-          <p:nvPr>
-            <p:ph type="body" idx="1"/>
-          </p:nvPr>
-        </p:nvSpPr>
-        <p:spPr/>
-        <p:txBody>
-          <a:bodyPr/>
-          <a:lstStyle/>
-          <a:p>
-            <a:endParaRPr lang="en-US"/>
-          </a:p>
-        </p:txBody>
-      </p:sp>
-    </p:spTree>
-  </p:cSld>
-  <p:clrMapOvr>
-    <a:masterClrMapping/>
-  </p:clrMapOvr>
-</p:notes>
-</file>
-
 <file path=ppt/notesSlides/notesSlide4.xml><?xml version="1.0" encoding="utf-8"?>
 <p:notes xmlns:a="http://schemas.openxmlformats.org/drawingml/2006/main" xmlns:r="http://schemas.openxmlformats.org/officeDocument/2006/relationships" xmlns:mc="http://schemas.openxmlformats.org/markup-compatibility/2006" xmlns:mv="urn:schemas-microsoft-com:mac:vml" xmlns:p="http://schemas.openxmlformats.org/presentationml/2006/main" mc:Ignorable="mv" mc:PreserveAttributes="mv:*">
   <p:cSld>
@@ -3547,846 +3114,6 @@
       <p:sp>
         <p:nvSpPr>
           <p:cNvPr id="739331" name="Rectangle 3"/>
-          <p:cNvSpPr>
-            <a:spLocks noGrp="1" noChangeArrowheads="1"/>
-          </p:cNvSpPr>
-          <p:nvPr>
-            <p:ph type="body" idx="1"/>
-          </p:nvPr>
-        </p:nvSpPr>
-        <p:spPr/>
-        <p:txBody>
-          <a:bodyPr/>
-          <a:lstStyle/>
-          <a:p>
-            <a:endParaRPr lang="en-US"/>
-          </a:p>
-        </p:txBody>
-      </p:sp>
-    </p:spTree>
-  </p:cSld>
-  <p:clrMapOvr>
-    <a:masterClrMapping/>
-  </p:clrMapOvr>
-</p:notes>
-</file>
-
-<file path=ppt/notesSlides/notesSlide40.xml><?xml version="1.0" encoding="utf-8"?>
-<p:notes xmlns:a="http://schemas.openxmlformats.org/drawingml/2006/main" xmlns:r="http://schemas.openxmlformats.org/officeDocument/2006/relationships" xmlns:mc="http://schemas.openxmlformats.org/markup-compatibility/2006" xmlns:mv="urn:schemas-microsoft-com:mac:vml" xmlns:p="http://schemas.openxmlformats.org/presentationml/2006/main" mc:Ignorable="mv" mc:PreserveAttributes="mv:*">
-  <p:cSld>
-    <p:spTree>
-      <p:nvGrpSpPr>
-        <p:cNvPr id="1" name=""/>
-        <p:cNvGrpSpPr/>
-        <p:nvPr/>
-      </p:nvGrpSpPr>
-      <p:grpSpPr>
-        <a:xfrm>
-          <a:off x="0" y="0"/>
-          <a:ext cx="0" cy="0"/>
-          <a:chOff x="0" y="0"/>
-          <a:chExt cx="0" cy="0"/>
-        </a:xfrm>
-      </p:grpSpPr>
-      <p:sp>
-        <p:nvSpPr>
-          <p:cNvPr id="7" name="Rectangle 7"/>
-          <p:cNvSpPr>
-            <a:spLocks noGrp="1" noChangeArrowheads="1"/>
-          </p:cNvSpPr>
-          <p:nvPr>
-            <p:ph type="sldNum" sz="quarter" idx="5"/>
-          </p:nvPr>
-        </p:nvSpPr>
-        <p:spPr>
-          <a:ln/>
-        </p:spPr>
-        <p:txBody>
-          <a:bodyPr/>
-          <a:lstStyle/>
-          <a:p>
-            <a:fld id="{8CB724DA-C363-4CB7-948F-E8CFF89C8D87}" type="slidenum">
-              <a:rPr lang="en-US"/>
-              <a:pPr/>
-              <a:t>43</a:t>
-            </a:fld>
-            <a:endParaRPr lang="en-US"/>
-          </a:p>
-        </p:txBody>
-      </p:sp>
-      <p:sp>
-        <p:nvSpPr>
-          <p:cNvPr id="737282" name="Rectangle 2"/>
-          <p:cNvSpPr>
-            <a:spLocks noGrp="1" noRot="1" noChangeAspect="1" noChangeArrowheads="1" noTextEdit="1"/>
-          </p:cNvSpPr>
-          <p:nvPr>
-            <p:ph type="sldImg"/>
-          </p:nvPr>
-        </p:nvSpPr>
-        <p:spPr>
-          <a:ln/>
-        </p:spPr>
-      </p:sp>
-      <p:sp>
-        <p:nvSpPr>
-          <p:cNvPr id="737283" name="Rectangle 3"/>
-          <p:cNvSpPr>
-            <a:spLocks noGrp="1" noChangeArrowheads="1"/>
-          </p:cNvSpPr>
-          <p:nvPr>
-            <p:ph type="body" idx="1"/>
-          </p:nvPr>
-        </p:nvSpPr>
-        <p:spPr/>
-        <p:txBody>
-          <a:bodyPr/>
-          <a:lstStyle/>
-          <a:p>
-            <a:endParaRPr lang="en-US"/>
-          </a:p>
-        </p:txBody>
-      </p:sp>
-    </p:spTree>
-  </p:cSld>
-  <p:clrMapOvr>
-    <a:masterClrMapping/>
-  </p:clrMapOvr>
-</p:notes>
-</file>
-
-<file path=ppt/notesSlides/notesSlide41.xml><?xml version="1.0" encoding="utf-8"?>
-<p:notes xmlns:a="http://schemas.openxmlformats.org/drawingml/2006/main" xmlns:r="http://schemas.openxmlformats.org/officeDocument/2006/relationships" xmlns:mc="http://schemas.openxmlformats.org/markup-compatibility/2006" xmlns:mv="urn:schemas-microsoft-com:mac:vml" xmlns:p="http://schemas.openxmlformats.org/presentationml/2006/main" mc:Ignorable="mv" mc:PreserveAttributes="mv:*">
-  <p:cSld>
-    <p:spTree>
-      <p:nvGrpSpPr>
-        <p:cNvPr id="1" name=""/>
-        <p:cNvGrpSpPr/>
-        <p:nvPr/>
-      </p:nvGrpSpPr>
-      <p:grpSpPr>
-        <a:xfrm>
-          <a:off x="0" y="0"/>
-          <a:ext cx="0" cy="0"/>
-          <a:chOff x="0" y="0"/>
-          <a:chExt cx="0" cy="0"/>
-        </a:xfrm>
-      </p:grpSpPr>
-      <p:sp>
-        <p:nvSpPr>
-          <p:cNvPr id="7" name="Rectangle 7"/>
-          <p:cNvSpPr>
-            <a:spLocks noGrp="1" noChangeArrowheads="1"/>
-          </p:cNvSpPr>
-          <p:nvPr>
-            <p:ph type="sldNum" sz="quarter" idx="5"/>
-          </p:nvPr>
-        </p:nvSpPr>
-        <p:spPr>
-          <a:ln/>
-        </p:spPr>
-        <p:txBody>
-          <a:bodyPr/>
-          <a:lstStyle/>
-          <a:p>
-            <a:fld id="{21701AD5-3FE1-4635-ABDA-D8C4BBD0AEA3}" type="slidenum">
-              <a:rPr lang="en-US"/>
-              <a:pPr/>
-              <a:t>44</a:t>
-            </a:fld>
-            <a:endParaRPr lang="en-US"/>
-          </a:p>
-        </p:txBody>
-      </p:sp>
-      <p:sp>
-        <p:nvSpPr>
-          <p:cNvPr id="723970" name="Rectangle 2"/>
-          <p:cNvSpPr>
-            <a:spLocks noGrp="1" noRot="1" noChangeAspect="1" noChangeArrowheads="1" noTextEdit="1"/>
-          </p:cNvSpPr>
-          <p:nvPr>
-            <p:ph type="sldImg"/>
-          </p:nvPr>
-        </p:nvSpPr>
-        <p:spPr>
-          <a:ln/>
-        </p:spPr>
-      </p:sp>
-      <p:sp>
-        <p:nvSpPr>
-          <p:cNvPr id="723971" name="Rectangle 3"/>
-          <p:cNvSpPr>
-            <a:spLocks noGrp="1" noChangeArrowheads="1"/>
-          </p:cNvSpPr>
-          <p:nvPr>
-            <p:ph type="body" idx="1"/>
-          </p:nvPr>
-        </p:nvSpPr>
-        <p:spPr/>
-        <p:txBody>
-          <a:bodyPr/>
-          <a:lstStyle/>
-          <a:p>
-            <a:endParaRPr lang="en-US"/>
-          </a:p>
-        </p:txBody>
-      </p:sp>
-    </p:spTree>
-  </p:cSld>
-  <p:clrMapOvr>
-    <a:masterClrMapping/>
-  </p:clrMapOvr>
-</p:notes>
-</file>
-
-<file path=ppt/notesSlides/notesSlide42.xml><?xml version="1.0" encoding="utf-8"?>
-<p:notes xmlns:a="http://schemas.openxmlformats.org/drawingml/2006/main" xmlns:r="http://schemas.openxmlformats.org/officeDocument/2006/relationships" xmlns:mc="http://schemas.openxmlformats.org/markup-compatibility/2006" xmlns:mv="urn:schemas-microsoft-com:mac:vml" xmlns:p="http://schemas.openxmlformats.org/presentationml/2006/main" mc:Ignorable="mv" mc:PreserveAttributes="mv:*">
-  <p:cSld>
-    <p:spTree>
-      <p:nvGrpSpPr>
-        <p:cNvPr id="1" name=""/>
-        <p:cNvGrpSpPr/>
-        <p:nvPr/>
-      </p:nvGrpSpPr>
-      <p:grpSpPr>
-        <a:xfrm>
-          <a:off x="0" y="0"/>
-          <a:ext cx="0" cy="0"/>
-          <a:chOff x="0" y="0"/>
-          <a:chExt cx="0" cy="0"/>
-        </a:xfrm>
-      </p:grpSpPr>
-      <p:sp>
-        <p:nvSpPr>
-          <p:cNvPr id="7" name="Rectangle 7"/>
-          <p:cNvSpPr>
-            <a:spLocks noGrp="1" noChangeArrowheads="1"/>
-          </p:cNvSpPr>
-          <p:nvPr>
-            <p:ph type="sldNum" sz="quarter" idx="5"/>
-          </p:nvPr>
-        </p:nvSpPr>
-        <p:spPr>
-          <a:ln/>
-        </p:spPr>
-        <p:txBody>
-          <a:bodyPr/>
-          <a:lstStyle/>
-          <a:p>
-            <a:fld id="{21701AD5-3FE1-4635-ABDA-D8C4BBD0AEA3}" type="slidenum">
-              <a:rPr lang="en-US"/>
-              <a:pPr/>
-              <a:t>45</a:t>
-            </a:fld>
-            <a:endParaRPr lang="en-US"/>
-          </a:p>
-        </p:txBody>
-      </p:sp>
-      <p:sp>
-        <p:nvSpPr>
-          <p:cNvPr id="723970" name="Rectangle 2"/>
-          <p:cNvSpPr>
-            <a:spLocks noGrp="1" noRot="1" noChangeAspect="1" noChangeArrowheads="1" noTextEdit="1"/>
-          </p:cNvSpPr>
-          <p:nvPr>
-            <p:ph type="sldImg"/>
-          </p:nvPr>
-        </p:nvSpPr>
-        <p:spPr>
-          <a:ln/>
-        </p:spPr>
-      </p:sp>
-      <p:sp>
-        <p:nvSpPr>
-          <p:cNvPr id="723971" name="Rectangle 3"/>
-          <p:cNvSpPr>
-            <a:spLocks noGrp="1" noChangeArrowheads="1"/>
-          </p:cNvSpPr>
-          <p:nvPr>
-            <p:ph type="body" idx="1"/>
-          </p:nvPr>
-        </p:nvSpPr>
-        <p:spPr/>
-        <p:txBody>
-          <a:bodyPr/>
-          <a:lstStyle/>
-          <a:p>
-            <a:endParaRPr lang="en-US"/>
-          </a:p>
-        </p:txBody>
-      </p:sp>
-    </p:spTree>
-  </p:cSld>
-  <p:clrMapOvr>
-    <a:masterClrMapping/>
-  </p:clrMapOvr>
-</p:notes>
-</file>
-
-<file path=ppt/notesSlides/notesSlide43.xml><?xml version="1.0" encoding="utf-8"?>
-<p:notes xmlns:a="http://schemas.openxmlformats.org/drawingml/2006/main" xmlns:r="http://schemas.openxmlformats.org/officeDocument/2006/relationships" xmlns:mc="http://schemas.openxmlformats.org/markup-compatibility/2006" xmlns:mv="urn:schemas-microsoft-com:mac:vml" xmlns:p="http://schemas.openxmlformats.org/presentationml/2006/main" mc:Ignorable="mv" mc:PreserveAttributes="mv:*">
-  <p:cSld>
-    <p:spTree>
-      <p:nvGrpSpPr>
-        <p:cNvPr id="1" name=""/>
-        <p:cNvGrpSpPr/>
-        <p:nvPr/>
-      </p:nvGrpSpPr>
-      <p:grpSpPr>
-        <a:xfrm>
-          <a:off x="0" y="0"/>
-          <a:ext cx="0" cy="0"/>
-          <a:chOff x="0" y="0"/>
-          <a:chExt cx="0" cy="0"/>
-        </a:xfrm>
-      </p:grpSpPr>
-      <p:sp>
-        <p:nvSpPr>
-          <p:cNvPr id="7" name="Rectangle 7"/>
-          <p:cNvSpPr>
-            <a:spLocks noGrp="1" noChangeArrowheads="1"/>
-          </p:cNvSpPr>
-          <p:nvPr>
-            <p:ph type="sldNum" sz="quarter" idx="5"/>
-          </p:nvPr>
-        </p:nvSpPr>
-        <p:spPr>
-          <a:ln/>
-        </p:spPr>
-        <p:txBody>
-          <a:bodyPr/>
-          <a:lstStyle/>
-          <a:p>
-            <a:fld id="{6C3EFA45-569C-45F6-935A-70582CD3D761}" type="slidenum">
-              <a:rPr lang="en-US"/>
-              <a:pPr/>
-              <a:t>46</a:t>
-            </a:fld>
-            <a:endParaRPr lang="en-US"/>
-          </a:p>
-        </p:txBody>
-      </p:sp>
-      <p:sp>
-        <p:nvSpPr>
-          <p:cNvPr id="724994" name="Rectangle 2"/>
-          <p:cNvSpPr>
-            <a:spLocks noGrp="1" noRot="1" noChangeAspect="1" noChangeArrowheads="1" noTextEdit="1"/>
-          </p:cNvSpPr>
-          <p:nvPr>
-            <p:ph type="sldImg"/>
-          </p:nvPr>
-        </p:nvSpPr>
-        <p:spPr>
-          <a:ln/>
-        </p:spPr>
-      </p:sp>
-      <p:sp>
-        <p:nvSpPr>
-          <p:cNvPr id="724995" name="Rectangle 3"/>
-          <p:cNvSpPr>
-            <a:spLocks noGrp="1" noChangeArrowheads="1"/>
-          </p:cNvSpPr>
-          <p:nvPr>
-            <p:ph type="body" idx="1"/>
-          </p:nvPr>
-        </p:nvSpPr>
-        <p:spPr/>
-        <p:txBody>
-          <a:bodyPr/>
-          <a:lstStyle/>
-          <a:p>
-            <a:endParaRPr lang="en-US"/>
-          </a:p>
-        </p:txBody>
-      </p:sp>
-    </p:spTree>
-  </p:cSld>
-  <p:clrMapOvr>
-    <a:masterClrMapping/>
-  </p:clrMapOvr>
-</p:notes>
-</file>
-
-<file path=ppt/notesSlides/notesSlide44.xml><?xml version="1.0" encoding="utf-8"?>
-<p:notes xmlns:a="http://schemas.openxmlformats.org/drawingml/2006/main" xmlns:r="http://schemas.openxmlformats.org/officeDocument/2006/relationships" xmlns:mc="http://schemas.openxmlformats.org/markup-compatibility/2006" xmlns:mv="urn:schemas-microsoft-com:mac:vml" xmlns:p="http://schemas.openxmlformats.org/presentationml/2006/main" mc:Ignorable="mv" mc:PreserveAttributes="mv:*">
-  <p:cSld>
-    <p:spTree>
-      <p:nvGrpSpPr>
-        <p:cNvPr id="1" name=""/>
-        <p:cNvGrpSpPr/>
-        <p:nvPr/>
-      </p:nvGrpSpPr>
-      <p:grpSpPr>
-        <a:xfrm>
-          <a:off x="0" y="0"/>
-          <a:ext cx="0" cy="0"/>
-          <a:chOff x="0" y="0"/>
-          <a:chExt cx="0" cy="0"/>
-        </a:xfrm>
-      </p:grpSpPr>
-      <p:sp>
-        <p:nvSpPr>
-          <p:cNvPr id="7" name="Rectangle 7"/>
-          <p:cNvSpPr>
-            <a:spLocks noGrp="1" noChangeArrowheads="1"/>
-          </p:cNvSpPr>
-          <p:nvPr>
-            <p:ph type="sldNum" sz="quarter" idx="5"/>
-          </p:nvPr>
-        </p:nvSpPr>
-        <p:spPr>
-          <a:ln/>
-        </p:spPr>
-        <p:txBody>
-          <a:bodyPr/>
-          <a:lstStyle/>
-          <a:p>
-            <a:fld id="{E7D85A64-157B-4935-B0A8-DC381AEDD03D}" type="slidenum">
-              <a:rPr lang="en-US"/>
-              <a:pPr/>
-              <a:t>47</a:t>
-            </a:fld>
-            <a:endParaRPr lang="en-US"/>
-          </a:p>
-        </p:txBody>
-      </p:sp>
-      <p:sp>
-        <p:nvSpPr>
-          <p:cNvPr id="726018" name="Rectangle 2"/>
-          <p:cNvSpPr>
-            <a:spLocks noGrp="1" noRot="1" noChangeAspect="1" noChangeArrowheads="1" noTextEdit="1"/>
-          </p:cNvSpPr>
-          <p:nvPr>
-            <p:ph type="sldImg"/>
-          </p:nvPr>
-        </p:nvSpPr>
-        <p:spPr>
-          <a:ln/>
-        </p:spPr>
-      </p:sp>
-      <p:sp>
-        <p:nvSpPr>
-          <p:cNvPr id="726019" name="Rectangle 3"/>
-          <p:cNvSpPr>
-            <a:spLocks noGrp="1" noChangeArrowheads="1"/>
-          </p:cNvSpPr>
-          <p:nvPr>
-            <p:ph type="body" idx="1"/>
-          </p:nvPr>
-        </p:nvSpPr>
-        <p:spPr/>
-        <p:txBody>
-          <a:bodyPr/>
-          <a:lstStyle/>
-          <a:p>
-            <a:endParaRPr lang="en-US"/>
-          </a:p>
-        </p:txBody>
-      </p:sp>
-    </p:spTree>
-  </p:cSld>
-  <p:clrMapOvr>
-    <a:masterClrMapping/>
-  </p:clrMapOvr>
-</p:notes>
-</file>
-
-<file path=ppt/notesSlides/notesSlide45.xml><?xml version="1.0" encoding="utf-8"?>
-<p:notes xmlns:a="http://schemas.openxmlformats.org/drawingml/2006/main" xmlns:r="http://schemas.openxmlformats.org/officeDocument/2006/relationships" xmlns:mc="http://schemas.openxmlformats.org/markup-compatibility/2006" xmlns:mv="urn:schemas-microsoft-com:mac:vml" xmlns:p="http://schemas.openxmlformats.org/presentationml/2006/main" mc:Ignorable="mv" mc:PreserveAttributes="mv:*">
-  <p:cSld>
-    <p:spTree>
-      <p:nvGrpSpPr>
-        <p:cNvPr id="1" name=""/>
-        <p:cNvGrpSpPr/>
-        <p:nvPr/>
-      </p:nvGrpSpPr>
-      <p:grpSpPr>
-        <a:xfrm>
-          <a:off x="0" y="0"/>
-          <a:ext cx="0" cy="0"/>
-          <a:chOff x="0" y="0"/>
-          <a:chExt cx="0" cy="0"/>
-        </a:xfrm>
-      </p:grpSpPr>
-      <p:sp>
-        <p:nvSpPr>
-          <p:cNvPr id="7" name="Rectangle 7"/>
-          <p:cNvSpPr>
-            <a:spLocks noGrp="1" noChangeArrowheads="1"/>
-          </p:cNvSpPr>
-          <p:nvPr>
-            <p:ph type="sldNum" sz="quarter" idx="5"/>
-          </p:nvPr>
-        </p:nvSpPr>
-        <p:spPr>
-          <a:ln/>
-        </p:spPr>
-        <p:txBody>
-          <a:bodyPr/>
-          <a:lstStyle/>
-          <a:p>
-            <a:fld id="{37557BBF-557C-44C1-8A66-0DCF62C94808}" type="slidenum">
-              <a:rPr lang="en-US"/>
-              <a:pPr/>
-              <a:t>48</a:t>
-            </a:fld>
-            <a:endParaRPr lang="en-US"/>
-          </a:p>
-        </p:txBody>
-      </p:sp>
-      <p:sp>
-        <p:nvSpPr>
-          <p:cNvPr id="738306" name="Rectangle 2"/>
-          <p:cNvSpPr>
-            <a:spLocks noGrp="1" noRot="1" noChangeAspect="1" noChangeArrowheads="1" noTextEdit="1"/>
-          </p:cNvSpPr>
-          <p:nvPr>
-            <p:ph type="sldImg"/>
-          </p:nvPr>
-        </p:nvSpPr>
-        <p:spPr>
-          <a:ln/>
-        </p:spPr>
-      </p:sp>
-      <p:sp>
-        <p:nvSpPr>
-          <p:cNvPr id="738307" name="Rectangle 3"/>
-          <p:cNvSpPr>
-            <a:spLocks noGrp="1" noChangeArrowheads="1"/>
-          </p:cNvSpPr>
-          <p:nvPr>
-            <p:ph type="body" idx="1"/>
-          </p:nvPr>
-        </p:nvSpPr>
-        <p:spPr/>
-        <p:txBody>
-          <a:bodyPr/>
-          <a:lstStyle/>
-          <a:p>
-            <a:endParaRPr lang="en-US"/>
-          </a:p>
-        </p:txBody>
-      </p:sp>
-    </p:spTree>
-  </p:cSld>
-  <p:clrMapOvr>
-    <a:masterClrMapping/>
-  </p:clrMapOvr>
-</p:notes>
-</file>
-
-<file path=ppt/notesSlides/notesSlide46.xml><?xml version="1.0" encoding="utf-8"?>
-<p:notes xmlns:a="http://schemas.openxmlformats.org/drawingml/2006/main" xmlns:r="http://schemas.openxmlformats.org/officeDocument/2006/relationships" xmlns:mc="http://schemas.openxmlformats.org/markup-compatibility/2006" xmlns:mv="urn:schemas-microsoft-com:mac:vml" xmlns:p="http://schemas.openxmlformats.org/presentationml/2006/main" mc:Ignorable="mv" mc:PreserveAttributes="mv:*">
-  <p:cSld>
-    <p:spTree>
-      <p:nvGrpSpPr>
-        <p:cNvPr id="1" name=""/>
-        <p:cNvGrpSpPr/>
-        <p:nvPr/>
-      </p:nvGrpSpPr>
-      <p:grpSpPr>
-        <a:xfrm>
-          <a:off x="0" y="0"/>
-          <a:ext cx="0" cy="0"/>
-          <a:chOff x="0" y="0"/>
-          <a:chExt cx="0" cy="0"/>
-        </a:xfrm>
-      </p:grpSpPr>
-      <p:sp>
-        <p:nvSpPr>
-          <p:cNvPr id="7" name="Rectangle 7"/>
-          <p:cNvSpPr>
-            <a:spLocks noGrp="1" noChangeArrowheads="1"/>
-          </p:cNvSpPr>
-          <p:nvPr>
-            <p:ph type="sldNum" sz="quarter" idx="5"/>
-          </p:nvPr>
-        </p:nvSpPr>
-        <p:spPr>
-          <a:ln/>
-        </p:spPr>
-        <p:txBody>
-          <a:bodyPr/>
-          <a:lstStyle/>
-          <a:p>
-            <a:fld id="{2E254194-A2EE-4DB4-B2A1-83E0952B5054}" type="slidenum">
-              <a:rPr lang="en-US"/>
-              <a:pPr/>
-              <a:t>49</a:t>
-            </a:fld>
-            <a:endParaRPr lang="en-US"/>
-          </a:p>
-        </p:txBody>
-      </p:sp>
-      <p:sp>
-        <p:nvSpPr>
-          <p:cNvPr id="739330" name="Rectangle 2"/>
-          <p:cNvSpPr>
-            <a:spLocks noGrp="1" noRot="1" noChangeAspect="1" noChangeArrowheads="1" noTextEdit="1"/>
-          </p:cNvSpPr>
-          <p:nvPr>
-            <p:ph type="sldImg"/>
-          </p:nvPr>
-        </p:nvSpPr>
-        <p:spPr>
-          <a:ln/>
-        </p:spPr>
-      </p:sp>
-      <p:sp>
-        <p:nvSpPr>
-          <p:cNvPr id="739331" name="Rectangle 3"/>
-          <p:cNvSpPr>
-            <a:spLocks noGrp="1" noChangeArrowheads="1"/>
-          </p:cNvSpPr>
-          <p:nvPr>
-            <p:ph type="body" idx="1"/>
-          </p:nvPr>
-        </p:nvSpPr>
-        <p:spPr/>
-        <p:txBody>
-          <a:bodyPr/>
-          <a:lstStyle/>
-          <a:p>
-            <a:endParaRPr lang="en-US"/>
-          </a:p>
-        </p:txBody>
-      </p:sp>
-    </p:spTree>
-  </p:cSld>
-  <p:clrMapOvr>
-    <a:masterClrMapping/>
-  </p:clrMapOvr>
-</p:notes>
-</file>
-
-<file path=ppt/notesSlides/notesSlide47.xml><?xml version="1.0" encoding="utf-8"?>
-<p:notes xmlns:a="http://schemas.openxmlformats.org/drawingml/2006/main" xmlns:r="http://schemas.openxmlformats.org/officeDocument/2006/relationships" xmlns:mc="http://schemas.openxmlformats.org/markup-compatibility/2006" xmlns:mv="urn:schemas-microsoft-com:mac:vml" xmlns:p="http://schemas.openxmlformats.org/presentationml/2006/main" mc:Ignorable="mv" mc:PreserveAttributes="mv:*">
-  <p:cSld>
-    <p:spTree>
-      <p:nvGrpSpPr>
-        <p:cNvPr id="1" name=""/>
-        <p:cNvGrpSpPr/>
-        <p:nvPr/>
-      </p:nvGrpSpPr>
-      <p:grpSpPr>
-        <a:xfrm>
-          <a:off x="0" y="0"/>
-          <a:ext cx="0" cy="0"/>
-          <a:chOff x="0" y="0"/>
-          <a:chExt cx="0" cy="0"/>
-        </a:xfrm>
-      </p:grpSpPr>
-      <p:sp>
-        <p:nvSpPr>
-          <p:cNvPr id="7" name="Rectangle 7"/>
-          <p:cNvSpPr>
-            <a:spLocks noGrp="1" noChangeArrowheads="1"/>
-          </p:cNvSpPr>
-          <p:nvPr>
-            <p:ph type="sldNum" sz="quarter" idx="5"/>
-          </p:nvPr>
-        </p:nvSpPr>
-        <p:spPr>
-          <a:ln/>
-        </p:spPr>
-        <p:txBody>
-          <a:bodyPr/>
-          <a:lstStyle/>
-          <a:p>
-            <a:fld id="{CBD686E6-C2B2-4008-9502-B9FD06BD823B}" type="slidenum">
-              <a:rPr lang="en-US"/>
-              <a:pPr/>
-              <a:t>50</a:t>
-            </a:fld>
-            <a:endParaRPr lang="en-US"/>
-          </a:p>
-        </p:txBody>
-      </p:sp>
-      <p:sp>
-        <p:nvSpPr>
-          <p:cNvPr id="740354" name="Rectangle 2"/>
-          <p:cNvSpPr>
-            <a:spLocks noGrp="1" noRot="1" noChangeAspect="1" noChangeArrowheads="1" noTextEdit="1"/>
-          </p:cNvSpPr>
-          <p:nvPr>
-            <p:ph type="sldImg"/>
-          </p:nvPr>
-        </p:nvSpPr>
-        <p:spPr>
-          <a:ln/>
-        </p:spPr>
-      </p:sp>
-      <p:sp>
-        <p:nvSpPr>
-          <p:cNvPr id="740355" name="Rectangle 3"/>
-          <p:cNvSpPr>
-            <a:spLocks noGrp="1" noChangeArrowheads="1"/>
-          </p:cNvSpPr>
-          <p:nvPr>
-            <p:ph type="body" idx="1"/>
-          </p:nvPr>
-        </p:nvSpPr>
-        <p:spPr/>
-        <p:txBody>
-          <a:bodyPr/>
-          <a:lstStyle/>
-          <a:p>
-            <a:endParaRPr lang="en-US"/>
-          </a:p>
-        </p:txBody>
-      </p:sp>
-    </p:spTree>
-  </p:cSld>
-  <p:clrMapOvr>
-    <a:masterClrMapping/>
-  </p:clrMapOvr>
-</p:notes>
-</file>
-
-<file path=ppt/notesSlides/notesSlide48.xml><?xml version="1.0" encoding="utf-8"?>
-<p:notes xmlns:a="http://schemas.openxmlformats.org/drawingml/2006/main" xmlns:r="http://schemas.openxmlformats.org/officeDocument/2006/relationships" xmlns:mc="http://schemas.openxmlformats.org/markup-compatibility/2006" xmlns:mv="urn:schemas-microsoft-com:mac:vml" xmlns:p="http://schemas.openxmlformats.org/presentationml/2006/main" mc:Ignorable="mv" mc:PreserveAttributes="mv:*">
-  <p:cSld>
-    <p:spTree>
-      <p:nvGrpSpPr>
-        <p:cNvPr id="1" name=""/>
-        <p:cNvGrpSpPr/>
-        <p:nvPr/>
-      </p:nvGrpSpPr>
-      <p:grpSpPr>
-        <a:xfrm>
-          <a:off x="0" y="0"/>
-          <a:ext cx="0" cy="0"/>
-          <a:chOff x="0" y="0"/>
-          <a:chExt cx="0" cy="0"/>
-        </a:xfrm>
-      </p:grpSpPr>
-      <p:sp>
-        <p:nvSpPr>
-          <p:cNvPr id="7" name="Rectangle 7"/>
-          <p:cNvSpPr>
-            <a:spLocks noGrp="1" noChangeArrowheads="1"/>
-          </p:cNvSpPr>
-          <p:nvPr>
-            <p:ph type="sldNum" sz="quarter" idx="5"/>
-          </p:nvPr>
-        </p:nvSpPr>
-        <p:spPr>
-          <a:ln/>
-        </p:spPr>
-        <p:txBody>
-          <a:bodyPr/>
-          <a:lstStyle/>
-          <a:p>
-            <a:fld id="{CBD686E6-C2B2-4008-9502-B9FD06BD823B}" type="slidenum">
-              <a:rPr lang="en-US"/>
-              <a:pPr/>
-              <a:t>51</a:t>
-            </a:fld>
-            <a:endParaRPr lang="en-US"/>
-          </a:p>
-        </p:txBody>
-      </p:sp>
-      <p:sp>
-        <p:nvSpPr>
-          <p:cNvPr id="740354" name="Rectangle 2"/>
-          <p:cNvSpPr>
-            <a:spLocks noGrp="1" noRot="1" noChangeAspect="1" noChangeArrowheads="1" noTextEdit="1"/>
-          </p:cNvSpPr>
-          <p:nvPr>
-            <p:ph type="sldImg"/>
-          </p:nvPr>
-        </p:nvSpPr>
-        <p:spPr>
-          <a:ln/>
-        </p:spPr>
-      </p:sp>
-      <p:sp>
-        <p:nvSpPr>
-          <p:cNvPr id="740355" name="Rectangle 3"/>
-          <p:cNvSpPr>
-            <a:spLocks noGrp="1" noChangeArrowheads="1"/>
-          </p:cNvSpPr>
-          <p:nvPr>
-            <p:ph type="body" idx="1"/>
-          </p:nvPr>
-        </p:nvSpPr>
-        <p:spPr/>
-        <p:txBody>
-          <a:bodyPr/>
-          <a:lstStyle/>
-          <a:p>
-            <a:endParaRPr lang="en-US"/>
-          </a:p>
-        </p:txBody>
-      </p:sp>
-    </p:spTree>
-  </p:cSld>
-  <p:clrMapOvr>
-    <a:masterClrMapping/>
-  </p:clrMapOvr>
-</p:notes>
-</file>
-
-<file path=ppt/notesSlides/notesSlide49.xml><?xml version="1.0" encoding="utf-8"?>
-<p:notes xmlns:a="http://schemas.openxmlformats.org/drawingml/2006/main" xmlns:r="http://schemas.openxmlformats.org/officeDocument/2006/relationships" xmlns:mc="http://schemas.openxmlformats.org/markup-compatibility/2006" xmlns:mv="urn:schemas-microsoft-com:mac:vml" xmlns:p="http://schemas.openxmlformats.org/presentationml/2006/main" mc:Ignorable="mv" mc:PreserveAttributes="mv:*">
-  <p:cSld>
-    <p:spTree>
-      <p:nvGrpSpPr>
-        <p:cNvPr id="1" name=""/>
-        <p:cNvGrpSpPr/>
-        <p:nvPr/>
-      </p:nvGrpSpPr>
-      <p:grpSpPr>
-        <a:xfrm>
-          <a:off x="0" y="0"/>
-          <a:ext cx="0" cy="0"/>
-          <a:chOff x="0" y="0"/>
-          <a:chExt cx="0" cy="0"/>
-        </a:xfrm>
-      </p:grpSpPr>
-      <p:sp>
-        <p:nvSpPr>
-          <p:cNvPr id="7" name="Rectangle 7"/>
-          <p:cNvSpPr>
-            <a:spLocks noGrp="1" noChangeArrowheads="1"/>
-          </p:cNvSpPr>
-          <p:nvPr>
-            <p:ph type="sldNum" sz="quarter" idx="5"/>
-          </p:nvPr>
-        </p:nvSpPr>
-        <p:spPr>
-          <a:ln/>
-        </p:spPr>
-        <p:txBody>
-          <a:bodyPr/>
-          <a:lstStyle/>
-          <a:p>
-            <a:fld id="{A4DBDA39-025B-4392-9FB8-FDD920679165}" type="slidenum">
-              <a:rPr lang="en-US"/>
-              <a:pPr/>
-              <a:t>52</a:t>
-            </a:fld>
-            <a:endParaRPr lang="en-US"/>
-          </a:p>
-        </p:txBody>
-      </p:sp>
-      <p:sp>
-        <p:nvSpPr>
-          <p:cNvPr id="741378" name="Rectangle 2"/>
-          <p:cNvSpPr>
-            <a:spLocks noGrp="1" noRot="1" noChangeAspect="1" noChangeArrowheads="1" noTextEdit="1"/>
-          </p:cNvSpPr>
-          <p:nvPr>
-            <p:ph type="sldImg"/>
-          </p:nvPr>
-        </p:nvSpPr>
-        <p:spPr>
-          <a:ln/>
-        </p:spPr>
-      </p:sp>
-      <p:sp>
-        <p:nvSpPr>
-          <p:cNvPr id="741379" name="Rectangle 3"/>
           <p:cNvSpPr>
             <a:spLocks noGrp="1" noChangeArrowheads="1"/>
           </p:cNvSpPr>
@@ -5896,8 +4623,8 @@
         </p:nvSpPr>
         <p:spPr>
           <a:xfrm>
-            <a:off x="3251200" y="6553200"/>
-            <a:ext cx="2489200" cy="304800"/>
+            <a:off x="3098800" y="6477000"/>
+            <a:ext cx="2844800" cy="304800"/>
           </a:xfrm>
           <a:prstGeom prst="rect">
             <a:avLst/>
@@ -5937,7 +4664,7 @@
                 <a:uFillTx/>
                 <a:latin typeface="Comic Sans MS" pitchFamily="66" charset="0"/>
               </a:rPr>
-              <a:t>Albert R Meyer,</a:t>
+              <a:t>Albert R </a:t>
             </a:r>
             <a:r>
               <a:rPr kumimoji="0" lang="en-US" sz="1200" b="0" i="0" u="none" strike="noStrike" kern="1200" cap="none" spc="0" normalizeH="0" baseline="0" noProof="0" dirty="0" smtClean="0">
@@ -5952,7 +4679,37 @@
                 <a:uFillTx/>
                 <a:latin typeface="Comic Sans MS" pitchFamily="66" charset="0"/>
               </a:rPr>
-              <a:t> Mar 14, 2011</a:t>
+              <a:t>Meyer         March 14</a:t>
+            </a:r>
+            <a:r>
+              <a:rPr kumimoji="0" lang="en-US" sz="1200" b="0" i="0" u="none" strike="noStrike" kern="1200" cap="none" spc="0" normalizeH="0" baseline="0" noProof="0" dirty="0" smtClean="0">
+                <a:ln>
+                  <a:noFill/>
+                </a:ln>
+                <a:solidFill>
+                  <a:schemeClr val="tx1"/>
+                </a:solidFill>
+                <a:effectLst/>
+                <a:uLnTx/>
+                <a:uFillTx/>
+                <a:latin typeface="Comic Sans MS" pitchFamily="66" charset="0"/>
+              </a:rPr>
+              <a:t>, </a:t>
+            </a:r>
+            <a:r>
+              <a:rPr kumimoji="0" lang="en-US" sz="1200" b="0" i="0" u="none" strike="noStrike" kern="1200" cap="none" spc="0" normalizeH="0" baseline="0" noProof="0" dirty="0" smtClean="0">
+                <a:ln>
+                  <a:noFill/>
+                </a:ln>
+                <a:solidFill>
+                  <a:schemeClr val="tx1"/>
+                </a:solidFill>
+                <a:effectLst/>
+                <a:uLnTx/>
+                <a:uFillTx/>
+                <a:latin typeface="Comic Sans MS" pitchFamily="66" charset="0"/>
+              </a:rPr>
+              <a:t>2011</a:t>
             </a:r>
             <a:endParaRPr kumimoji="0" lang="en-US" sz="1200" b="0" i="0" u="none" strike="noStrike" kern="1200" cap="none" spc="0" normalizeH="0" baseline="0" noProof="0" dirty="0">
               <a:ln>
@@ -5993,34 +4750,6 @@
           </a:prstGeom>
         </p:spPr>
       </p:pic>
-      <p:sp>
-        <p:nvSpPr>
-          <p:cNvPr id="11" name="TextBox 10"/>
-          <p:cNvSpPr txBox="1"/>
-          <p:nvPr userDrawn="1"/>
-        </p:nvSpPr>
-        <p:spPr>
-          <a:xfrm>
-            <a:off x="6274741" y="6651037"/>
-            <a:ext cx="914400" cy="914400"/>
-          </a:xfrm>
-          <a:prstGeom prst="rect">
-            <a:avLst/>
-          </a:prstGeom>
-          <a:noFill/>
-        </p:spPr>
-        <p:txBody>
-          <a:bodyPr wrap="none" rtlCol="0">
-            <a:noAutofit/>
-          </a:bodyPr>
-          <a:lstStyle/>
-          <a:p>
-            <a:endParaRPr lang="en-US" sz="5400" dirty="0" smtClean="0">
-              <a:latin typeface="Comic Sans MS" pitchFamily="66" charset="0"/>
-            </a:endParaRPr>
-          </a:p>
-        </p:txBody>
-      </p:sp>
     </p:spTree>
   </p:cSld>
   <p:clrMap bg1="lt1" tx1="dk1" bg2="lt2" tx2="dk2" accent1="accent1" accent2="accent2" accent3="accent3" accent4="accent4" accent5="accent5" accent6="accent6" hlink="hlink" folHlink="folHlink"/>
@@ -6470,7 +5199,7 @@
 </file>
 
 <file path=ppt/slides/slide10.xml><?xml version="1.0" encoding="utf-8"?>
-<p:sld xmlns:a="http://schemas.openxmlformats.org/drawingml/2006/main" xmlns:r="http://schemas.openxmlformats.org/officeDocument/2006/relationships" xmlns:mc="http://schemas.openxmlformats.org/markup-compatibility/2006" xmlns:mv="urn:schemas-microsoft-com:mac:vml" xmlns:p="http://schemas.openxmlformats.org/presentationml/2006/main" mc:Ignorable="mv" mc:PreserveAttributes="mv:*" show="0">
+<p:sld xmlns:a="http://schemas.openxmlformats.org/drawingml/2006/main" xmlns:r="http://schemas.openxmlformats.org/officeDocument/2006/relationships" xmlns:mc="http://schemas.openxmlformats.org/markup-compatibility/2006" xmlns:mv="urn:schemas-microsoft-com:mac:vml" xmlns:p="http://schemas.openxmlformats.org/presentationml/2006/main" mc:Ignorable="mv" mc:PreserveAttributes="mv:*">
   <p:cSld>
     <p:spTree>
       <p:nvGrpSpPr>
@@ -15772,7 +14501,7 @@
 </file>
 
 <file path=ppt/slides/slide26.xml><?xml version="1.0" encoding="utf-8"?>
-<p:sld xmlns:a="http://schemas.openxmlformats.org/drawingml/2006/main" xmlns:r="http://schemas.openxmlformats.org/officeDocument/2006/relationships" xmlns:mc="http://schemas.openxmlformats.org/markup-compatibility/2006" xmlns:mv="urn:schemas-microsoft-com:mac:vml" xmlns:p="http://schemas.openxmlformats.org/presentationml/2006/main" mc:Ignorable="mv" mc:PreserveAttributes="mv:*">
+<p:sld xmlns:a="http://schemas.openxmlformats.org/drawingml/2006/main" xmlns:r="http://schemas.openxmlformats.org/officeDocument/2006/relationships" xmlns:mc="http://schemas.openxmlformats.org/markup-compatibility/2006" xmlns:mv="urn:schemas-microsoft-com:mac:vml" xmlns:p="http://schemas.openxmlformats.org/presentationml/2006/main" mc:Ignorable="mv" mc:PreserveAttributes="mv:*" show="0">
   <p:cSld>
     <p:spTree>
       <p:nvGrpSpPr>
@@ -19905,7 +18634,7 @@
           <a:lstStyle/>
           <a:p>
             <a:r>
-              <a:rPr lang="en-US" sz="3600"/>
+              <a:rPr lang="en-US" sz="3600" dirty="0"/>
               <a:t>Reflexive</a:t>
             </a:r>
           </a:p>
@@ -22051,7 +20780,7 @@
       </p:sp>
       <p:sp>
         <p:nvSpPr>
-          <p:cNvPr id="52" name="Text Box 14"/>
+          <p:cNvPr id="50" name="Text Box 3"/>
           <p:cNvSpPr txBox="1">
             <a:spLocks noChangeArrowheads="1"/>
           </p:cNvSpPr>
@@ -22059,8 +20788,8 @@
         </p:nvSpPr>
         <p:spPr bwMode="auto">
           <a:xfrm>
-            <a:off x="2541575" y="1295400"/>
-            <a:ext cx="3859225" cy="1446550"/>
+            <a:off x="2286000" y="1143000"/>
+            <a:ext cx="4648478" cy="1200329"/>
           </a:xfrm>
           <a:prstGeom prst="rect">
             <a:avLst/>
@@ -22082,391 +20811,367 @@
           <a:p>
             <a:pPr algn="ctr"/>
             <a:r>
-              <a:rPr lang="en-US" sz="4400" dirty="0" smtClean="0"/>
+              <a:rPr lang="en-US" sz="3600" dirty="0" smtClean="0"/>
               <a:t>Total</a:t>
             </a:r>
           </a:p>
           <a:p>
             <a:pPr algn="ctr"/>
             <a:r>
-              <a:rPr lang="en-US" sz="4400" dirty="0" smtClean="0"/>
-              <a:t>looks like a path</a:t>
-            </a:r>
-            <a:endParaRPr lang="en-US" sz="4400" dirty="0"/>
+              <a:rPr lang="en-US" sz="3600" dirty="0" smtClean="0"/>
+              <a:t>(looks like a path/chain)</a:t>
+            </a:r>
+            <a:endParaRPr lang="en-US" sz="3600" dirty="0"/>
           </a:p>
         </p:txBody>
       </p:sp>
       <p:grpSp>
         <p:nvGrpSpPr>
-          <p:cNvPr id="53" name="Group 15"/>
-          <p:cNvGrpSpPr>
-            <a:grpSpLocks/>
-          </p:cNvGrpSpPr>
+          <p:cNvPr id="83" name="Group 82"/>
+          <p:cNvGrpSpPr/>
           <p:nvPr/>
         </p:nvGrpSpPr>
-        <p:grpSpPr bwMode="auto">
-          <a:xfrm rot="5400000">
-            <a:off x="876300" y="4610100"/>
-            <a:ext cx="2209800" cy="152400"/>
-            <a:chOff x="1008" y="3168"/>
-            <a:chExt cx="1392" cy="96"/>
+        <p:grpSpPr>
+          <a:xfrm>
+            <a:off x="4419600" y="2438400"/>
+            <a:ext cx="152400" cy="1225550"/>
+            <a:chOff x="4419600" y="2667000"/>
+            <a:chExt cx="152400" cy="1225550"/>
           </a:xfrm>
         </p:grpSpPr>
-        <p:sp>
-          <p:nvSpPr>
-            <p:cNvPr id="55" name="Oval 16"/>
-            <p:cNvSpPr>
-              <a:spLocks noChangeArrowheads="1"/>
-            </p:cNvSpPr>
+        <p:grpSp>
+          <p:nvGrpSpPr>
+            <p:cNvPr id="82" name="Group 81"/>
+            <p:cNvGrpSpPr/>
             <p:nvPr/>
-          </p:nvSpPr>
-          <p:spPr bwMode="auto">
+          </p:nvGrpSpPr>
+          <p:grpSpPr>
             <a:xfrm>
-              <a:off x="1008" y="3168"/>
-              <a:ext cx="96" cy="96"/>
+              <a:off x="4419600" y="2667000"/>
+              <a:ext cx="152400" cy="762794"/>
+              <a:chOff x="4419600" y="2819400"/>
+              <a:chExt cx="152400" cy="762794"/>
             </a:xfrm>
-            <a:prstGeom prst="ellipse">
-              <a:avLst/>
-            </a:prstGeom>
-            <a:solidFill>
-              <a:srgbClr val="0066FF"/>
-            </a:solidFill>
-            <a:ln w="9525">
+          </p:grpSpPr>
+          <p:sp>
+            <p:nvSpPr>
+              <p:cNvPr id="56" name="Oval 48"/>
+              <p:cNvSpPr>
+                <a:spLocks noChangeArrowheads="1"/>
+              </p:cNvSpPr>
+              <p:nvPr/>
+            </p:nvSpPr>
+            <p:spPr bwMode="auto">
+              <a:xfrm>
+                <a:off x="4419600" y="2819400"/>
+                <a:ext cx="152400" cy="152400"/>
+              </a:xfrm>
+              <a:prstGeom prst="ellipse">
+                <a:avLst/>
+              </a:prstGeom>
               <a:solidFill>
-                <a:schemeClr val="tx1"/>
+                <a:srgbClr val="FFFF00"/>
               </a:solidFill>
-              <a:round/>
-              <a:headEnd/>
-              <a:tailEnd type="none" w="lg" len="lg"/>
-            </a:ln>
-            <a:effectLst/>
-          </p:spPr>
-          <p:txBody>
-            <a:bodyPr wrap="none" anchor="ctr"/>
-            <a:lstStyle/>
-            <a:p>
-              <a:endParaRPr lang="en-US"/>
-            </a:p>
-          </p:txBody>
-        </p:sp>
-        <p:sp>
-          <p:nvSpPr>
-            <p:cNvPr id="56" name="Oval 17"/>
-            <p:cNvSpPr>
-              <a:spLocks noChangeArrowheads="1"/>
-            </p:cNvSpPr>
+              <a:ln w="9525">
+                <a:solidFill>
+                  <a:schemeClr val="tx1"/>
+                </a:solidFill>
+                <a:round/>
+                <a:headEnd/>
+                <a:tailEnd type="none" w="lg" len="lg"/>
+              </a:ln>
+              <a:effectLst/>
+            </p:spPr>
+            <p:txBody>
+              <a:bodyPr wrap="none" anchor="ctr"/>
+              <a:lstStyle/>
+              <a:p>
+                <a:endParaRPr lang="en-US"/>
+              </a:p>
+            </p:txBody>
+          </p:sp>
+          <p:cxnSp>
+            <p:nvCxnSpPr>
+              <p:cNvPr id="75" name="AutoShape 19"/>
+              <p:cNvCxnSpPr>
+                <a:cxnSpLocks noChangeShapeType="1"/>
+                <a:stCxn id="56" idx="4"/>
+              </p:cNvCxnSpPr>
+              <p:nvPr/>
+            </p:nvCxnSpPr>
+            <p:spPr bwMode="auto">
+              <a:xfrm rot="5400000">
+                <a:off x="4191000" y="3276600"/>
+                <a:ext cx="609600" cy="1588"/>
+              </a:xfrm>
+              <a:prstGeom prst="straightConnector1">
+                <a:avLst/>
+              </a:prstGeom>
+              <a:noFill/>
+              <a:ln w="31750">
+                <a:solidFill>
+                  <a:srgbClr val="000080"/>
+                </a:solidFill>
+                <a:round/>
+                <a:headEnd/>
+                <a:tailEnd type="stealth" w="lg" len="lg"/>
+              </a:ln>
+              <a:effectLst/>
+            </p:spPr>
+          </p:cxnSp>
+        </p:grpSp>
+        <p:graphicFrame>
+          <p:nvGraphicFramePr>
+            <p:cNvPr id="81" name="Object 80"/>
+            <p:cNvGraphicFramePr>
+              <a:graphicFrameLocks noChangeAspect="1"/>
+            </p:cNvGraphicFramePr>
             <p:nvPr/>
-          </p:nvSpPr>
-          <p:spPr bwMode="auto">
-            <a:xfrm>
-              <a:off x="1728" y="3168"/>
-              <a:ext cx="96" cy="96"/>
-            </a:xfrm>
-            <a:prstGeom prst="ellipse">
-              <a:avLst/>
-            </a:prstGeom>
-            <a:solidFill>
-              <a:srgbClr val="0066FF"/>
-            </a:solidFill>
-            <a:ln w="9525">
-              <a:solidFill>
-                <a:schemeClr val="tx1"/>
-              </a:solidFill>
-              <a:round/>
-              <a:headEnd/>
-              <a:tailEnd type="none" w="lg" len="lg"/>
-            </a:ln>
-            <a:effectLst/>
-          </p:spPr>
-          <p:txBody>
-            <a:bodyPr wrap="none" anchor="ctr"/>
-            <a:lstStyle/>
-            <a:p>
-              <a:endParaRPr lang="en-US"/>
-            </a:p>
-          </p:txBody>
-        </p:sp>
-        <p:sp>
-          <p:nvSpPr>
-            <p:cNvPr id="57" name="Oval 18"/>
-            <p:cNvSpPr>
-              <a:spLocks noChangeArrowheads="1"/>
-            </p:cNvSpPr>
-            <p:nvPr/>
-          </p:nvSpPr>
-          <p:spPr bwMode="auto">
-            <a:xfrm>
-              <a:off x="2304" y="3168"/>
-              <a:ext cx="96" cy="96"/>
-            </a:xfrm>
-            <a:prstGeom prst="ellipse">
-              <a:avLst/>
-            </a:prstGeom>
-            <a:solidFill>
-              <a:srgbClr val="0066FF"/>
-            </a:solidFill>
-            <a:ln w="9525">
-              <a:solidFill>
-                <a:schemeClr val="tx1"/>
-              </a:solidFill>
-              <a:round/>
-              <a:headEnd/>
-              <a:tailEnd type="none" w="lg" len="lg"/>
-            </a:ln>
-            <a:effectLst/>
-          </p:spPr>
-          <p:txBody>
-            <a:bodyPr wrap="none" anchor="ctr"/>
-            <a:lstStyle/>
-            <a:p>
-              <a:endParaRPr lang="en-US"/>
-            </a:p>
-          </p:txBody>
-        </p:sp>
-        <p:cxnSp>
-          <p:nvCxnSpPr>
-            <p:cNvPr id="58" name="AutoShape 19"/>
-            <p:cNvCxnSpPr>
-              <a:cxnSpLocks noChangeShapeType="1"/>
-              <a:stCxn id="55" idx="6"/>
-              <a:endCxn id="56" idx="2"/>
-            </p:cNvCxnSpPr>
-            <p:nvPr/>
-          </p:nvCxnSpPr>
-          <p:spPr bwMode="auto">
-            <a:xfrm>
-              <a:off x="1104" y="3216"/>
-              <a:ext cx="624" cy="0"/>
-            </a:xfrm>
-            <a:prstGeom prst="straightConnector1">
-              <a:avLst/>
-            </a:prstGeom>
-            <a:noFill/>
-            <a:ln w="31750">
-              <a:solidFill>
-                <a:srgbClr val="000080"/>
-              </a:solidFill>
-              <a:round/>
-              <a:headEnd/>
-              <a:tailEnd type="stealth" w="lg" len="lg"/>
-            </a:ln>
-            <a:effectLst/>
-          </p:spPr>
-        </p:cxnSp>
-        <p:cxnSp>
-          <p:nvCxnSpPr>
-            <p:cNvPr id="59" name="AutoShape 20"/>
-            <p:cNvCxnSpPr>
-              <a:cxnSpLocks noChangeShapeType="1"/>
-            </p:cNvCxnSpPr>
-            <p:nvPr/>
-          </p:nvCxnSpPr>
-          <p:spPr bwMode="auto">
-            <a:xfrm>
-              <a:off x="1824" y="3216"/>
-              <a:ext cx="480" cy="0"/>
-            </a:xfrm>
-            <a:prstGeom prst="straightConnector1">
-              <a:avLst/>
-            </a:prstGeom>
-            <a:noFill/>
-            <a:ln w="31750">
-              <a:solidFill>
-                <a:srgbClr val="000080"/>
-              </a:solidFill>
-              <a:round/>
-              <a:headEnd/>
-              <a:tailEnd type="stealth" w="lg" len="lg"/>
-            </a:ln>
-            <a:effectLst/>
-          </p:spPr>
-        </p:cxnSp>
+          </p:nvGraphicFramePr>
+          <p:xfrm>
+            <a:off x="4419600" y="3429000"/>
+            <a:ext cx="152400" cy="463550"/>
+          </p:xfrm>
+          <a:graphic>
+            <a:graphicData uri="http://schemas.openxmlformats.org/presentationml/2006/ole">
+              <p:oleObj spid="_x0000_s217090" name="Equation" r:id="rId3" imgW="76200" imgH="165100" progId="Equation.DSMT4">
+                <p:embed/>
+              </p:oleObj>
+            </a:graphicData>
+          </a:graphic>
+        </p:graphicFrame>
       </p:grpSp>
       <p:grpSp>
         <p:nvGrpSpPr>
-          <p:cNvPr id="60" name="Group 15"/>
-          <p:cNvGrpSpPr>
-            <a:grpSpLocks/>
-          </p:cNvGrpSpPr>
+          <p:cNvPr id="84" name="Group 83"/>
+          <p:cNvGrpSpPr/>
           <p:nvPr/>
         </p:nvGrpSpPr>
-        <p:grpSpPr bwMode="auto">
-          <a:xfrm rot="5400000">
-            <a:off x="876300" y="2552700"/>
-            <a:ext cx="2209800" cy="152400"/>
-            <a:chOff x="1008" y="3168"/>
-            <a:chExt cx="1392" cy="96"/>
+        <p:grpSpPr>
+          <a:xfrm>
+            <a:off x="4419600" y="3657600"/>
+            <a:ext cx="152400" cy="1225550"/>
+            <a:chOff x="4419600" y="2667000"/>
+            <a:chExt cx="152400" cy="1225550"/>
           </a:xfrm>
         </p:grpSpPr>
-        <p:sp>
-          <p:nvSpPr>
-            <p:cNvPr id="61" name="Oval 16"/>
-            <p:cNvSpPr>
-              <a:spLocks noChangeArrowheads="1"/>
-            </p:cNvSpPr>
+        <p:grpSp>
+          <p:nvGrpSpPr>
+            <p:cNvPr id="85" name="Group 81"/>
+            <p:cNvGrpSpPr/>
             <p:nvPr/>
-          </p:nvSpPr>
-          <p:spPr bwMode="auto">
+          </p:nvGrpSpPr>
+          <p:grpSpPr>
             <a:xfrm>
-              <a:off x="1008" y="3168"/>
-              <a:ext cx="96" cy="96"/>
+              <a:off x="4419600" y="2667000"/>
+              <a:ext cx="152400" cy="762794"/>
+              <a:chOff x="4419600" y="2819400"/>
+              <a:chExt cx="152400" cy="762794"/>
             </a:xfrm>
-            <a:prstGeom prst="ellipse">
-              <a:avLst/>
-            </a:prstGeom>
-            <a:solidFill>
-              <a:srgbClr val="0066FF"/>
-            </a:solidFill>
-            <a:ln w="9525">
+          </p:grpSpPr>
+          <p:sp>
+            <p:nvSpPr>
+              <p:cNvPr id="87" name="Oval 48"/>
+              <p:cNvSpPr>
+                <a:spLocks noChangeArrowheads="1"/>
+              </p:cNvSpPr>
+              <p:nvPr/>
+            </p:nvSpPr>
+            <p:spPr bwMode="auto">
+              <a:xfrm>
+                <a:off x="4419600" y="2819400"/>
+                <a:ext cx="152400" cy="152400"/>
+              </a:xfrm>
+              <a:prstGeom prst="ellipse">
+                <a:avLst/>
+              </a:prstGeom>
               <a:solidFill>
-                <a:schemeClr val="tx1"/>
+                <a:srgbClr val="FFFF00"/>
               </a:solidFill>
-              <a:round/>
-              <a:headEnd/>
-              <a:tailEnd type="none" w="lg" len="lg"/>
-            </a:ln>
-            <a:effectLst/>
-          </p:spPr>
-          <p:txBody>
-            <a:bodyPr wrap="none" anchor="ctr"/>
-            <a:lstStyle/>
-            <a:p>
-              <a:endParaRPr lang="en-US"/>
-            </a:p>
-          </p:txBody>
-        </p:sp>
-        <p:sp>
-          <p:nvSpPr>
-            <p:cNvPr id="62" name="Oval 17"/>
-            <p:cNvSpPr>
-              <a:spLocks noChangeArrowheads="1"/>
-            </p:cNvSpPr>
+              <a:ln w="9525">
+                <a:solidFill>
+                  <a:schemeClr val="tx1"/>
+                </a:solidFill>
+                <a:round/>
+                <a:headEnd/>
+                <a:tailEnd type="none" w="lg" len="lg"/>
+              </a:ln>
+              <a:effectLst/>
+            </p:spPr>
+            <p:txBody>
+              <a:bodyPr wrap="none" anchor="ctr"/>
+              <a:lstStyle/>
+              <a:p>
+                <a:endParaRPr lang="en-US"/>
+              </a:p>
+            </p:txBody>
+          </p:sp>
+          <p:cxnSp>
+            <p:nvCxnSpPr>
+              <p:cNvPr id="88" name="AutoShape 19"/>
+              <p:cNvCxnSpPr>
+                <a:cxnSpLocks noChangeShapeType="1"/>
+                <a:stCxn id="87" idx="4"/>
+              </p:cNvCxnSpPr>
+              <p:nvPr/>
+            </p:nvCxnSpPr>
+            <p:spPr bwMode="auto">
+              <a:xfrm rot="5400000">
+                <a:off x="4191000" y="3276600"/>
+                <a:ext cx="609600" cy="1588"/>
+              </a:xfrm>
+              <a:prstGeom prst="straightConnector1">
+                <a:avLst/>
+              </a:prstGeom>
+              <a:noFill/>
+              <a:ln w="31750">
+                <a:solidFill>
+                  <a:srgbClr val="000080"/>
+                </a:solidFill>
+                <a:round/>
+                <a:headEnd/>
+                <a:tailEnd type="stealth" w="lg" len="lg"/>
+              </a:ln>
+              <a:effectLst/>
+            </p:spPr>
+          </p:cxnSp>
+        </p:grpSp>
+        <p:graphicFrame>
+          <p:nvGraphicFramePr>
+            <p:cNvPr id="86" name="Object 85"/>
+            <p:cNvGraphicFramePr>
+              <a:graphicFrameLocks noChangeAspect="1"/>
+            </p:cNvGraphicFramePr>
             <p:nvPr/>
-          </p:nvSpPr>
-          <p:spPr bwMode="auto">
+          </p:nvGraphicFramePr>
+          <p:xfrm>
+            <a:off x="4419600" y="3429000"/>
+            <a:ext cx="152400" cy="463550"/>
+          </p:xfrm>
+          <a:graphic>
+            <a:graphicData uri="http://schemas.openxmlformats.org/presentationml/2006/ole">
+              <p:oleObj spid="_x0000_s217091" name="Equation" r:id="rId4" imgW="76200" imgH="165100" progId="Equation.DSMT4">
+                <p:embed/>
+              </p:oleObj>
+            </a:graphicData>
+          </a:graphic>
+        </p:graphicFrame>
+      </p:grpSp>
+      <p:grpSp>
+        <p:nvGrpSpPr>
+          <p:cNvPr id="89" name="Group 88"/>
+          <p:cNvGrpSpPr/>
+          <p:nvPr/>
+        </p:nvGrpSpPr>
+        <p:grpSpPr>
+          <a:xfrm>
+            <a:off x="4419600" y="4953000"/>
+            <a:ext cx="152400" cy="1225550"/>
+            <a:chOff x="4419600" y="2667000"/>
+            <a:chExt cx="152400" cy="1225550"/>
+          </a:xfrm>
+        </p:grpSpPr>
+        <p:grpSp>
+          <p:nvGrpSpPr>
+            <p:cNvPr id="90" name="Group 81"/>
+            <p:cNvGrpSpPr/>
+            <p:nvPr/>
+          </p:nvGrpSpPr>
+          <p:grpSpPr>
             <a:xfrm>
-              <a:off x="1728" y="3168"/>
-              <a:ext cx="96" cy="96"/>
+              <a:off x="4419600" y="2667000"/>
+              <a:ext cx="152400" cy="762794"/>
+              <a:chOff x="4419600" y="2819400"/>
+              <a:chExt cx="152400" cy="762794"/>
             </a:xfrm>
-            <a:prstGeom prst="ellipse">
-              <a:avLst/>
-            </a:prstGeom>
-            <a:solidFill>
-              <a:srgbClr val="0066FF"/>
-            </a:solidFill>
-            <a:ln w="9525">
+          </p:grpSpPr>
+          <p:sp>
+            <p:nvSpPr>
+              <p:cNvPr id="92" name="Oval 48"/>
+              <p:cNvSpPr>
+                <a:spLocks noChangeArrowheads="1"/>
+              </p:cNvSpPr>
+              <p:nvPr/>
+            </p:nvSpPr>
+            <p:spPr bwMode="auto">
+              <a:xfrm>
+                <a:off x="4419600" y="2819400"/>
+                <a:ext cx="152400" cy="152400"/>
+              </a:xfrm>
+              <a:prstGeom prst="ellipse">
+                <a:avLst/>
+              </a:prstGeom>
               <a:solidFill>
-                <a:schemeClr val="tx1"/>
+                <a:srgbClr val="FFFF00"/>
               </a:solidFill>
-              <a:round/>
-              <a:headEnd/>
-              <a:tailEnd type="none" w="lg" len="lg"/>
-            </a:ln>
-            <a:effectLst/>
-          </p:spPr>
-          <p:txBody>
-            <a:bodyPr wrap="none" anchor="ctr"/>
-            <a:lstStyle/>
-            <a:p>
-              <a:endParaRPr lang="en-US"/>
-            </a:p>
-          </p:txBody>
-        </p:sp>
-        <p:sp>
-          <p:nvSpPr>
-            <p:cNvPr id="63" name="Oval 18"/>
-            <p:cNvSpPr>
-              <a:spLocks noChangeArrowheads="1"/>
-            </p:cNvSpPr>
+              <a:ln w="9525">
+                <a:solidFill>
+                  <a:schemeClr val="tx1"/>
+                </a:solidFill>
+                <a:round/>
+                <a:headEnd/>
+                <a:tailEnd type="none" w="lg" len="lg"/>
+              </a:ln>
+              <a:effectLst/>
+            </p:spPr>
+            <p:txBody>
+              <a:bodyPr wrap="none" anchor="ctr"/>
+              <a:lstStyle/>
+              <a:p>
+                <a:endParaRPr lang="en-US"/>
+              </a:p>
+            </p:txBody>
+          </p:sp>
+          <p:cxnSp>
+            <p:nvCxnSpPr>
+              <p:cNvPr id="93" name="AutoShape 19"/>
+              <p:cNvCxnSpPr>
+                <a:cxnSpLocks noChangeShapeType="1"/>
+                <a:stCxn id="92" idx="4"/>
+              </p:cNvCxnSpPr>
+              <p:nvPr/>
+            </p:nvCxnSpPr>
+            <p:spPr bwMode="auto">
+              <a:xfrm rot="5400000">
+                <a:off x="4191000" y="3276600"/>
+                <a:ext cx="609600" cy="1588"/>
+              </a:xfrm>
+              <a:prstGeom prst="straightConnector1">
+                <a:avLst/>
+              </a:prstGeom>
+              <a:noFill/>
+              <a:ln w="31750">
+                <a:solidFill>
+                  <a:srgbClr val="000080"/>
+                </a:solidFill>
+                <a:round/>
+                <a:headEnd/>
+                <a:tailEnd type="stealth" w="lg" len="lg"/>
+              </a:ln>
+              <a:effectLst/>
+            </p:spPr>
+          </p:cxnSp>
+        </p:grpSp>
+        <p:graphicFrame>
+          <p:nvGraphicFramePr>
+            <p:cNvPr id="91" name="Object 90"/>
+            <p:cNvGraphicFramePr>
+              <a:graphicFrameLocks noChangeAspect="1"/>
+            </p:cNvGraphicFramePr>
             <p:nvPr/>
-          </p:nvSpPr>
-          <p:spPr bwMode="auto">
-            <a:xfrm>
-              <a:off x="2304" y="3168"/>
-              <a:ext cx="96" cy="96"/>
-            </a:xfrm>
-            <a:prstGeom prst="ellipse">
-              <a:avLst/>
-            </a:prstGeom>
-            <a:solidFill>
-              <a:srgbClr val="0066FF"/>
-            </a:solidFill>
-            <a:ln w="9525">
-              <a:solidFill>
-                <a:schemeClr val="tx1"/>
-              </a:solidFill>
-              <a:round/>
-              <a:headEnd/>
-              <a:tailEnd type="none" w="lg" len="lg"/>
-            </a:ln>
-            <a:effectLst/>
-          </p:spPr>
-          <p:txBody>
-            <a:bodyPr wrap="none" anchor="ctr"/>
-            <a:lstStyle/>
-            <a:p>
-              <a:endParaRPr lang="en-US"/>
-            </a:p>
-          </p:txBody>
-        </p:sp>
-        <p:cxnSp>
-          <p:nvCxnSpPr>
-            <p:cNvPr id="64" name="AutoShape 19"/>
-            <p:cNvCxnSpPr>
-              <a:cxnSpLocks noChangeShapeType="1"/>
-              <a:stCxn id="61" idx="6"/>
-              <a:endCxn id="62" idx="2"/>
-            </p:cNvCxnSpPr>
-            <p:nvPr/>
-          </p:nvCxnSpPr>
-          <p:spPr bwMode="auto">
-            <a:xfrm>
-              <a:off x="1104" y="3216"/>
-              <a:ext cx="624" cy="0"/>
-            </a:xfrm>
-            <a:prstGeom prst="straightConnector1">
-              <a:avLst/>
-            </a:prstGeom>
-            <a:noFill/>
-            <a:ln w="31750">
-              <a:solidFill>
-                <a:srgbClr val="000080"/>
-              </a:solidFill>
-              <a:round/>
-              <a:headEnd/>
-              <a:tailEnd type="stealth" w="lg" len="lg"/>
-            </a:ln>
-            <a:effectLst/>
-          </p:spPr>
-        </p:cxnSp>
-        <p:cxnSp>
-          <p:nvCxnSpPr>
-            <p:cNvPr id="65" name="AutoShape 20"/>
-            <p:cNvCxnSpPr>
-              <a:cxnSpLocks noChangeShapeType="1"/>
-            </p:cNvCxnSpPr>
-            <p:nvPr/>
-          </p:nvCxnSpPr>
-          <p:spPr bwMode="auto">
-            <a:xfrm>
-              <a:off x="1824" y="3216"/>
-              <a:ext cx="480" cy="0"/>
-            </a:xfrm>
-            <a:prstGeom prst="straightConnector1">
-              <a:avLst/>
-            </a:prstGeom>
-            <a:noFill/>
-            <a:ln w="31750">
-              <a:solidFill>
-                <a:srgbClr val="000080"/>
-              </a:solidFill>
-              <a:round/>
-              <a:headEnd/>
-              <a:tailEnd type="stealth" w="lg" len="lg"/>
-            </a:ln>
-            <a:effectLst/>
-          </p:spPr>
-        </p:cxnSp>
+          </p:nvGraphicFramePr>
+          <p:xfrm>
+            <a:off x="4419600" y="3429000"/>
+            <a:ext cx="152400" cy="463550"/>
+          </p:xfrm>
+          <a:graphic>
+            <a:graphicData uri="http://schemas.openxmlformats.org/presentationml/2006/ole">
+              <p:oleObj spid="_x0000_s217092" name="Equation" r:id="rId5" imgW="76200" imgH="165100" progId="Equation.DSMT4">
+                <p:embed/>
+              </p:oleObj>
+            </a:graphicData>
+          </a:graphic>
+        </p:graphicFrame>
       </p:grpSp>
     </p:spTree>
   </p:cSld>
@@ -22510,7 +21215,7 @@
                                           </p:stCondLst>
                                         </p:cTn>
                                         <p:tgtEl>
-                                          <p:spTgt spid="60"/>
+                                          <p:spTgt spid="83"/>
                                         </p:tgtEl>
                                         <p:attrNameLst>
                                           <p:attrName>style.visibility</p:attrName>
@@ -22524,7 +21229,7 @@
                                       <p:cBhvr>
                                         <p:cTn id="7" dur="1000"/>
                                         <p:tgtEl>
-                                          <p:spTgt spid="60"/>
+                                          <p:spTgt spid="83"/>
                                         </p:tgtEl>
                                       </p:cBhvr>
                                     </p:animEffect>
@@ -22554,7 +21259,7 @@
                                           </p:stCondLst>
                                         </p:cTn>
                                         <p:tgtEl>
-                                          <p:spTgt spid="53"/>
+                                          <p:spTgt spid="84"/>
                                         </p:tgtEl>
                                         <p:attrNameLst>
                                           <p:attrName>style.visibility</p:attrName>
@@ -22568,7 +21273,51 @@
                                       <p:cBhvr>
                                         <p:cTn id="11" dur="1000"/>
                                         <p:tgtEl>
-                                          <p:spTgt spid="53"/>
+                                          <p:spTgt spid="84"/>
+                                        </p:tgtEl>
+                                      </p:cBhvr>
+                                    </p:animEffect>
+                                  </p:childTnLst>
+                                </p:cTn>
+                              </p:par>
+                            </p:childTnLst>
+                          </p:cTn>
+                        </p:par>
+                        <p:par>
+                          <p:cTn id="12" fill="hold">
+                            <p:stCondLst>
+                              <p:cond delay="2000"/>
+                            </p:stCondLst>
+                            <p:childTnLst>
+                              <p:par>
+                                <p:cTn id="13" presetID="22" presetClass="entr" presetSubtype="1" fill="hold" nodeType="afterEffect">
+                                  <p:stCondLst>
+                                    <p:cond delay="0"/>
+                                  </p:stCondLst>
+                                  <p:childTnLst>
+                                    <p:set>
+                                      <p:cBhvr>
+                                        <p:cTn id="14" dur="1" fill="hold">
+                                          <p:stCondLst>
+                                            <p:cond delay="0"/>
+                                          </p:stCondLst>
+                                        </p:cTn>
+                                        <p:tgtEl>
+                                          <p:spTgt spid="89"/>
+                                        </p:tgtEl>
+                                        <p:attrNameLst>
+                                          <p:attrName>style.visibility</p:attrName>
+                                        </p:attrNameLst>
+                                      </p:cBhvr>
+                                      <p:to>
+                                        <p:strVal val="visible"/>
+                                      </p:to>
+                                    </p:set>
+                                    <p:animEffect transition="in" filter="wipe(up)">
+                                      <p:cBhvr>
+                                        <p:cTn id="15" dur="1000"/>
+                                        <p:tgtEl>
+                                          <p:spTgt spid="89"/>
                                         </p:tgtEl>
                                       </p:cBhvr>
                                     </p:animEffect>
@@ -23071,434 +21820,6 @@
     <p:bldLst>
       <p:bldP spid="559106" grpId="0"/>
     </p:bldLst>
-  </p:timing>
-</p:sld>
-</file>
-
-<file path=ppt/slides/slide38.xml><?xml version="1.0" encoding="utf-8"?>
-<p:sld xmlns:a="http://schemas.openxmlformats.org/drawingml/2006/main" xmlns:r="http://schemas.openxmlformats.org/officeDocument/2006/relationships" xmlns:mc="http://schemas.openxmlformats.org/markup-compatibility/2006" xmlns:mv="urn:schemas-microsoft-com:mac:vml" xmlns:p="http://schemas.openxmlformats.org/presentationml/2006/main" mc:Ignorable="mv" mc:PreserveAttributes="mv:*" show="0">
-  <p:cSld>
-    <p:spTree>
-      <p:nvGrpSpPr>
-        <p:cNvPr id="1" name=""/>
-        <p:cNvGrpSpPr/>
-        <p:nvPr/>
-      </p:nvGrpSpPr>
-      <p:grpSpPr>
-        <a:xfrm>
-          <a:off x="0" y="0"/>
-          <a:ext cx="0" cy="0"/>
-          <a:chOff x="0" y="0"/>
-          <a:chExt cx="0" cy="0"/>
-        </a:xfrm>
-      </p:grpSpPr>
-      <p:sp>
-        <p:nvSpPr>
-          <p:cNvPr id="336898" name="Rectangle 2"/>
-          <p:cNvSpPr>
-            <a:spLocks noGrp="1" noChangeArrowheads="1"/>
-          </p:cNvSpPr>
-          <p:nvPr>
-            <p:ph type="title"/>
-          </p:nvPr>
-        </p:nvSpPr>
-        <p:spPr>
-          <a:xfrm>
-            <a:off x="1447800" y="274638"/>
-            <a:ext cx="7162800" cy="1173162"/>
-          </a:xfrm>
-        </p:spPr>
-        <p:txBody>
-          <a:bodyPr>
-            <a:noAutofit/>
-          </a:bodyPr>
-          <a:lstStyle/>
-          <a:p>
-            <a:r>
-              <a:rPr lang="en-US" dirty="0" err="1" smtClean="0">
-                <a:cs typeface="Times New Roman" pitchFamily="18" charset="0"/>
-              </a:rPr>
-              <a:t>reals</a:t>
-            </a:r>
-            <a:r>
-              <a:rPr lang="en-US" dirty="0" smtClean="0">
-                <a:cs typeface="Times New Roman" pitchFamily="18" charset="0"/>
-              </a:rPr>
-              <a:t> are totally ordered</a:t>
-            </a:r>
-            <a:endParaRPr lang="en-US" dirty="0">
-              <a:cs typeface="Times New Roman" pitchFamily="18" charset="0"/>
-              <a:sym typeface="Euclid Math Two" pitchFamily="18" charset="2"/>
-            </a:endParaRPr>
-          </a:p>
-        </p:txBody>
-      </p:sp>
-      <p:sp>
-        <p:nvSpPr>
-          <p:cNvPr id="336899" name="Rectangle 3"/>
-          <p:cNvSpPr>
-            <a:spLocks noGrp="1" noChangeArrowheads="1"/>
-          </p:cNvSpPr>
-          <p:nvPr>
-            <p:ph type="body" idx="1"/>
-          </p:nvPr>
-        </p:nvSpPr>
-        <p:spPr>
-          <a:xfrm>
-            <a:off x="304800" y="1752600"/>
-            <a:ext cx="8458200" cy="3352800"/>
-          </a:xfrm>
-        </p:spPr>
-        <p:txBody>
-          <a:bodyPr/>
-          <a:lstStyle/>
-          <a:p>
-            <a:pPr marL="609600" indent="-609600" algn="ctr">
-              <a:buNone/>
-            </a:pPr>
-            <a:r>
-              <a:rPr lang="en-US" sz="5400" dirty="0" smtClean="0">
-                <a:sym typeface="Symbol" pitchFamily="18" charset="2"/>
-              </a:rPr>
-              <a:t>for real numbers </a:t>
-            </a:r>
-            <a:r>
-              <a:rPr lang="en-US" sz="5400" dirty="0" smtClean="0">
-                <a:solidFill>
-                  <a:srgbClr val="1E03BD"/>
-                </a:solidFill>
-                <a:sym typeface="Symbol" pitchFamily="18" charset="2"/>
-              </a:rPr>
-              <a:t>a </a:t>
-            </a:r>
-            <a:r>
-              <a:rPr lang="en-US" sz="5400" dirty="0" smtClean="0">
-                <a:solidFill>
-                  <a:srgbClr val="1E03BD"/>
-                </a:solidFill>
-                <a:latin typeface="Symbol" pitchFamily="18" charset="2"/>
-                <a:sym typeface="Symbol" pitchFamily="18" charset="2"/>
-              </a:rPr>
-              <a:t> </a:t>
-            </a:r>
-            <a:r>
-              <a:rPr lang="en-US" sz="5400" dirty="0" smtClean="0">
-                <a:solidFill>
-                  <a:srgbClr val="1E03BD"/>
-                </a:solidFill>
-                <a:sym typeface="Symbol" pitchFamily="18" charset="2"/>
-              </a:rPr>
-              <a:t>b</a:t>
-            </a:r>
-          </a:p>
-          <a:p>
-            <a:pPr marL="609600" indent="-609600" algn="ctr">
-              <a:buFontTx/>
-              <a:buNone/>
-            </a:pPr>
-            <a:r>
-              <a:rPr lang="en-US" sz="8000" dirty="0" smtClean="0">
-                <a:solidFill>
-                  <a:srgbClr val="1E03BD"/>
-                </a:solidFill>
-                <a:sym typeface="Symbol" pitchFamily="18" charset="2"/>
-              </a:rPr>
-              <a:t>a </a:t>
-            </a:r>
-            <a:r>
-              <a:rPr lang="en-US" sz="8000" b="1" dirty="0">
-                <a:solidFill>
-                  <a:srgbClr val="1E03BD"/>
-                </a:solidFill>
-                <a:latin typeface="Symbol" pitchFamily="18" charset="2"/>
-                <a:sym typeface="Symbol" pitchFamily="18" charset="2"/>
-              </a:rPr>
-              <a:t>&lt;</a:t>
-            </a:r>
-            <a:r>
-              <a:rPr lang="en-US" sz="8000" dirty="0">
-                <a:solidFill>
-                  <a:srgbClr val="1E03BD"/>
-                </a:solidFill>
-                <a:sym typeface="Symbol" pitchFamily="18" charset="2"/>
-              </a:rPr>
-              <a:t> b</a:t>
-            </a:r>
-            <a:r>
-              <a:rPr lang="en-US" sz="8000" dirty="0">
-                <a:sym typeface="Symbol" pitchFamily="18" charset="2"/>
-              </a:rPr>
-              <a:t> or </a:t>
-            </a:r>
-            <a:r>
-              <a:rPr lang="en-US" sz="8000" dirty="0">
-                <a:solidFill>
-                  <a:srgbClr val="1E03BD"/>
-                </a:solidFill>
-                <a:sym typeface="Symbol" pitchFamily="18" charset="2"/>
-              </a:rPr>
-              <a:t>b </a:t>
-            </a:r>
-            <a:r>
-              <a:rPr lang="en-US" sz="8000" b="1" dirty="0">
-                <a:solidFill>
-                  <a:srgbClr val="1E03BD"/>
-                </a:solidFill>
-                <a:latin typeface="Symbol" pitchFamily="18" charset="2"/>
-                <a:sym typeface="Symbol" pitchFamily="18" charset="2"/>
-              </a:rPr>
-              <a:t>&lt;</a:t>
-            </a:r>
-            <a:r>
-              <a:rPr lang="en-US" sz="8000" dirty="0">
-                <a:solidFill>
-                  <a:srgbClr val="1E03BD"/>
-                </a:solidFill>
-                <a:latin typeface="Symbol" pitchFamily="18" charset="2"/>
-                <a:sym typeface="Symbol" pitchFamily="18" charset="2"/>
-              </a:rPr>
-              <a:t> </a:t>
-            </a:r>
-            <a:r>
-              <a:rPr lang="en-US" sz="8000" dirty="0" smtClean="0">
-                <a:solidFill>
-                  <a:srgbClr val="1E03BD"/>
-                </a:solidFill>
-                <a:sym typeface="Symbol" pitchFamily="18" charset="2"/>
-              </a:rPr>
-              <a:t>a</a:t>
-            </a:r>
-          </a:p>
-        </p:txBody>
-      </p:sp>
-    </p:spTree>
-  </p:cSld>
-  <p:clrMapOvr>
-    <a:masterClrMapping/>
-  </p:clrMapOvr>
-  <p:transition/>
-  <p:timing>
-    <p:tnLst>
-      <p:par>
-        <p:cTn id="1" dur="indefinite" restart="never" nodeType="tmRoot"/>
-      </p:par>
-    </p:tnLst>
-  </p:timing>
-</p:sld>
-</file>
-
-<file path=ppt/slides/slide39.xml><?xml version="1.0" encoding="utf-8"?>
-<p:sld xmlns:a="http://schemas.openxmlformats.org/drawingml/2006/main" xmlns:r="http://schemas.openxmlformats.org/officeDocument/2006/relationships" xmlns:mc="http://schemas.openxmlformats.org/markup-compatibility/2006" xmlns:mv="urn:schemas-microsoft-com:mac:vml" xmlns:p="http://schemas.openxmlformats.org/presentationml/2006/main" mc:Ignorable="mv" mc:PreserveAttributes="mv:*" show="0">
-  <p:cSld>
-    <p:spTree>
-      <p:nvGrpSpPr>
-        <p:cNvPr id="1" name=""/>
-        <p:cNvGrpSpPr/>
-        <p:nvPr/>
-      </p:nvGrpSpPr>
-      <p:grpSpPr>
-        <a:xfrm>
-          <a:off x="0" y="0"/>
-          <a:ext cx="0" cy="0"/>
-          <a:chOff x="0" y="0"/>
-          <a:chExt cx="0" cy="0"/>
-        </a:xfrm>
-      </p:grpSpPr>
-      <p:sp>
-        <p:nvSpPr>
-          <p:cNvPr id="336898" name="Rectangle 2"/>
-          <p:cNvSpPr>
-            <a:spLocks noGrp="1" noChangeArrowheads="1"/>
-          </p:cNvSpPr>
-          <p:nvPr>
-            <p:ph type="title"/>
-          </p:nvPr>
-        </p:nvSpPr>
-        <p:spPr>
-          <a:xfrm>
-            <a:off x="1447800" y="274638"/>
-            <a:ext cx="7162800" cy="1173162"/>
-          </a:xfrm>
-        </p:spPr>
-        <p:txBody>
-          <a:bodyPr>
-            <a:noAutofit/>
-          </a:bodyPr>
-          <a:lstStyle/>
-          <a:p>
-            <a:r>
-              <a:rPr lang="en-US" dirty="0" smtClean="0">
-                <a:cs typeface="Times New Roman" pitchFamily="18" charset="0"/>
-              </a:rPr>
-              <a:t>rankings are totally ordered</a:t>
-            </a:r>
-            <a:endParaRPr lang="en-US" dirty="0">
-              <a:cs typeface="Times New Roman" pitchFamily="18" charset="0"/>
-              <a:sym typeface="Euclid Math Two" pitchFamily="18" charset="2"/>
-            </a:endParaRPr>
-          </a:p>
-        </p:txBody>
-      </p:sp>
-      <p:sp>
-        <p:nvSpPr>
-          <p:cNvPr id="336899" name="Rectangle 3"/>
-          <p:cNvSpPr>
-            <a:spLocks noGrp="1" noChangeArrowheads="1"/>
-          </p:cNvSpPr>
-          <p:nvPr>
-            <p:ph type="body" idx="1"/>
-          </p:nvPr>
-        </p:nvSpPr>
-        <p:spPr>
-          <a:xfrm>
-            <a:off x="1295400" y="1524000"/>
-            <a:ext cx="6553200" cy="3810000"/>
-          </a:xfrm>
-        </p:spPr>
-        <p:txBody>
-          <a:bodyPr>
-            <a:noAutofit/>
-          </a:bodyPr>
-          <a:lstStyle/>
-          <a:p>
-            <a:pPr marL="609600" indent="-609600" algn="ctr">
-              <a:buNone/>
-            </a:pPr>
-            <a:r>
-              <a:rPr lang="en-US" sz="6600" dirty="0" err="1" smtClean="0">
-                <a:solidFill>
-                  <a:srgbClr val="0033CC"/>
-                </a:solidFill>
-                <a:sym typeface="Symbol" pitchFamily="18" charset="2"/>
-              </a:rPr>
-              <a:t>venus</a:t>
-            </a:r>
-            <a:r>
-              <a:rPr lang="en-US" sz="6600" dirty="0" smtClean="0">
-                <a:solidFill>
-                  <a:srgbClr val="0033CC"/>
-                </a:solidFill>
-                <a:sym typeface="Symbol" pitchFamily="18" charset="2"/>
-              </a:rPr>
-              <a:t> </a:t>
-            </a:r>
-            <a:r>
-              <a:rPr lang="en-US" sz="6600" b="1" dirty="0" smtClean="0">
-                <a:solidFill>
-                  <a:srgbClr val="0033CC"/>
-                </a:solidFill>
-                <a:latin typeface="cmsy10"/>
-                <a:sym typeface="Symbol" pitchFamily="18" charset="2"/>
-              </a:rPr>
-              <a:t>Á</a:t>
-            </a:r>
-            <a:r>
-              <a:rPr lang="en-US" sz="6600" dirty="0" smtClean="0">
-                <a:solidFill>
-                  <a:srgbClr val="0033CC"/>
-                </a:solidFill>
-                <a:sym typeface="Symbol" pitchFamily="18" charset="2"/>
-              </a:rPr>
-              <a:t> </a:t>
-            </a:r>
-            <a:r>
-              <a:rPr lang="en-US" sz="6600" dirty="0" err="1" smtClean="0">
-                <a:solidFill>
-                  <a:srgbClr val="0033CC"/>
-                </a:solidFill>
-                <a:sym typeface="Symbol" pitchFamily="18" charset="2"/>
-              </a:rPr>
-              <a:t>serena</a:t>
-            </a:r>
-            <a:endParaRPr lang="en-US" sz="6600" dirty="0">
-              <a:solidFill>
-                <a:srgbClr val="0033CC"/>
-              </a:solidFill>
-              <a:sym typeface="Symbol" pitchFamily="18" charset="2"/>
-            </a:endParaRPr>
-          </a:p>
-          <a:p>
-            <a:pPr marL="609600" indent="-609600" algn="ctr">
-              <a:buNone/>
-            </a:pPr>
-            <a:r>
-              <a:rPr lang="en-US" sz="6600" dirty="0" smtClean="0">
-                <a:sym typeface="Symbol" pitchFamily="18" charset="2"/>
-              </a:rPr>
-              <a:t>or</a:t>
-            </a:r>
-          </a:p>
-          <a:p>
-            <a:pPr marL="609600" indent="-609600" algn="ctr">
-              <a:buNone/>
-            </a:pPr>
-            <a:r>
-              <a:rPr lang="en-US" sz="6600" dirty="0" err="1" smtClean="0">
-                <a:solidFill>
-                  <a:srgbClr val="0033CC"/>
-                </a:solidFill>
-                <a:sym typeface="Symbol" pitchFamily="18" charset="2"/>
-              </a:rPr>
-              <a:t>serena</a:t>
-            </a:r>
-            <a:r>
-              <a:rPr lang="en-US" sz="6600" dirty="0" smtClean="0">
-                <a:solidFill>
-                  <a:srgbClr val="0033CC"/>
-                </a:solidFill>
-                <a:sym typeface="Symbol" pitchFamily="18" charset="2"/>
-              </a:rPr>
-              <a:t> </a:t>
-            </a:r>
-            <a:r>
-              <a:rPr lang="en-US" sz="6600" b="1" dirty="0">
-                <a:solidFill>
-                  <a:srgbClr val="0033CC"/>
-                </a:solidFill>
-                <a:latin typeface="cmsy10"/>
-                <a:sym typeface="Symbol" pitchFamily="18" charset="2"/>
-              </a:rPr>
-              <a:t>Á</a:t>
-            </a:r>
-            <a:r>
-              <a:rPr lang="en-US" sz="6600" dirty="0">
-                <a:solidFill>
-                  <a:srgbClr val="0033CC"/>
-                </a:solidFill>
-                <a:sym typeface="Symbol" pitchFamily="18" charset="2"/>
-              </a:rPr>
-              <a:t> </a:t>
-            </a:r>
-            <a:r>
-              <a:rPr lang="en-US" sz="6600" dirty="0" err="1" smtClean="0">
-                <a:solidFill>
-                  <a:srgbClr val="0033CC"/>
-                </a:solidFill>
-                <a:sym typeface="Symbol" pitchFamily="18" charset="2"/>
-              </a:rPr>
-              <a:t>venus</a:t>
-            </a:r>
-            <a:endParaRPr lang="en-US" sz="6600" dirty="0" smtClean="0">
-              <a:solidFill>
-                <a:srgbClr val="0033CC"/>
-              </a:solidFill>
-              <a:sym typeface="Symbol" pitchFamily="18" charset="2"/>
-            </a:endParaRPr>
-          </a:p>
-        </p:txBody>
-      </p:sp>
-    </p:spTree>
-  </p:cSld>
-  <p:clrMapOvr>
-    <a:masterClrMapping/>
-  </p:clrMapOvr>
-  <p:transition/>
-  <p:timing>
-    <p:tnLst>
-      <p:par>
-        <p:cTn id="1" dur="indefinite" restart="never" nodeType="tmRoot"/>
-      </p:par>
-    </p:tnLst>
   </p:timing>
 </p:sld>
 </file>
@@ -24025,4056 +22346,6 @@
 </p:sld>
 </file>
 
-<file path=ppt/slides/slide40.xml><?xml version="1.0" encoding="utf-8"?>
-<p:sld xmlns:a="http://schemas.openxmlformats.org/drawingml/2006/main" xmlns:r="http://schemas.openxmlformats.org/officeDocument/2006/relationships" xmlns:mc="http://schemas.openxmlformats.org/markup-compatibility/2006" xmlns:mv="urn:schemas-microsoft-com:mac:vml" xmlns:p="http://schemas.openxmlformats.org/presentationml/2006/main" mc:Ignorable="mv" mc:PreserveAttributes="mv:*" show="0">
-  <p:cSld>
-    <p:spTree>
-      <p:nvGrpSpPr>
-        <p:cNvPr id="1" name=""/>
-        <p:cNvGrpSpPr/>
-        <p:nvPr/>
-      </p:nvGrpSpPr>
-      <p:grpSpPr>
-        <a:xfrm>
-          <a:off x="0" y="0"/>
-          <a:ext cx="0" cy="0"/>
-          <a:chOff x="0" y="0"/>
-          <a:chExt cx="0" cy="0"/>
-        </a:xfrm>
-      </p:grpSpPr>
-      <p:sp>
-        <p:nvSpPr>
-          <p:cNvPr id="773122" name="Rectangle 2"/>
-          <p:cNvSpPr>
-            <a:spLocks noGrp="1" noChangeArrowheads="1"/>
-          </p:cNvSpPr>
-          <p:nvPr>
-            <p:ph type="title"/>
-          </p:nvPr>
-        </p:nvSpPr>
-        <p:spPr>
-          <a:xfrm>
-            <a:off x="1729776" y="274638"/>
-            <a:ext cx="5870560" cy="1082214"/>
-          </a:xfrm>
-        </p:spPr>
-        <p:txBody>
-          <a:bodyPr/>
-          <a:lstStyle/>
-          <a:p>
-            <a:r>
-              <a:rPr lang="en-US" sz="4800" dirty="0" smtClean="0">
-                <a:cs typeface="Times New Roman" pitchFamily="18" charset="0"/>
-              </a:rPr>
-              <a:t>total o</a:t>
-            </a:r>
-            <a:r>
-              <a:rPr lang="en-US" sz="4800" dirty="0" smtClean="0"/>
-              <a:t>rder </a:t>
-            </a:r>
-            <a:r>
-              <a:rPr lang="en-US" sz="4800" dirty="0"/>
-              <a:t>on </a:t>
-            </a:r>
-            <a:r>
-              <a:rPr lang="en-US" sz="4800" dirty="0">
-                <a:solidFill>
-                  <a:srgbClr val="1E03BD"/>
-                </a:solidFill>
-              </a:rPr>
-              <a:t>A</a:t>
-            </a:r>
-            <a:endParaRPr lang="en-US" sz="4800" dirty="0">
-              <a:solidFill>
-                <a:srgbClr val="1E03BD"/>
-              </a:solidFill>
-              <a:cs typeface="Times New Roman" pitchFamily="18" charset="0"/>
-              <a:sym typeface="Euclid Math Two" pitchFamily="18" charset="2"/>
-            </a:endParaRPr>
-          </a:p>
-        </p:txBody>
-      </p:sp>
-      <p:sp>
-        <p:nvSpPr>
-          <p:cNvPr id="773123" name="Rectangle 3"/>
-          <p:cNvSpPr>
-            <a:spLocks noGrp="1" noChangeArrowheads="1"/>
-          </p:cNvSpPr>
-          <p:nvPr>
-            <p:ph type="body" idx="1"/>
-          </p:nvPr>
-        </p:nvSpPr>
-        <p:spPr>
-          <a:xfrm>
-            <a:off x="683340" y="1524001"/>
-            <a:ext cx="7752735" cy="1081547"/>
-          </a:xfrm>
-        </p:spPr>
-        <p:txBody>
-          <a:bodyPr>
-            <a:normAutofit/>
-          </a:bodyPr>
-          <a:lstStyle/>
-          <a:p>
-            <a:pPr marL="609600" indent="-609600">
-              <a:buFontTx/>
-              <a:buNone/>
-            </a:pPr>
-            <a:r>
-              <a:rPr lang="en-US" sz="4800" dirty="0" smtClean="0"/>
-              <a:t>partial order</a:t>
-            </a:r>
-            <a:r>
-              <a:rPr lang="en-US" sz="4800" dirty="0"/>
-              <a:t>,</a:t>
-            </a:r>
-            <a:r>
-              <a:rPr lang="en-US" sz="4800" i="1" dirty="0">
-                <a:solidFill>
-                  <a:srgbClr val="0033CC"/>
-                </a:solidFill>
-              </a:rPr>
-              <a:t> </a:t>
-            </a:r>
-            <a:r>
-              <a:rPr lang="en-US" sz="4800" dirty="0">
-                <a:solidFill>
-                  <a:srgbClr val="0033CC"/>
-                </a:solidFill>
-              </a:rPr>
-              <a:t>R</a:t>
-            </a:r>
-            <a:r>
-              <a:rPr lang="en-US" sz="4800" dirty="0"/>
-              <a:t>, such that</a:t>
-            </a:r>
-            <a:r>
-              <a:rPr lang="en-US" sz="4800" dirty="0">
-                <a:sym typeface="Symbol" pitchFamily="18" charset="2"/>
-              </a:rPr>
-              <a:t> </a:t>
-            </a:r>
-          </a:p>
-        </p:txBody>
-      </p:sp>
-      <p:sp>
-        <p:nvSpPr>
-          <p:cNvPr id="773124" name="Text Box 4"/>
-          <p:cNvSpPr txBox="1">
-            <a:spLocks noChangeArrowheads="1"/>
-          </p:cNvSpPr>
-          <p:nvPr/>
-        </p:nvSpPr>
-        <p:spPr bwMode="auto">
-          <a:xfrm>
-            <a:off x="877528" y="2519363"/>
-            <a:ext cx="7391400" cy="3477875"/>
-          </a:xfrm>
-          <a:prstGeom prst="rect">
-            <a:avLst/>
-          </a:prstGeom>
-          <a:noFill/>
-          <a:ln w="9525" algn="ctr">
-            <a:noFill/>
-            <a:miter lim="800000"/>
-            <a:headEnd/>
-            <a:tailEnd/>
-          </a:ln>
-          <a:effectLst/>
-        </p:spPr>
-        <p:txBody>
-          <a:bodyPr>
-            <a:spAutoFit/>
-          </a:bodyPr>
-          <a:lstStyle/>
-          <a:p>
-            <a:pPr marL="742950" indent="-285750"/>
-            <a:r>
-              <a:rPr lang="en-US" sz="8000" dirty="0" err="1">
-                <a:solidFill>
-                  <a:srgbClr val="1E03BD"/>
-                </a:solidFill>
-                <a:latin typeface="Comic Sans MS" pitchFamily="66" charset="0"/>
-                <a:sym typeface="Symbol" pitchFamily="18" charset="2"/>
-              </a:rPr>
-              <a:t>aRb</a:t>
-            </a:r>
-            <a:r>
-              <a:rPr lang="en-US" sz="8000" dirty="0">
-                <a:solidFill>
-                  <a:srgbClr val="1E03BD"/>
-                </a:solidFill>
-                <a:latin typeface="Comic Sans MS" pitchFamily="66" charset="0"/>
-                <a:sym typeface="Symbol" pitchFamily="18" charset="2"/>
-              </a:rPr>
-              <a:t>  </a:t>
-            </a:r>
-            <a:r>
-              <a:rPr lang="en-US" sz="8000" dirty="0">
-                <a:latin typeface="Comic Sans MS" pitchFamily="66" charset="0"/>
-                <a:sym typeface="Symbol" pitchFamily="18" charset="2"/>
-              </a:rPr>
-              <a:t>or</a:t>
-            </a:r>
-            <a:r>
-              <a:rPr lang="en-US" sz="8000" dirty="0">
-                <a:solidFill>
-                  <a:srgbClr val="1E03BD"/>
-                </a:solidFill>
-                <a:latin typeface="Comic Sans MS" pitchFamily="66" charset="0"/>
-                <a:sym typeface="Symbol" pitchFamily="18" charset="2"/>
-              </a:rPr>
-              <a:t>  </a:t>
-            </a:r>
-            <a:r>
-              <a:rPr lang="en-US" sz="8000" dirty="0" err="1">
-                <a:solidFill>
-                  <a:srgbClr val="1E03BD"/>
-                </a:solidFill>
-                <a:latin typeface="Comic Sans MS" pitchFamily="66" charset="0"/>
-                <a:sym typeface="Symbol" pitchFamily="18" charset="2"/>
-              </a:rPr>
-              <a:t>bRa</a:t>
-            </a:r>
-            <a:endParaRPr lang="en-US" sz="8000" dirty="0">
-              <a:solidFill>
-                <a:srgbClr val="1E03BD"/>
-              </a:solidFill>
-              <a:latin typeface="Comic Sans MS" pitchFamily="66" charset="0"/>
-              <a:sym typeface="Symbol" pitchFamily="18" charset="2"/>
-            </a:endParaRPr>
-          </a:p>
-          <a:p>
-            <a:pPr marL="742950" indent="-285750">
-              <a:spcBef>
-                <a:spcPts val="2400"/>
-              </a:spcBef>
-            </a:pPr>
-            <a:r>
-              <a:rPr lang="en-US" sz="6000" dirty="0">
-                <a:latin typeface="Comic Sans MS" pitchFamily="66" charset="0"/>
-                <a:sym typeface="Symbol" pitchFamily="18" charset="2"/>
-              </a:rPr>
-              <a:t>for all</a:t>
-            </a:r>
-            <a:r>
-              <a:rPr lang="en-US" sz="6000" dirty="0">
-                <a:solidFill>
-                  <a:srgbClr val="1E03BD"/>
-                </a:solidFill>
-                <a:latin typeface="Comic Sans MS" pitchFamily="66" charset="0"/>
-                <a:sym typeface="Symbol" pitchFamily="18" charset="2"/>
-              </a:rPr>
-              <a:t> </a:t>
-            </a:r>
-            <a:r>
-              <a:rPr lang="en-US" sz="6000" dirty="0" err="1">
-                <a:solidFill>
-                  <a:srgbClr val="1E03BD"/>
-                </a:solidFill>
-                <a:latin typeface="Comic Sans MS" pitchFamily="66" charset="0"/>
-                <a:sym typeface="Symbol" pitchFamily="18" charset="2"/>
-              </a:rPr>
-              <a:t>a</a:t>
-            </a:r>
-            <a:r>
-              <a:rPr lang="en-US" sz="6000" dirty="0" err="1" smtClean="0">
-                <a:solidFill>
-                  <a:srgbClr val="1E03BD"/>
-                </a:solidFill>
-                <a:latin typeface="Comic Sans MS" pitchFamily="66" charset="0"/>
-                <a:sym typeface="Symbol" pitchFamily="18" charset="2"/>
-              </a:rPr>
-              <a:t>b</a:t>
-            </a:r>
-            <a:r>
-              <a:rPr lang="en-US" sz="6000" dirty="0">
-                <a:solidFill>
-                  <a:srgbClr val="1E03BD"/>
-                </a:solidFill>
-                <a:latin typeface="Comic Sans MS" pitchFamily="66" charset="0"/>
-                <a:sym typeface="Symbol" pitchFamily="18" charset="2"/>
-              </a:rPr>
-              <a:t> </a:t>
-            </a:r>
-            <a:r>
-              <a:rPr lang="en-US" sz="6000" dirty="0" smtClean="0">
-                <a:solidFill>
-                  <a:srgbClr val="1E03BD"/>
-                </a:solidFill>
-                <a:latin typeface="Comic Sans MS" pitchFamily="66" charset="0"/>
-                <a:sym typeface="Symbol" pitchFamily="18" charset="2"/>
-              </a:rPr>
-              <a:t>A</a:t>
-            </a:r>
-          </a:p>
-          <a:p>
-            <a:pPr marL="742950" indent="-285750" algn="ctr"/>
-            <a:r>
-              <a:rPr lang="en-US" sz="6000" dirty="0" smtClean="0">
-                <a:latin typeface="Comic Sans MS" pitchFamily="66" charset="0"/>
-                <a:sym typeface="Symbol" pitchFamily="18" charset="2"/>
-              </a:rPr>
-              <a:t>is a </a:t>
-            </a:r>
-            <a:r>
-              <a:rPr lang="en-US" sz="6000" i="1" dirty="0" smtClean="0">
-                <a:latin typeface="Comic Sans MS" pitchFamily="66" charset="0"/>
-                <a:sym typeface="Symbol" pitchFamily="18" charset="2"/>
-              </a:rPr>
-              <a:t>total  </a:t>
-            </a:r>
-            <a:r>
-              <a:rPr lang="en-US" sz="6000" dirty="0" smtClean="0">
-                <a:latin typeface="Comic Sans MS" pitchFamily="66" charset="0"/>
-                <a:sym typeface="Symbol" pitchFamily="18" charset="2"/>
-              </a:rPr>
-              <a:t>order</a:t>
-            </a:r>
-            <a:endParaRPr lang="en-US" sz="6000" dirty="0">
-              <a:latin typeface="Comic Sans MS" pitchFamily="66" charset="0"/>
-              <a:sym typeface="Symbol" pitchFamily="18" charset="2"/>
-            </a:endParaRPr>
-          </a:p>
-        </p:txBody>
-      </p:sp>
-    </p:spTree>
-  </p:cSld>
-  <p:clrMapOvr>
-    <a:masterClrMapping/>
-  </p:clrMapOvr>
-  <p:transition/>
-  <p:timing>
-    <p:tnLst>
-      <p:par>
-        <p:cTn id="1" dur="indefinite" restart="never" nodeType="tmRoot"/>
-      </p:par>
-    </p:tnLst>
-  </p:timing>
-</p:sld>
-</file>
-
-<file path=ppt/slides/slide41.xml><?xml version="1.0" encoding="utf-8"?>
-<p:sld xmlns:a="http://schemas.openxmlformats.org/drawingml/2006/main" xmlns:r="http://schemas.openxmlformats.org/officeDocument/2006/relationships" xmlns:mc="http://schemas.openxmlformats.org/markup-compatibility/2006" xmlns:mv="urn:schemas-microsoft-com:mac:vml" xmlns:p="http://schemas.openxmlformats.org/presentationml/2006/main" mc:Ignorable="mv" mc:PreserveAttributes="mv:*" show="0">
-  <p:cSld>
-    <p:spTree>
-      <p:nvGrpSpPr>
-        <p:cNvPr id="1" name=""/>
-        <p:cNvGrpSpPr/>
-        <p:nvPr/>
-      </p:nvGrpSpPr>
-      <p:grpSpPr>
-        <a:xfrm>
-          <a:off x="0" y="0"/>
-          <a:ext cx="0" cy="0"/>
-          <a:chOff x="0" y="0"/>
-          <a:chExt cx="0" cy="0"/>
-        </a:xfrm>
-      </p:grpSpPr>
-      <p:sp>
-        <p:nvSpPr>
-          <p:cNvPr id="2" name="Title 1"/>
-          <p:cNvSpPr>
-            <a:spLocks noGrp="1"/>
-          </p:cNvSpPr>
-          <p:nvPr>
-            <p:ph type="title"/>
-          </p:nvPr>
-        </p:nvSpPr>
-        <p:spPr>
-          <a:xfrm>
-            <a:off x="1447800" y="274638"/>
-            <a:ext cx="7543800" cy="1173162"/>
-          </a:xfrm>
-        </p:spPr>
-        <p:txBody>
-          <a:bodyPr/>
-          <a:lstStyle/>
-          <a:p>
-            <a:r>
-              <a:rPr lang="en-US" dirty="0" smtClean="0">
-                <a:solidFill>
-                  <a:srgbClr val="0033CC"/>
-                </a:solidFill>
-              </a:rPr>
-              <a:t>remark:</a:t>
-            </a:r>
-            <a:r>
-              <a:rPr lang="en-US" dirty="0" smtClean="0"/>
-              <a:t> total order vs. relation</a:t>
-            </a:r>
-            <a:endParaRPr lang="en-US" dirty="0"/>
-          </a:p>
-        </p:txBody>
-      </p:sp>
-      <p:sp>
-        <p:nvSpPr>
-          <p:cNvPr id="3" name="Content Placeholder 2"/>
-          <p:cNvSpPr>
-            <a:spLocks noGrp="1"/>
-          </p:cNvSpPr>
-          <p:nvPr>
-            <p:ph idx="1"/>
-          </p:nvPr>
-        </p:nvSpPr>
-        <p:spPr>
-          <a:xfrm>
-            <a:off x="457200" y="1828801"/>
-            <a:ext cx="8229600" cy="3276599"/>
-          </a:xfrm>
-        </p:spPr>
-        <p:txBody>
-          <a:bodyPr/>
-          <a:lstStyle/>
-          <a:p>
-            <a:r>
-              <a:rPr lang="en-US" dirty="0" smtClean="0"/>
-              <a:t>“total” for relations not same</a:t>
-            </a:r>
-          </a:p>
-          <a:p>
-            <a:pPr>
-              <a:buNone/>
-            </a:pPr>
-            <a:r>
-              <a:rPr lang="en-US" dirty="0" smtClean="0"/>
-              <a:t>    as ”total” for orders.</a:t>
-            </a:r>
-          </a:p>
-          <a:p>
-            <a:r>
-              <a:rPr lang="en-US" dirty="0" smtClean="0"/>
-              <a:t>long standing clash of </a:t>
-            </a:r>
-          </a:p>
-          <a:p>
-            <a:pPr>
-              <a:buNone/>
-            </a:pPr>
-            <a:r>
-              <a:rPr lang="en-US" dirty="0" smtClean="0"/>
-              <a:t>  terminology in the subject</a:t>
-            </a:r>
-            <a:endParaRPr lang="en-US" dirty="0"/>
-          </a:p>
-        </p:txBody>
-      </p:sp>
-    </p:spTree>
-  </p:cSld>
-  <p:clrMapOvr>
-    <a:masterClrMapping/>
-  </p:clrMapOvr>
-  <p:transition/>
-  <p:timing>
-    <p:tnLst>
-      <p:par>
-        <p:cTn id="1" dur="indefinite" restart="never" nodeType="tmRoot"/>
-      </p:par>
-    </p:tnLst>
-  </p:timing>
-</p:sld>
-</file>
-
-<file path=ppt/slides/slide42.xml><?xml version="1.0" encoding="utf-8"?>
-<p:sld xmlns:a="http://schemas.openxmlformats.org/drawingml/2006/main" xmlns:r="http://schemas.openxmlformats.org/officeDocument/2006/relationships" xmlns:mc="http://schemas.openxmlformats.org/markup-compatibility/2006" xmlns:mv="urn:schemas-microsoft-com:mac:vml" xmlns:p="http://schemas.openxmlformats.org/presentationml/2006/main" mc:Ignorable="mv" mc:PreserveAttributes="mv:*" show="0">
-  <p:cSld>
-    <p:spTree>
-      <p:nvGrpSpPr>
-        <p:cNvPr id="1" name=""/>
-        <p:cNvGrpSpPr/>
-        <p:nvPr/>
-      </p:nvGrpSpPr>
-      <p:grpSpPr>
-        <a:xfrm>
-          <a:off x="0" y="0"/>
-          <a:ext cx="0" cy="0"/>
-          <a:chOff x="0" y="0"/>
-          <a:chExt cx="0" cy="0"/>
-        </a:xfrm>
-      </p:grpSpPr>
-      <p:sp>
-        <p:nvSpPr>
-          <p:cNvPr id="683010" name="Rectangle 2"/>
-          <p:cNvSpPr>
-            <a:spLocks noGrp="1" noChangeArrowheads="1"/>
-          </p:cNvSpPr>
-          <p:nvPr>
-            <p:ph type="title"/>
-          </p:nvPr>
-        </p:nvSpPr>
-        <p:spPr>
-          <a:xfrm>
-            <a:off x="2590800" y="304800"/>
-            <a:ext cx="3962400" cy="1143000"/>
-          </a:xfrm>
-        </p:spPr>
-        <p:txBody>
-          <a:bodyPr>
-            <a:normAutofit/>
-          </a:bodyPr>
-          <a:lstStyle/>
-          <a:p>
-            <a:r>
-              <a:rPr lang="en-US" sz="4000" dirty="0" err="1" smtClean="0"/>
-              <a:t>irreflexivity</a:t>
-            </a:r>
-            <a:endParaRPr lang="en-US" sz="4000" dirty="0"/>
-          </a:p>
-        </p:txBody>
-      </p:sp>
-      <p:sp>
-        <p:nvSpPr>
-          <p:cNvPr id="683011" name="Rectangle 3"/>
-          <p:cNvSpPr>
-            <a:spLocks noGrp="1" noChangeArrowheads="1"/>
-          </p:cNvSpPr>
-          <p:nvPr>
-            <p:ph type="body" idx="1"/>
-          </p:nvPr>
-        </p:nvSpPr>
-        <p:spPr>
-          <a:xfrm>
-            <a:off x="308225" y="1500028"/>
-            <a:ext cx="8537824" cy="3965825"/>
-          </a:xfrm>
-        </p:spPr>
-        <p:txBody>
-          <a:bodyPr>
-            <a:normAutofit/>
-          </a:bodyPr>
-          <a:lstStyle/>
-          <a:p>
-            <a:pPr>
-              <a:buFontTx/>
-              <a:buNone/>
-            </a:pPr>
-            <a:r>
-              <a:rPr lang="en-US" sz="4800" dirty="0"/>
-              <a:t>If </a:t>
-            </a:r>
-            <a:r>
-              <a:rPr lang="en-US" sz="4800" dirty="0">
-                <a:solidFill>
-                  <a:srgbClr val="0033CC"/>
-                </a:solidFill>
-              </a:rPr>
-              <a:t>R</a:t>
-            </a:r>
-            <a:r>
-              <a:rPr lang="en-US" sz="4800" dirty="0"/>
-              <a:t> is a strict partial order, </a:t>
-            </a:r>
-            <a:endParaRPr lang="en-US" sz="4800" dirty="0" smtClean="0"/>
-          </a:p>
-          <a:p>
-            <a:pPr>
-              <a:buFontTx/>
-              <a:buNone/>
-            </a:pPr>
-            <a:r>
-              <a:rPr lang="en-US" sz="4800" dirty="0" smtClean="0"/>
-              <a:t>then</a:t>
-            </a:r>
-            <a:endParaRPr lang="en-US" sz="4800" dirty="0"/>
-          </a:p>
-          <a:p>
-            <a:pPr algn="ctr">
-              <a:buFontTx/>
-              <a:buNone/>
-            </a:pPr>
-            <a:r>
-              <a:rPr lang="en-US" sz="7200" b="1" dirty="0">
-                <a:solidFill>
-                  <a:schemeClr val="accent2"/>
-                </a:solidFill>
-                <a:sym typeface="Symbol" pitchFamily="18" charset="2"/>
-              </a:rPr>
-              <a:t></a:t>
-            </a:r>
-            <a:r>
-              <a:rPr lang="en-US" sz="7200" dirty="0">
-                <a:solidFill>
-                  <a:srgbClr val="0033CC"/>
-                </a:solidFill>
-                <a:sym typeface="Symbol" pitchFamily="18" charset="2"/>
-              </a:rPr>
-              <a:t>(</a:t>
-            </a:r>
-            <a:r>
-              <a:rPr lang="en-US" sz="7200" dirty="0" err="1">
-                <a:solidFill>
-                  <a:srgbClr val="1E03BD"/>
-                </a:solidFill>
-              </a:rPr>
-              <a:t>aRa</a:t>
-            </a:r>
-            <a:r>
-              <a:rPr lang="en-US" sz="7200" dirty="0">
-                <a:solidFill>
-                  <a:srgbClr val="1E03BD"/>
-                </a:solidFill>
-              </a:rPr>
-              <a:t>)</a:t>
-            </a:r>
-          </a:p>
-          <a:p>
-            <a:pPr>
-              <a:buFontTx/>
-              <a:buNone/>
-            </a:pPr>
-            <a:r>
-              <a:rPr lang="en-US" sz="4800" dirty="0"/>
-              <a:t>for all</a:t>
-            </a:r>
-            <a:r>
-              <a:rPr lang="en-US" sz="4800" dirty="0">
-                <a:solidFill>
-                  <a:srgbClr val="0033CC"/>
-                </a:solidFill>
-              </a:rPr>
-              <a:t> </a:t>
-            </a:r>
-            <a:r>
-              <a:rPr lang="en-US" sz="4800" dirty="0" smtClean="0">
-                <a:solidFill>
-                  <a:srgbClr val="1E03BD"/>
-                </a:solidFill>
-              </a:rPr>
-              <a:t>a </a:t>
-            </a:r>
-            <a:r>
-              <a:rPr lang="en-US" sz="4800" b="1" dirty="0" smtClean="0">
-                <a:solidFill>
-                  <a:srgbClr val="1E03BD"/>
-                </a:solidFill>
-                <a:sym typeface="Euclid Symbol" pitchFamily="18" charset="2"/>
-              </a:rPr>
-              <a:t></a:t>
-            </a:r>
-            <a:r>
-              <a:rPr lang="en-US" sz="4800" dirty="0" smtClean="0">
-                <a:solidFill>
-                  <a:srgbClr val="1E03BD"/>
-                </a:solidFill>
-                <a:sym typeface="Euclid Symbol" pitchFamily="18" charset="2"/>
-              </a:rPr>
-              <a:t> </a:t>
-            </a:r>
-            <a:r>
-              <a:rPr lang="en-US" sz="4800" dirty="0">
-                <a:solidFill>
-                  <a:srgbClr val="1E03BD"/>
-                </a:solidFill>
-              </a:rPr>
-              <a:t>A</a:t>
-            </a:r>
-          </a:p>
-        </p:txBody>
-      </p:sp>
-    </p:spTree>
-  </p:cSld>
-  <p:clrMapOvr>
-    <a:masterClrMapping/>
-  </p:clrMapOvr>
-  <p:transition/>
-  <p:timing>
-    <p:tnLst>
-      <p:par>
-        <p:cTn id="1" dur="indefinite" restart="never" nodeType="tmRoot"/>
-      </p:par>
-    </p:tnLst>
-  </p:timing>
-</p:sld>
-</file>
-
-<file path=ppt/slides/slide43.xml><?xml version="1.0" encoding="utf-8"?>
-<p:sld xmlns:a="http://schemas.openxmlformats.org/drawingml/2006/main" xmlns:r="http://schemas.openxmlformats.org/officeDocument/2006/relationships" xmlns:mc="http://schemas.openxmlformats.org/markup-compatibility/2006" xmlns:mv="urn:schemas-microsoft-com:mac:vml" xmlns:p="http://schemas.openxmlformats.org/presentationml/2006/main" mc:Ignorable="mv" mc:PreserveAttributes="mv:*" show="0">
-  <p:cSld>
-    <p:spTree>
-      <p:nvGrpSpPr>
-        <p:cNvPr id="1" name=""/>
-        <p:cNvGrpSpPr/>
-        <p:nvPr/>
-      </p:nvGrpSpPr>
-      <p:grpSpPr>
-        <a:xfrm>
-          <a:off x="0" y="0"/>
-          <a:ext cx="0" cy="0"/>
-          <a:chOff x="0" y="0"/>
-          <a:chExt cx="0" cy="0"/>
-        </a:xfrm>
-      </p:grpSpPr>
-      <p:sp>
-        <p:nvSpPr>
-          <p:cNvPr id="335874" name="Rectangle 2"/>
-          <p:cNvSpPr>
-            <a:spLocks noGrp="1" noChangeArrowheads="1"/>
-          </p:cNvSpPr>
-          <p:nvPr>
-            <p:ph type="title"/>
-          </p:nvPr>
-        </p:nvSpPr>
-        <p:spPr>
-          <a:xfrm>
-            <a:off x="1524000" y="274638"/>
-            <a:ext cx="7467600" cy="1249362"/>
-          </a:xfrm>
-        </p:spPr>
-        <p:txBody>
-          <a:bodyPr>
-            <a:noAutofit/>
-          </a:bodyPr>
-          <a:lstStyle/>
-          <a:p>
-            <a:r>
-              <a:rPr lang="en-US" sz="4000" dirty="0" smtClean="0"/>
-              <a:t>a non-total </a:t>
-            </a:r>
-            <a:r>
-              <a:rPr lang="en-US" sz="4000" dirty="0" err="1" smtClean="0"/>
-              <a:t>p.o</a:t>
-            </a:r>
-            <a:r>
-              <a:rPr lang="en-US" sz="4000" dirty="0" smtClean="0"/>
-              <a:t>. on </a:t>
-            </a:r>
-            <a:r>
-              <a:rPr lang="en-US" sz="4000" dirty="0" err="1" smtClean="0"/>
-              <a:t>nunbers</a:t>
-            </a:r>
-            <a:endParaRPr lang="en-US" sz="4000" dirty="0"/>
-          </a:p>
-        </p:txBody>
-      </p:sp>
-      <p:sp>
-        <p:nvSpPr>
-          <p:cNvPr id="335876" name="Rectangle 4"/>
-          <p:cNvSpPr>
-            <a:spLocks noGrp="1" noChangeArrowheads="1"/>
-          </p:cNvSpPr>
-          <p:nvPr>
-            <p:ph type="body" idx="1"/>
-          </p:nvPr>
-        </p:nvSpPr>
-        <p:spPr>
-          <a:xfrm>
-            <a:off x="685800" y="1371600"/>
-            <a:ext cx="7924800" cy="2514600"/>
-          </a:xfrm>
-        </p:spPr>
-        <p:txBody>
-          <a:bodyPr>
-            <a:normAutofit/>
-          </a:bodyPr>
-          <a:lstStyle/>
-          <a:p>
-            <a:pPr algn="ctr">
-              <a:buNone/>
-            </a:pPr>
-            <a:r>
-              <a:rPr lang="en-US" sz="6000" dirty="0">
-                <a:solidFill>
-                  <a:srgbClr val="1E03BD"/>
-                </a:solidFill>
-                <a:cs typeface="Times New Roman" pitchFamily="18" charset="0"/>
-              </a:rPr>
-              <a:t>y </a:t>
-            </a:r>
-            <a:r>
-              <a:rPr lang="en-US" sz="6000" b="1" dirty="0" smtClean="0">
-                <a:solidFill>
-                  <a:srgbClr val="1E03BD"/>
-                </a:solidFill>
-                <a:latin typeface="cmsy10"/>
-                <a:cs typeface="Times New Roman" pitchFamily="18" charset="0"/>
-              </a:rPr>
-              <a:t>¿</a:t>
-            </a:r>
-            <a:r>
-              <a:rPr lang="en-US" sz="6000" dirty="0" smtClean="0">
-                <a:solidFill>
-                  <a:srgbClr val="1E03BD"/>
-                </a:solidFill>
-                <a:cs typeface="Times New Roman" pitchFamily="18" charset="0"/>
-                <a:sym typeface="Symbol" pitchFamily="18" charset="2"/>
-              </a:rPr>
-              <a:t> x </a:t>
-            </a:r>
-            <a:r>
-              <a:rPr lang="en-US" sz="6000" dirty="0">
-                <a:solidFill>
-                  <a:srgbClr val="1E03BD"/>
-                </a:solidFill>
-                <a:cs typeface="Times New Roman" pitchFamily="18" charset="0"/>
-                <a:sym typeface="Symbol" pitchFamily="18" charset="2"/>
-              </a:rPr>
-              <a:t> </a:t>
-            </a:r>
-            <a:r>
-              <a:rPr lang="en-US" sz="6000" dirty="0" smtClean="0">
-                <a:cs typeface="Times New Roman" pitchFamily="18" charset="0"/>
-                <a:sym typeface="Symbol" pitchFamily="18" charset="2"/>
-              </a:rPr>
-              <a:t>::=    [</a:t>
-            </a:r>
-            <a:r>
-              <a:rPr lang="en-US" sz="5400" dirty="0" smtClean="0">
-                <a:solidFill>
-                  <a:srgbClr val="1E03BD"/>
-                </a:solidFill>
-                <a:cs typeface="Times New Roman" pitchFamily="18" charset="0"/>
-                <a:sym typeface="Symbol" pitchFamily="18" charset="2"/>
-              </a:rPr>
-              <a:t>y </a:t>
-            </a:r>
-            <a:r>
-              <a:rPr lang="en-US" sz="5400" dirty="0">
-                <a:solidFill>
-                  <a:srgbClr val="1E03BD"/>
-                </a:solidFill>
-                <a:cs typeface="Times New Roman" pitchFamily="18" charset="0"/>
-              </a:rPr>
-              <a:t>+ 2 </a:t>
-            </a:r>
-            <a:r>
-              <a:rPr lang="en-US" sz="5400" dirty="0">
-                <a:solidFill>
-                  <a:srgbClr val="1E03BD"/>
-                </a:solidFill>
-                <a:cs typeface="Times New Roman" pitchFamily="18" charset="0"/>
-                <a:sym typeface="Symbol" pitchFamily="18" charset="2"/>
-              </a:rPr>
-              <a:t>  </a:t>
-            </a:r>
-            <a:r>
-              <a:rPr lang="en-US" sz="5400" dirty="0" smtClean="0">
-                <a:solidFill>
-                  <a:srgbClr val="1E03BD"/>
-                </a:solidFill>
-                <a:cs typeface="Times New Roman" pitchFamily="18" charset="0"/>
-                <a:sym typeface="Symbol" pitchFamily="18" charset="2"/>
-              </a:rPr>
-              <a:t>x</a:t>
-            </a:r>
-            <a:r>
-              <a:rPr lang="en-US" sz="5400" dirty="0" smtClean="0">
-                <a:cs typeface="Times New Roman" pitchFamily="18" charset="0"/>
-                <a:sym typeface="Symbol" pitchFamily="18" charset="2"/>
-              </a:rPr>
-              <a:t>]</a:t>
-            </a:r>
-            <a:endParaRPr lang="en-US" sz="5400" dirty="0">
-              <a:cs typeface="Times New Roman" pitchFamily="18" charset="0"/>
-              <a:sym typeface="Symbol" pitchFamily="18" charset="2"/>
-            </a:endParaRPr>
-          </a:p>
-          <a:p>
-            <a:pPr algn="ctr">
-              <a:buNone/>
-            </a:pPr>
-            <a:r>
-              <a:rPr lang="en-US" sz="5400" dirty="0" smtClean="0">
-                <a:cs typeface="Times New Roman" pitchFamily="18" charset="0"/>
-                <a:sym typeface="Symbol" pitchFamily="18" charset="2"/>
-              </a:rPr>
-              <a:t>3 </a:t>
-            </a:r>
-            <a:r>
-              <a:rPr lang="en-US" sz="5400" b="1" dirty="0" smtClean="0">
-                <a:latin typeface="cmsy10"/>
-                <a:cs typeface="Times New Roman" pitchFamily="18" charset="0"/>
-                <a:sym typeface="Symbol" pitchFamily="18" charset="2"/>
-              </a:rPr>
-              <a:t>¿</a:t>
-            </a:r>
-            <a:r>
-              <a:rPr lang="en-US" sz="6000" dirty="0" smtClean="0">
-                <a:cs typeface="Times New Roman" pitchFamily="18" charset="0"/>
-              </a:rPr>
-              <a:t> 4  and  </a:t>
-            </a:r>
-            <a:r>
-              <a:rPr lang="en-US" sz="6000" dirty="0" smtClean="0"/>
-              <a:t>4 </a:t>
-            </a:r>
-            <a:r>
-              <a:rPr lang="en-US" sz="6000" b="1" dirty="0" smtClean="0">
-                <a:latin typeface="cmsy10"/>
-                <a:cs typeface="Times New Roman" pitchFamily="18" charset="0"/>
-                <a:sym typeface="Symbol" pitchFamily="18" charset="2"/>
-              </a:rPr>
-              <a:t>¿</a:t>
-            </a:r>
-            <a:r>
-              <a:rPr lang="en-US" sz="6000" dirty="0">
-                <a:solidFill>
-                  <a:srgbClr val="0033CC"/>
-                </a:solidFill>
-              </a:rPr>
-              <a:t> </a:t>
-            </a:r>
-            <a:r>
-              <a:rPr lang="en-US" sz="6000" dirty="0" smtClean="0"/>
-              <a:t>3</a:t>
-            </a:r>
-            <a:endParaRPr lang="en-US" sz="6000" dirty="0">
-              <a:cs typeface="Times New Roman" pitchFamily="18" charset="0"/>
-            </a:endParaRPr>
-          </a:p>
-        </p:txBody>
-      </p:sp>
-      <p:sp>
-        <p:nvSpPr>
-          <p:cNvPr id="335884" name="Text Box 12"/>
-          <p:cNvSpPr txBox="1">
-            <a:spLocks noChangeArrowheads="1"/>
-          </p:cNvSpPr>
-          <p:nvPr/>
-        </p:nvSpPr>
-        <p:spPr bwMode="auto">
-          <a:xfrm>
-            <a:off x="533400" y="4038600"/>
-            <a:ext cx="8097088" cy="830997"/>
-          </a:xfrm>
-          <a:prstGeom prst="rect">
-            <a:avLst/>
-          </a:prstGeom>
-          <a:noFill/>
-          <a:ln w="9525" algn="ctr">
-            <a:noFill/>
-            <a:miter lim="800000"/>
-            <a:headEnd/>
-            <a:tailEnd/>
-          </a:ln>
-          <a:effectLst/>
-        </p:spPr>
-        <p:txBody>
-          <a:bodyPr wrap="none">
-            <a:spAutoFit/>
-          </a:bodyPr>
-          <a:lstStyle/>
-          <a:p>
-            <a:pPr marL="742950" indent="-285750"/>
-            <a:r>
-              <a:rPr lang="en-US" sz="4800" dirty="0" smtClean="0">
-                <a:latin typeface="Comic Sans MS" pitchFamily="66" charset="0"/>
-              </a:rPr>
-              <a:t>3 &amp; 4 are </a:t>
-            </a:r>
-            <a:r>
-              <a:rPr lang="en-US" sz="4800" b="1" dirty="0" smtClean="0">
-                <a:latin typeface="cmsy10"/>
-                <a:cs typeface="Times New Roman" pitchFamily="18" charset="0"/>
-                <a:sym typeface="Symbol" pitchFamily="18" charset="2"/>
-              </a:rPr>
-              <a:t>¿</a:t>
-            </a:r>
-            <a:r>
-              <a:rPr lang="en-US" sz="4800" i="1" dirty="0" smtClean="0">
-                <a:latin typeface="Comic Sans MS" pitchFamily="66" charset="0"/>
-                <a:cs typeface="Times New Roman" pitchFamily="18" charset="0"/>
-                <a:sym typeface="Symbol" pitchFamily="18" charset="2"/>
-              </a:rPr>
-              <a:t>-i</a:t>
-            </a:r>
-            <a:r>
-              <a:rPr lang="en-US" sz="4800" i="1" dirty="0" smtClean="0">
-                <a:latin typeface="Comic Sans MS" pitchFamily="66" charset="0"/>
-              </a:rPr>
-              <a:t>ncomparable</a:t>
-            </a:r>
-            <a:endParaRPr lang="en-US" sz="4800" i="1" dirty="0">
-              <a:latin typeface="Comic Sans MS" pitchFamily="66" charset="0"/>
-            </a:endParaRPr>
-          </a:p>
-        </p:txBody>
-      </p:sp>
-      <p:grpSp>
-        <p:nvGrpSpPr>
-          <p:cNvPr id="20" name="Group 19"/>
-          <p:cNvGrpSpPr/>
-          <p:nvPr/>
-        </p:nvGrpSpPr>
-        <p:grpSpPr>
-          <a:xfrm>
-            <a:off x="2057400" y="2590800"/>
-            <a:ext cx="4953000" cy="914400"/>
-            <a:chOff x="2057400" y="2590800"/>
-            <a:chExt cx="4953000" cy="914400"/>
-          </a:xfrm>
-        </p:grpSpPr>
-        <p:cxnSp>
-          <p:nvCxnSpPr>
-            <p:cNvPr id="15" name="Straight Connector 14"/>
-            <p:cNvCxnSpPr/>
-            <p:nvPr/>
-          </p:nvCxnSpPr>
-          <p:spPr>
-            <a:xfrm rot="5400000" flipH="1" flipV="1">
-              <a:off x="1943100" y="2705100"/>
-              <a:ext cx="914400" cy="685800"/>
-            </a:xfrm>
-            <a:prstGeom prst="line">
-              <a:avLst/>
-            </a:prstGeom>
-            <a:ln w="38100">
-              <a:solidFill>
-                <a:srgbClr val="C00000"/>
-              </a:solidFill>
-              <a:prstDash val="sysDash"/>
-            </a:ln>
-          </p:spPr>
-          <p:style>
-            <a:lnRef idx="1">
-              <a:schemeClr val="accent1"/>
-            </a:lnRef>
-            <a:fillRef idx="0">
-              <a:schemeClr val="accent1"/>
-            </a:fillRef>
-            <a:effectRef idx="0">
-              <a:schemeClr val="accent1"/>
-            </a:effectRef>
-            <a:fontRef idx="minor">
-              <a:schemeClr val="tx1"/>
-            </a:fontRef>
-          </p:style>
-        </p:cxnSp>
-        <p:cxnSp>
-          <p:nvCxnSpPr>
-            <p:cNvPr id="16" name="Straight Connector 15"/>
-            <p:cNvCxnSpPr/>
-            <p:nvPr/>
-          </p:nvCxnSpPr>
-          <p:spPr>
-            <a:xfrm rot="5400000" flipH="1" flipV="1">
-              <a:off x="6210300" y="2705100"/>
-              <a:ext cx="914400" cy="685800"/>
-            </a:xfrm>
-            <a:prstGeom prst="line">
-              <a:avLst/>
-            </a:prstGeom>
-            <a:ln w="38100">
-              <a:solidFill>
-                <a:srgbClr val="C00000"/>
-              </a:solidFill>
-              <a:prstDash val="sysDash"/>
-            </a:ln>
-          </p:spPr>
-          <p:style>
-            <a:lnRef idx="1">
-              <a:schemeClr val="accent1"/>
-            </a:lnRef>
-            <a:fillRef idx="0">
-              <a:schemeClr val="accent1"/>
-            </a:fillRef>
-            <a:effectRef idx="0">
-              <a:schemeClr val="accent1"/>
-            </a:effectRef>
-            <a:fontRef idx="minor">
-              <a:schemeClr val="tx1"/>
-            </a:fontRef>
-          </p:style>
-        </p:cxnSp>
-      </p:grpSp>
-    </p:spTree>
-  </p:cSld>
-  <p:clrMapOvr>
-    <a:masterClrMapping/>
-  </p:clrMapOvr>
-  <p:transition/>
-  <p:timing>
-    <p:tnLst>
-      <p:par>
-        <p:cTn id="1" dur="indefinite" restart="never" nodeType="tmRoot">
-          <p:childTnLst>
-            <p:seq concurrent="1" nextAc="seek">
-              <p:cTn id="2" dur="indefinite" nodeType="mainSeq">
-                <p:childTnLst>
-                  <p:par>
-                    <p:cTn id="3" fill="hold">
-                      <p:stCondLst>
-                        <p:cond delay="indefinite"/>
-                      </p:stCondLst>
-                      <p:childTnLst>
-                        <p:par>
-                          <p:cTn id="4" fill="hold">
-                            <p:stCondLst>
-                              <p:cond delay="0"/>
-                            </p:stCondLst>
-                            <p:childTnLst>
-                              <p:par>
-                                <p:cTn id="5" presetID="1" presetClass="entr" presetSubtype="0" fill="hold" nodeType="clickEffect">
-                                  <p:stCondLst>
-                                    <p:cond delay="0"/>
-                                  </p:stCondLst>
-                                  <p:childTnLst>
-                                    <p:set>
-                                      <p:cBhvr>
-                                        <p:cTn id="6" dur="1" fill="hold">
-                                          <p:stCondLst>
-                                            <p:cond delay="0"/>
-                                          </p:stCondLst>
-                                        </p:cTn>
-                                        <p:tgtEl>
-                                          <p:spTgt spid="335876">
-                                            <p:txEl>
-                                              <p:pRg st="1" end="1"/>
-                                            </p:txEl>
-                                          </p:spTgt>
-                                        </p:tgtEl>
-                                        <p:attrNameLst>
-                                          <p:attrName>style.visibility</p:attrName>
-                                        </p:attrNameLst>
-                                      </p:cBhvr>
-                                      <p:to>
-                                        <p:strVal val="visible"/>
-                                      </p:to>
-                                    </p:set>
-                                  </p:childTnLst>
-                                </p:cTn>
-                              </p:par>
-                              <p:par>
-                                <p:cTn id="7" presetID="1" presetClass="entr" presetSubtype="0" fill="hold" nodeType="withEffect">
-                                  <p:stCondLst>
-                                    <p:cond delay="0"/>
-                                  </p:stCondLst>
-                                  <p:childTnLst>
-                                    <p:set>
-                                      <p:cBhvr>
-                                        <p:cTn id="8" dur="1" fill="hold">
-                                          <p:stCondLst>
-                                            <p:cond delay="0"/>
-                                          </p:stCondLst>
-                                        </p:cTn>
-                                        <p:tgtEl>
-                                          <p:spTgt spid="20"/>
-                                        </p:tgtEl>
-                                        <p:attrNameLst>
-                                          <p:attrName>style.visibility</p:attrName>
-                                        </p:attrNameLst>
-                                      </p:cBhvr>
-                                      <p:to>
-                                        <p:strVal val="visible"/>
-                                      </p:to>
-                                    </p:set>
-                                  </p:childTnLst>
-                                </p:cTn>
-                              </p:par>
-                            </p:childTnLst>
-                          </p:cTn>
-                        </p:par>
-                      </p:childTnLst>
-                    </p:cTn>
-                  </p:par>
-                  <p:par>
-                    <p:cTn id="9" fill="hold">
-                      <p:stCondLst>
-                        <p:cond delay="indefinite"/>
-                      </p:stCondLst>
-                      <p:childTnLst>
-                        <p:par>
-                          <p:cTn id="10" fill="hold">
-                            <p:stCondLst>
-                              <p:cond delay="0"/>
-                            </p:stCondLst>
-                            <p:childTnLst>
-                              <p:par>
-                                <p:cTn id="11" presetID="1" presetClass="entr" presetSubtype="0" fill="hold" grpId="0" nodeType="clickEffect">
-                                  <p:stCondLst>
-                                    <p:cond delay="0"/>
-                                  </p:stCondLst>
-                                  <p:childTnLst>
-                                    <p:set>
-                                      <p:cBhvr>
-                                        <p:cTn id="12" dur="1" fill="hold">
-                                          <p:stCondLst>
-                                            <p:cond delay="0"/>
-                                          </p:stCondLst>
-                                        </p:cTn>
-                                        <p:tgtEl>
-                                          <p:spTgt spid="335884"/>
-                                        </p:tgtEl>
-                                        <p:attrNameLst>
-                                          <p:attrName>style.visibility</p:attrName>
-                                        </p:attrNameLst>
-                                      </p:cBhvr>
-                                      <p:to>
-                                        <p:strVal val="visible"/>
-                                      </p:to>
-                                    </p:set>
-                                  </p:childTnLst>
-                                </p:cTn>
-                              </p:par>
-                            </p:childTnLst>
-                          </p:cTn>
-                        </p:par>
-                      </p:childTnLst>
-                    </p:cTn>
-                  </p:par>
-                </p:childTnLst>
-              </p:cTn>
-              <p:prevCondLst>
-                <p:cond evt="onPrev" delay="0">
-                  <p:tgtEl>
-                    <p:sldTgt/>
-                  </p:tgtEl>
-                </p:cond>
-              </p:prevCondLst>
-              <p:nextCondLst>
-                <p:cond evt="onNext" delay="0">
-                  <p:tgtEl>
-                    <p:sldTgt/>
-                  </p:tgtEl>
-                </p:cond>
-              </p:nextCondLst>
-            </p:seq>
-          </p:childTnLst>
-        </p:cTn>
-      </p:par>
-    </p:tnLst>
-    <p:bldLst>
-      <p:bldP spid="335884" grpId="0"/>
-    </p:bldLst>
-  </p:timing>
-</p:sld>
-</file>
-
-<file path=ppt/slides/slide44.xml><?xml version="1.0" encoding="utf-8"?>
-<p:sld xmlns:a="http://schemas.openxmlformats.org/drawingml/2006/main" xmlns:r="http://schemas.openxmlformats.org/officeDocument/2006/relationships" xmlns:mc="http://schemas.openxmlformats.org/markup-compatibility/2006" xmlns:mv="urn:schemas-microsoft-com:mac:vml" xmlns:p="http://schemas.openxmlformats.org/presentationml/2006/main" mc:Ignorable="mv" mc:PreserveAttributes="mv:*" show="0">
-  <p:cSld>
-    <p:spTree>
-      <p:nvGrpSpPr>
-        <p:cNvPr id="1" name=""/>
-        <p:cNvGrpSpPr/>
-        <p:nvPr/>
-      </p:nvGrpSpPr>
-      <p:grpSpPr>
-        <a:xfrm>
-          <a:off x="0" y="0"/>
-          <a:ext cx="0" cy="0"/>
-          <a:chOff x="0" y="0"/>
-          <a:chExt cx="0" cy="0"/>
-        </a:xfrm>
-      </p:grpSpPr>
-      <p:sp>
-        <p:nvSpPr>
-          <p:cNvPr id="673795" name="Rectangle 3"/>
-          <p:cNvSpPr>
-            <a:spLocks noGrp="1" noChangeArrowheads="1"/>
-          </p:cNvSpPr>
-          <p:nvPr>
-            <p:ph type="body" idx="1"/>
-          </p:nvPr>
-        </p:nvSpPr>
-        <p:spPr>
-          <a:xfrm>
-            <a:off x="395752" y="1524000"/>
-            <a:ext cx="8443448" cy="3810000"/>
-          </a:xfrm>
-        </p:spPr>
-        <p:txBody>
-          <a:bodyPr>
-            <a:normAutofit/>
-          </a:bodyPr>
-          <a:lstStyle/>
-          <a:p>
-            <a:pPr>
-              <a:buFontTx/>
-              <a:buNone/>
-            </a:pPr>
-            <a:r>
-              <a:rPr lang="en-US" sz="4400" dirty="0" smtClean="0"/>
-              <a:t>relation, </a:t>
-            </a:r>
-            <a:r>
-              <a:rPr lang="en-US" sz="4400" b="1" dirty="0" smtClean="0">
-                <a:solidFill>
-                  <a:srgbClr val="028822"/>
-                </a:solidFill>
-                <a:latin typeface="cmsy10"/>
-              </a:rPr>
-              <a:t>Á</a:t>
-            </a:r>
-            <a:r>
-              <a:rPr lang="en-US" sz="4400" b="1" dirty="0" smtClean="0">
-                <a:sym typeface="Euclid Math Two" pitchFamily="18" charset="2"/>
-              </a:rPr>
-              <a:t>,</a:t>
-            </a:r>
-            <a:r>
-              <a:rPr lang="en-US" sz="4400" dirty="0" smtClean="0"/>
-              <a:t> on students</a:t>
-            </a:r>
-          </a:p>
-          <a:p>
-            <a:pPr algn="ctr">
-              <a:buFontTx/>
-              <a:buNone/>
-            </a:pPr>
-            <a:r>
-              <a:rPr lang="en-US" sz="4400" dirty="0" smtClean="0"/>
-              <a:t>“shorter/younger”</a:t>
-            </a:r>
-          </a:p>
-          <a:p>
-            <a:pPr>
-              <a:buFontTx/>
-              <a:buNone/>
-            </a:pPr>
-            <a:r>
-              <a:rPr lang="en-US" sz="4400" dirty="0" smtClean="0"/>
-              <a:t>Let (</a:t>
-            </a:r>
-            <a:r>
-              <a:rPr lang="en-US" sz="4400" dirty="0" err="1" smtClean="0">
-                <a:solidFill>
-                  <a:srgbClr val="0000FF"/>
-                </a:solidFill>
-                <a:latin typeface="Comic Sans MS"/>
-              </a:rPr>
-              <a:t>h</a:t>
-            </a:r>
-            <a:r>
-              <a:rPr lang="en-US" sz="4400" baseline="-25000" dirty="0" err="1" smtClean="0">
-                <a:solidFill>
-                  <a:srgbClr val="0000FF"/>
-                </a:solidFill>
-                <a:latin typeface="Comic Sans MS"/>
-              </a:rPr>
-              <a:t>x</a:t>
-            </a:r>
-            <a:r>
-              <a:rPr lang="en-US" sz="4400" dirty="0" err="1" smtClean="0">
-                <a:latin typeface="Comic Sans MS"/>
-              </a:rPr>
-              <a:t>,</a:t>
-            </a:r>
-            <a:r>
-              <a:rPr lang="en-US" sz="4400" dirty="0" err="1" smtClean="0">
-                <a:solidFill>
-                  <a:srgbClr val="0000FF"/>
-                </a:solidFill>
-                <a:latin typeface="Comic Sans MS"/>
-              </a:rPr>
-              <a:t>a</a:t>
-            </a:r>
-            <a:r>
-              <a:rPr lang="en-US" sz="4400" baseline="-25000" dirty="0" err="1" smtClean="0">
-                <a:solidFill>
-                  <a:srgbClr val="0000FF"/>
-                </a:solidFill>
-                <a:latin typeface="Comic Sans MS"/>
-              </a:rPr>
-              <a:t>x</a:t>
-            </a:r>
-            <a:r>
-              <a:rPr lang="en-US" sz="4400" dirty="0" smtClean="0"/>
-              <a:t>) be the </a:t>
-            </a:r>
-            <a:r>
-              <a:rPr lang="en-US" sz="4400" b="1" dirty="0" smtClean="0"/>
-              <a:t>h</a:t>
-            </a:r>
-            <a:r>
-              <a:rPr lang="en-US" sz="4400" dirty="0" smtClean="0"/>
-              <a:t>eight (in inches) and </a:t>
-            </a:r>
-            <a:r>
-              <a:rPr lang="en-US" sz="4400" b="1" dirty="0" smtClean="0"/>
-              <a:t>a</a:t>
-            </a:r>
-            <a:r>
-              <a:rPr lang="en-US" sz="4400" dirty="0" smtClean="0"/>
-              <a:t>ge (in months) of student </a:t>
-            </a:r>
-            <a:r>
-              <a:rPr lang="en-US" sz="4400" dirty="0" smtClean="0">
-                <a:solidFill>
-                  <a:srgbClr val="0000FF"/>
-                </a:solidFill>
-              </a:rPr>
-              <a:t>x</a:t>
-            </a:r>
-            <a:r>
-              <a:rPr lang="en-US" sz="4400" dirty="0" smtClean="0"/>
-              <a:t>.</a:t>
-            </a:r>
-          </a:p>
-        </p:txBody>
-      </p:sp>
-      <p:sp>
-        <p:nvSpPr>
-          <p:cNvPr id="14" name="Rectangle 2"/>
-          <p:cNvSpPr>
-            <a:spLocks noGrp="1" noChangeArrowheads="1"/>
-          </p:cNvSpPr>
-          <p:nvPr>
-            <p:ph type="title"/>
-          </p:nvPr>
-        </p:nvSpPr>
-        <p:spPr>
-          <a:xfrm>
-            <a:off x="1424667" y="274638"/>
-            <a:ext cx="6662057" cy="1105126"/>
-          </a:xfrm>
-        </p:spPr>
-        <p:txBody>
-          <a:bodyPr/>
-          <a:lstStyle/>
-          <a:p>
-            <a:r>
-              <a:rPr lang="en-US" sz="3200" dirty="0" smtClean="0"/>
-              <a:t>height/age </a:t>
-            </a:r>
-            <a:r>
-              <a:rPr lang="en-US" sz="3200" dirty="0"/>
-              <a:t>p</a:t>
-            </a:r>
-            <a:r>
-              <a:rPr lang="en-US" sz="3200" dirty="0" smtClean="0"/>
-              <a:t>artial </a:t>
-            </a:r>
-            <a:r>
-              <a:rPr lang="en-US" sz="3200" dirty="0"/>
-              <a:t>o</a:t>
-            </a:r>
-            <a:r>
-              <a:rPr lang="en-US" sz="3200" dirty="0" smtClean="0"/>
-              <a:t>rder</a:t>
-            </a:r>
-            <a:endParaRPr lang="en-US" sz="3200" dirty="0"/>
-          </a:p>
-        </p:txBody>
-      </p:sp>
-    </p:spTree>
-  </p:cSld>
-  <p:clrMapOvr>
-    <a:masterClrMapping/>
-  </p:clrMapOvr>
-  <p:transition/>
-  <p:timing>
-    <p:tnLst>
-      <p:par>
-        <p:cTn id="1" dur="indefinite" restart="never" nodeType="tmRoot">
-          <p:childTnLst>
-            <p:seq concurrent="1" nextAc="seek">
-              <p:cTn id="2" dur="indefinite" nodeType="mainSeq">
-                <p:childTnLst>
-                  <p:par>
-                    <p:cTn id="3" fill="hold">
-                      <p:stCondLst>
-                        <p:cond delay="indefinite"/>
-                      </p:stCondLst>
-                      <p:childTnLst>
-                        <p:par>
-                          <p:cTn id="4" fill="hold">
-                            <p:stCondLst>
-                              <p:cond delay="0"/>
-                            </p:stCondLst>
-                            <p:childTnLst>
-                              <p:par>
-                                <p:cTn id="5" presetID="1" presetClass="entr" presetSubtype="0" fill="hold" grpId="0" nodeType="clickEffect">
-                                  <p:stCondLst>
-                                    <p:cond delay="0"/>
-                                  </p:stCondLst>
-                                  <p:childTnLst>
-                                    <p:set>
-                                      <p:cBhvr>
-                                        <p:cTn id="6" dur="1" fill="hold">
-                                          <p:stCondLst>
-                                            <p:cond delay="0"/>
-                                          </p:stCondLst>
-                                        </p:cTn>
-                                        <p:tgtEl>
-                                          <p:spTgt spid="673795">
-                                            <p:txEl>
-                                              <p:pRg st="0" end="0"/>
-                                            </p:txEl>
-                                          </p:spTgt>
-                                        </p:tgtEl>
-                                        <p:attrNameLst>
-                                          <p:attrName>style.visibility</p:attrName>
-                                        </p:attrNameLst>
-                                      </p:cBhvr>
-                                      <p:to>
-                                        <p:strVal val="visible"/>
-                                      </p:to>
-                                    </p:set>
-                                  </p:childTnLst>
-                                </p:cTn>
-                              </p:par>
-                            </p:childTnLst>
-                          </p:cTn>
-                        </p:par>
-                      </p:childTnLst>
-                    </p:cTn>
-                  </p:par>
-                  <p:par>
-                    <p:cTn id="7" fill="hold">
-                      <p:stCondLst>
-                        <p:cond delay="indefinite"/>
-                      </p:stCondLst>
-                      <p:childTnLst>
-                        <p:par>
-                          <p:cTn id="8" fill="hold">
-                            <p:stCondLst>
-                              <p:cond delay="0"/>
-                            </p:stCondLst>
-                            <p:childTnLst>
-                              <p:par>
-                                <p:cTn id="9" presetID="1" presetClass="entr" presetSubtype="0" fill="hold" grpId="0" nodeType="clickEffect">
-                                  <p:stCondLst>
-                                    <p:cond delay="0"/>
-                                  </p:stCondLst>
-                                  <p:childTnLst>
-                                    <p:set>
-                                      <p:cBhvr>
-                                        <p:cTn id="10" dur="1" fill="hold">
-                                          <p:stCondLst>
-                                            <p:cond delay="0"/>
-                                          </p:stCondLst>
-                                        </p:cTn>
-                                        <p:tgtEl>
-                                          <p:spTgt spid="673795">
-                                            <p:txEl>
-                                              <p:pRg st="1" end="1"/>
-                                            </p:txEl>
-                                          </p:spTgt>
-                                        </p:tgtEl>
-                                        <p:attrNameLst>
-                                          <p:attrName>style.visibility</p:attrName>
-                                        </p:attrNameLst>
-                                      </p:cBhvr>
-                                      <p:to>
-                                        <p:strVal val="visible"/>
-                                      </p:to>
-                                    </p:set>
-                                  </p:childTnLst>
-                                </p:cTn>
-                              </p:par>
-                            </p:childTnLst>
-                          </p:cTn>
-                        </p:par>
-                      </p:childTnLst>
-                    </p:cTn>
-                  </p:par>
-                  <p:par>
-                    <p:cTn id="11" fill="hold">
-                      <p:stCondLst>
-                        <p:cond delay="indefinite"/>
-                      </p:stCondLst>
-                      <p:childTnLst>
-                        <p:par>
-                          <p:cTn id="12" fill="hold">
-                            <p:stCondLst>
-                              <p:cond delay="0"/>
-                            </p:stCondLst>
-                            <p:childTnLst>
-                              <p:par>
-                                <p:cTn id="13" presetID="1" presetClass="entr" presetSubtype="0" fill="hold" grpId="0" nodeType="clickEffect">
-                                  <p:stCondLst>
-                                    <p:cond delay="0"/>
-                                  </p:stCondLst>
-                                  <p:childTnLst>
-                                    <p:set>
-                                      <p:cBhvr>
-                                        <p:cTn id="14" dur="1" fill="hold">
-                                          <p:stCondLst>
-                                            <p:cond delay="0"/>
-                                          </p:stCondLst>
-                                        </p:cTn>
-                                        <p:tgtEl>
-                                          <p:spTgt spid="673795">
-                                            <p:txEl>
-                                              <p:pRg st="2" end="2"/>
-                                            </p:txEl>
-                                          </p:spTgt>
-                                        </p:tgtEl>
-                                        <p:attrNameLst>
-                                          <p:attrName>style.visibility</p:attrName>
-                                        </p:attrNameLst>
-                                      </p:cBhvr>
-                                      <p:to>
-                                        <p:strVal val="visible"/>
-                                      </p:to>
-                                    </p:set>
-                                  </p:childTnLst>
-                                </p:cTn>
-                              </p:par>
-                            </p:childTnLst>
-                          </p:cTn>
-                        </p:par>
-                      </p:childTnLst>
-                    </p:cTn>
-                  </p:par>
-                </p:childTnLst>
-              </p:cTn>
-              <p:prevCondLst>
-                <p:cond evt="onPrev" delay="0">
-                  <p:tgtEl>
-                    <p:sldTgt/>
-                  </p:tgtEl>
-                </p:cond>
-              </p:prevCondLst>
-              <p:nextCondLst>
-                <p:cond evt="onNext" delay="0">
-                  <p:tgtEl>
-                    <p:sldTgt/>
-                  </p:tgtEl>
-                </p:cond>
-              </p:nextCondLst>
-            </p:seq>
-          </p:childTnLst>
-        </p:cTn>
-      </p:par>
-    </p:tnLst>
-    <p:bldLst>
-      <p:bldP spid="673795" grpId="0" build="p"/>
-    </p:bldLst>
-  </p:timing>
-</p:sld>
-</file>
-
-<file path=ppt/slides/slide45.xml><?xml version="1.0" encoding="utf-8"?>
-<p:sld xmlns:a="http://schemas.openxmlformats.org/drawingml/2006/main" xmlns:r="http://schemas.openxmlformats.org/officeDocument/2006/relationships" xmlns:mc="http://schemas.openxmlformats.org/markup-compatibility/2006" xmlns:mv="urn:schemas-microsoft-com:mac:vml" xmlns:p="http://schemas.openxmlformats.org/presentationml/2006/main" mc:Ignorable="mv" mc:PreserveAttributes="mv:*" show="0">
-  <p:cSld>
-    <p:spTree>
-      <p:nvGrpSpPr>
-        <p:cNvPr id="1" name=""/>
-        <p:cNvGrpSpPr/>
-        <p:nvPr/>
-      </p:nvGrpSpPr>
-      <p:grpSpPr>
-        <a:xfrm>
-          <a:off x="0" y="0"/>
-          <a:ext cx="0" cy="0"/>
-          <a:chOff x="0" y="0"/>
-          <a:chExt cx="0" cy="0"/>
-        </a:xfrm>
-      </p:grpSpPr>
-      <p:sp>
-        <p:nvSpPr>
-          <p:cNvPr id="673795" name="Rectangle 3"/>
-          <p:cNvSpPr>
-            <a:spLocks noGrp="1" noChangeArrowheads="1"/>
-          </p:cNvSpPr>
-          <p:nvPr>
-            <p:ph type="body" idx="1"/>
-          </p:nvPr>
-        </p:nvSpPr>
-        <p:spPr>
-          <a:xfrm>
-            <a:off x="319552" y="1752600"/>
-            <a:ext cx="8519648" cy="3429000"/>
-          </a:xfrm>
-        </p:spPr>
-        <p:txBody>
-          <a:bodyPr>
-            <a:normAutofit/>
-          </a:bodyPr>
-          <a:lstStyle/>
-          <a:p>
-            <a:pPr algn="ctr">
-              <a:buFontTx/>
-              <a:buNone/>
-            </a:pPr>
-            <a:r>
-              <a:rPr lang="en-US" sz="6000" dirty="0" smtClean="0"/>
-              <a:t>student </a:t>
-            </a:r>
-            <a:r>
-              <a:rPr lang="en-US" sz="6000" dirty="0" smtClean="0">
-                <a:solidFill>
-                  <a:srgbClr val="0000FF"/>
-                </a:solidFill>
-              </a:rPr>
-              <a:t>x</a:t>
-            </a:r>
-            <a:r>
-              <a:rPr lang="en-US" sz="6000" dirty="0" smtClean="0"/>
-              <a:t> </a:t>
-            </a:r>
-            <a:r>
-              <a:rPr lang="en-US" sz="6000" b="1" dirty="0" smtClean="0">
-                <a:solidFill>
-                  <a:srgbClr val="028822"/>
-                </a:solidFill>
-                <a:latin typeface="cmsy10"/>
-              </a:rPr>
-              <a:t>Á</a:t>
-            </a:r>
-            <a:r>
-              <a:rPr lang="en-US" sz="6000" dirty="0" smtClean="0"/>
-              <a:t>  student </a:t>
-            </a:r>
-            <a:r>
-              <a:rPr lang="en-US" sz="6000" dirty="0" smtClean="0">
-                <a:solidFill>
-                  <a:srgbClr val="0000FF"/>
-                </a:solidFill>
-              </a:rPr>
-              <a:t>y</a:t>
-            </a:r>
-          </a:p>
-          <a:p>
-            <a:pPr algn="ctr">
-              <a:buFontTx/>
-              <a:buNone/>
-            </a:pPr>
-            <a:r>
-              <a:rPr lang="en-US" sz="6000" dirty="0" smtClean="0"/>
-              <a:t> </a:t>
-            </a:r>
-            <a:r>
-              <a:rPr lang="en-US" sz="6000" dirty="0" err="1" smtClean="0"/>
-              <a:t>iff</a:t>
-            </a:r>
-            <a:endParaRPr lang="en-US" sz="6000" dirty="0" smtClean="0"/>
-          </a:p>
-          <a:p>
-            <a:pPr lvl="1" algn="ctr">
-              <a:buFontTx/>
-              <a:buNone/>
-            </a:pPr>
-            <a:r>
-              <a:rPr lang="en-US" sz="6000" dirty="0" smtClean="0">
-                <a:solidFill>
-                  <a:srgbClr val="0033CC"/>
-                </a:solidFill>
-              </a:rPr>
-              <a:t>(</a:t>
-            </a:r>
-            <a:r>
-              <a:rPr lang="en-US" sz="6000" dirty="0" err="1" smtClean="0">
-                <a:solidFill>
-                  <a:srgbClr val="0033CC"/>
-                </a:solidFill>
-              </a:rPr>
-              <a:t>h</a:t>
-            </a:r>
-            <a:r>
-              <a:rPr lang="en-US" sz="6000" baseline="-25000" dirty="0" err="1" smtClean="0">
-                <a:solidFill>
-                  <a:srgbClr val="0033CC"/>
-                </a:solidFill>
-              </a:rPr>
-              <a:t>x</a:t>
-            </a:r>
-            <a:r>
-              <a:rPr lang="en-US" sz="6000" b="1" dirty="0" smtClean="0">
-                <a:solidFill>
-                  <a:srgbClr val="0033CC"/>
-                </a:solidFill>
-                <a:cs typeface="Times New Roman" pitchFamily="18" charset="0"/>
-                <a:sym typeface="Symbol"/>
-              </a:rPr>
-              <a:t></a:t>
-            </a:r>
-            <a:r>
-              <a:rPr lang="en-US" sz="6000" b="1" dirty="0" smtClean="0">
-                <a:solidFill>
-                  <a:srgbClr val="0033CC"/>
-                </a:solidFill>
-                <a:latin typeface="Symbol" pitchFamily="18" charset="2"/>
-                <a:cs typeface="Times New Roman" pitchFamily="18" charset="0"/>
-                <a:sym typeface="Symbol"/>
-              </a:rPr>
-              <a:t>&lt;</a:t>
-            </a:r>
-            <a:r>
-              <a:rPr lang="en-US" sz="6000" dirty="0" smtClean="0">
-                <a:solidFill>
-                  <a:srgbClr val="0033CC"/>
-                </a:solidFill>
-                <a:cs typeface="Times New Roman" pitchFamily="18" charset="0"/>
-              </a:rPr>
-              <a:t> </a:t>
-            </a:r>
-            <a:r>
-              <a:rPr lang="en-US" sz="6000" dirty="0" err="1" smtClean="0">
-                <a:solidFill>
-                  <a:srgbClr val="0033CC"/>
-                </a:solidFill>
-              </a:rPr>
-              <a:t>h</a:t>
-            </a:r>
-            <a:r>
-              <a:rPr lang="en-US" sz="6000" baseline="-25000" dirty="0" err="1" smtClean="0">
-                <a:solidFill>
-                  <a:srgbClr val="0033CC"/>
-                </a:solidFill>
-              </a:rPr>
-              <a:t>y</a:t>
-            </a:r>
-            <a:r>
-              <a:rPr lang="en-US" sz="6000" dirty="0" smtClean="0">
-                <a:solidFill>
-                  <a:srgbClr val="0033CC"/>
-                </a:solidFill>
-              </a:rPr>
-              <a:t>)  </a:t>
-            </a:r>
-            <a:r>
-              <a:rPr lang="en-US" sz="6000" dirty="0" smtClean="0">
-                <a:solidFill>
-                  <a:srgbClr val="0000FF"/>
-                </a:solidFill>
-              </a:rPr>
-              <a:t>and</a:t>
-            </a:r>
-            <a:r>
-              <a:rPr lang="en-US" sz="6000" dirty="0" smtClean="0">
-                <a:solidFill>
-                  <a:srgbClr val="0033CC"/>
-                </a:solidFill>
-              </a:rPr>
-              <a:t>  (a</a:t>
-            </a:r>
-            <a:r>
-              <a:rPr lang="en-US" sz="6000" baseline="-25000" dirty="0" smtClean="0">
-                <a:solidFill>
-                  <a:srgbClr val="0033CC"/>
-                </a:solidFill>
-              </a:rPr>
-              <a:t>x</a:t>
-            </a:r>
-            <a:r>
-              <a:rPr lang="en-US" sz="6000" dirty="0" smtClean="0">
-                <a:solidFill>
-                  <a:srgbClr val="0033CC"/>
-                </a:solidFill>
-              </a:rPr>
-              <a:t> </a:t>
-            </a:r>
-            <a:r>
-              <a:rPr lang="en-US" sz="6000" b="1" dirty="0" smtClean="0">
-                <a:solidFill>
-                  <a:srgbClr val="0033CC"/>
-                </a:solidFill>
-                <a:latin typeface="Symbol" pitchFamily="18" charset="2"/>
-                <a:cs typeface="Times New Roman" pitchFamily="18" charset="0"/>
-                <a:sym typeface="Symbol"/>
-              </a:rPr>
-              <a:t>&lt;</a:t>
-            </a:r>
-            <a:r>
-              <a:rPr lang="en-US" sz="6000" dirty="0" smtClean="0">
-                <a:solidFill>
-                  <a:srgbClr val="0033CC"/>
-                </a:solidFill>
-                <a:cs typeface="Times New Roman" pitchFamily="18" charset="0"/>
-              </a:rPr>
-              <a:t> </a:t>
-            </a:r>
-            <a:r>
-              <a:rPr lang="en-US" sz="6000" dirty="0" smtClean="0">
-                <a:solidFill>
-                  <a:srgbClr val="0033CC"/>
-                </a:solidFill>
-              </a:rPr>
-              <a:t>a</a:t>
-            </a:r>
-            <a:r>
-              <a:rPr lang="en-US" sz="6000" baseline="-25000" dirty="0" smtClean="0">
-                <a:solidFill>
-                  <a:srgbClr val="0033CC"/>
-                </a:solidFill>
-              </a:rPr>
-              <a:t>y</a:t>
-            </a:r>
-            <a:r>
-              <a:rPr lang="en-US" sz="6000" dirty="0" smtClean="0">
-                <a:solidFill>
-                  <a:srgbClr val="0033CC"/>
-                </a:solidFill>
-              </a:rPr>
-              <a:t>)</a:t>
-            </a:r>
-            <a:endParaRPr lang="en-US" sz="6000" dirty="0">
-              <a:solidFill>
-                <a:srgbClr val="0033CC"/>
-              </a:solidFill>
-            </a:endParaRPr>
-          </a:p>
-        </p:txBody>
-      </p:sp>
-      <p:sp>
-        <p:nvSpPr>
-          <p:cNvPr id="14" name="Rectangle 2"/>
-          <p:cNvSpPr>
-            <a:spLocks noGrp="1" noChangeArrowheads="1"/>
-          </p:cNvSpPr>
-          <p:nvPr>
-            <p:ph type="title"/>
-          </p:nvPr>
-        </p:nvSpPr>
-        <p:spPr>
-          <a:xfrm>
-            <a:off x="1424667" y="274638"/>
-            <a:ext cx="6662057" cy="1105126"/>
-          </a:xfrm>
-        </p:spPr>
-        <p:txBody>
-          <a:bodyPr>
-            <a:normAutofit/>
-          </a:bodyPr>
-          <a:lstStyle/>
-          <a:p>
-            <a:r>
-              <a:rPr lang="en-US" dirty="0" smtClean="0"/>
-              <a:t>height/age </a:t>
-            </a:r>
-            <a:r>
-              <a:rPr lang="en-US" dirty="0"/>
-              <a:t>p</a:t>
-            </a:r>
-            <a:r>
-              <a:rPr lang="en-US" dirty="0" smtClean="0"/>
-              <a:t>artial </a:t>
-            </a:r>
-            <a:r>
-              <a:rPr lang="en-US" dirty="0"/>
-              <a:t>o</a:t>
-            </a:r>
-            <a:r>
-              <a:rPr lang="en-US" dirty="0" smtClean="0"/>
-              <a:t>rder</a:t>
-            </a:r>
-            <a:endParaRPr lang="en-US" dirty="0"/>
-          </a:p>
-        </p:txBody>
-      </p:sp>
-    </p:spTree>
-  </p:cSld>
-  <p:clrMapOvr>
-    <a:masterClrMapping/>
-  </p:clrMapOvr>
-  <p:transition/>
-  <p:timing>
-    <p:tnLst>
-      <p:par>
-        <p:cTn id="1" dur="indefinite" restart="never" nodeType="tmRoot"/>
-      </p:par>
-    </p:tnLst>
-  </p:timing>
-</p:sld>
-</file>
-
-<file path=ppt/slides/slide46.xml><?xml version="1.0" encoding="utf-8"?>
-<p:sld xmlns:a="http://schemas.openxmlformats.org/drawingml/2006/main" xmlns:r="http://schemas.openxmlformats.org/officeDocument/2006/relationships" xmlns:mc="http://schemas.openxmlformats.org/markup-compatibility/2006" xmlns:mv="urn:schemas-microsoft-com:mac:vml" xmlns:p="http://schemas.openxmlformats.org/presentationml/2006/main" mc:Ignorable="mv" mc:PreserveAttributes="mv:*" show="0">
-  <p:cSld>
-    <p:spTree>
-      <p:nvGrpSpPr>
-        <p:cNvPr id="1" name=""/>
-        <p:cNvGrpSpPr/>
-        <p:nvPr/>
-      </p:nvGrpSpPr>
-      <p:grpSpPr>
-        <a:xfrm>
-          <a:off x="0" y="0"/>
-          <a:ext cx="0" cy="0"/>
-          <a:chOff x="0" y="0"/>
-          <a:chExt cx="0" cy="0"/>
-        </a:xfrm>
-      </p:grpSpPr>
-      <p:sp>
-        <p:nvSpPr>
-          <p:cNvPr id="674818" name="Rectangle 2"/>
-          <p:cNvSpPr>
-            <a:spLocks noGrp="1" noChangeArrowheads="1"/>
-          </p:cNvSpPr>
-          <p:nvPr>
-            <p:ph type="title"/>
-          </p:nvPr>
-        </p:nvSpPr>
-        <p:spPr>
-          <a:xfrm>
-            <a:off x="1424667" y="274638"/>
-            <a:ext cx="6662057" cy="1105126"/>
-          </a:xfrm>
-        </p:spPr>
-        <p:txBody>
-          <a:bodyPr/>
-          <a:lstStyle/>
-          <a:p>
-            <a:r>
-              <a:rPr lang="en-US" dirty="0" smtClean="0">
-                <a:solidFill>
-                  <a:prstClr val="black"/>
-                </a:solidFill>
-              </a:rPr>
-              <a:t>height/age partial order</a:t>
-            </a:r>
-            <a:endParaRPr lang="en-US" sz="3200" dirty="0"/>
-          </a:p>
-        </p:txBody>
-      </p:sp>
-      <p:sp>
-        <p:nvSpPr>
-          <p:cNvPr id="674819" name="Rectangle 3"/>
-          <p:cNvSpPr>
-            <a:spLocks noGrp="1" noChangeArrowheads="1"/>
-          </p:cNvSpPr>
-          <p:nvPr>
-            <p:ph type="body" idx="1"/>
-          </p:nvPr>
-        </p:nvSpPr>
-        <p:spPr>
-          <a:xfrm>
-            <a:off x="304800" y="1676400"/>
-            <a:ext cx="8610600" cy="3429000"/>
-          </a:xfrm>
-        </p:spPr>
-        <p:txBody>
-          <a:bodyPr>
-            <a:normAutofit/>
-          </a:bodyPr>
-          <a:lstStyle/>
-          <a:p>
-            <a:pPr>
-              <a:buFontTx/>
-              <a:buNone/>
-            </a:pPr>
-            <a:r>
-              <a:rPr lang="en-US" sz="4400" b="1" dirty="0" smtClean="0">
-                <a:solidFill>
-                  <a:srgbClr val="028822"/>
-                </a:solidFill>
-                <a:latin typeface="cmsy10"/>
-              </a:rPr>
-              <a:t>Á</a:t>
-            </a:r>
-            <a:r>
-              <a:rPr lang="en-US" sz="4400" b="1" dirty="0" smtClean="0"/>
-              <a:t>-</a:t>
-            </a:r>
-            <a:r>
-              <a:rPr lang="en-US" sz="4400" i="1" dirty="0" smtClean="0"/>
-              <a:t>chain</a:t>
-            </a:r>
-            <a:r>
-              <a:rPr lang="en-US" sz="4400" dirty="0" smtClean="0"/>
-              <a:t>  of </a:t>
-            </a:r>
-            <a:r>
-              <a:rPr lang="en-US" sz="4400" dirty="0"/>
-              <a:t>students:</a:t>
-            </a:r>
-          </a:p>
-          <a:p>
-            <a:pPr algn="ctr">
-              <a:buFontTx/>
-              <a:buNone/>
-            </a:pPr>
-            <a:r>
-              <a:rPr lang="en-US" sz="4400" dirty="0"/>
-              <a:t>get </a:t>
-            </a:r>
-            <a:r>
-              <a:rPr lang="en-US" sz="4400" dirty="0">
-                <a:solidFill>
-                  <a:srgbClr val="0033CC"/>
-                </a:solidFill>
-              </a:rPr>
-              <a:t>older </a:t>
-            </a:r>
-            <a:r>
-              <a:rPr lang="en-US" sz="4400" i="1" dirty="0" smtClean="0">
-                <a:solidFill>
-                  <a:srgbClr val="0033CC"/>
-                </a:solidFill>
-              </a:rPr>
-              <a:t> </a:t>
-            </a:r>
-            <a:r>
-              <a:rPr lang="en-US" sz="4400" dirty="0" smtClean="0"/>
-              <a:t>as </a:t>
-            </a:r>
-            <a:r>
-              <a:rPr lang="en-US" sz="4400" dirty="0"/>
-              <a:t>they get</a:t>
-            </a:r>
-            <a:r>
-              <a:rPr lang="en-US" sz="4400" dirty="0">
-                <a:solidFill>
-                  <a:srgbClr val="0033CC"/>
-                </a:solidFill>
-              </a:rPr>
-              <a:t> taller</a:t>
-            </a:r>
-            <a:r>
-              <a:rPr lang="en-US" sz="4400" dirty="0"/>
-              <a:t>.</a:t>
-            </a:r>
-          </a:p>
-          <a:p>
-            <a:pPr>
-              <a:buFontTx/>
-              <a:buNone/>
-            </a:pPr>
-            <a:r>
-              <a:rPr lang="en-US" sz="4400" b="1" dirty="0" smtClean="0">
-                <a:solidFill>
-                  <a:srgbClr val="028822"/>
-                </a:solidFill>
-                <a:latin typeface="cmsy10"/>
-              </a:rPr>
-              <a:t>Á</a:t>
-            </a:r>
-            <a:r>
-              <a:rPr lang="en-US" sz="4400" b="1" dirty="0" smtClean="0"/>
-              <a:t>-</a:t>
-            </a:r>
-            <a:r>
-              <a:rPr lang="en-US" sz="4400" i="1" dirty="0" err="1" smtClean="0">
-                <a:solidFill>
-                  <a:srgbClr val="660066"/>
-                </a:solidFill>
-              </a:rPr>
-              <a:t>anti</a:t>
-            </a:r>
-            <a:r>
-              <a:rPr lang="en-US" sz="4400" i="1" dirty="0" err="1" smtClean="0"/>
-              <a:t>chain</a:t>
-            </a:r>
-            <a:r>
-              <a:rPr lang="en-US" sz="4400" i="1" dirty="0" smtClean="0"/>
-              <a:t> </a:t>
-            </a:r>
-            <a:r>
-              <a:rPr lang="en-US" sz="4400" dirty="0"/>
-              <a:t>of students: </a:t>
-            </a:r>
-          </a:p>
-          <a:p>
-            <a:pPr algn="ctr">
-              <a:buFontTx/>
-              <a:buNone/>
-            </a:pPr>
-            <a:r>
-              <a:rPr lang="en-US" sz="4400" dirty="0"/>
-              <a:t>get </a:t>
-            </a:r>
-            <a:r>
-              <a:rPr lang="en-US" sz="4400" dirty="0" smtClean="0">
-                <a:solidFill>
-                  <a:srgbClr val="0033CC"/>
-                </a:solidFill>
-              </a:rPr>
-              <a:t>younger </a:t>
-            </a:r>
-            <a:r>
-              <a:rPr lang="en-US" sz="4400" dirty="0" smtClean="0"/>
-              <a:t>as </a:t>
-            </a:r>
-            <a:r>
-              <a:rPr lang="en-US" sz="4400" dirty="0"/>
-              <a:t>they get</a:t>
-            </a:r>
-            <a:r>
-              <a:rPr lang="en-US" sz="4400" dirty="0">
-                <a:solidFill>
-                  <a:srgbClr val="0033CC"/>
-                </a:solidFill>
-              </a:rPr>
-              <a:t> taller.</a:t>
-            </a:r>
-          </a:p>
-        </p:txBody>
-      </p:sp>
-    </p:spTree>
-  </p:cSld>
-  <p:clrMapOvr>
-    <a:masterClrMapping/>
-  </p:clrMapOvr>
-  <p:transition/>
-  <p:timing>
-    <p:tnLst>
-      <p:par>
-        <p:cTn id="1" dur="indefinite" restart="never" nodeType="tmRoot">
-          <p:childTnLst>
-            <p:seq concurrent="1" nextAc="seek">
-              <p:cTn id="2" dur="indefinite" nodeType="mainSeq">
-                <p:childTnLst>
-                  <p:par>
-                    <p:cTn id="3" fill="hold">
-                      <p:stCondLst>
-                        <p:cond delay="indefinite"/>
-                      </p:stCondLst>
-                      <p:childTnLst>
-                        <p:par>
-                          <p:cTn id="4" fill="hold">
-                            <p:stCondLst>
-                              <p:cond delay="0"/>
-                            </p:stCondLst>
-                            <p:childTnLst>
-                              <p:par>
-                                <p:cTn id="5" presetID="1" presetClass="entr" presetSubtype="0" fill="hold" grpId="0" nodeType="clickEffect">
-                                  <p:stCondLst>
-                                    <p:cond delay="0"/>
-                                  </p:stCondLst>
-                                  <p:childTnLst>
-                                    <p:set>
-                                      <p:cBhvr>
-                                        <p:cTn id="6" dur="1" fill="hold">
-                                          <p:stCondLst>
-                                            <p:cond delay="0"/>
-                                          </p:stCondLst>
-                                        </p:cTn>
-                                        <p:tgtEl>
-                                          <p:spTgt spid="674819">
-                                            <p:txEl>
-                                              <p:pRg st="2" end="2"/>
-                                            </p:txEl>
-                                          </p:spTgt>
-                                        </p:tgtEl>
-                                        <p:attrNameLst>
-                                          <p:attrName>style.visibility</p:attrName>
-                                        </p:attrNameLst>
-                                      </p:cBhvr>
-                                      <p:to>
-                                        <p:strVal val="visible"/>
-                                      </p:to>
-                                    </p:set>
-                                  </p:childTnLst>
-                                </p:cTn>
-                              </p:par>
-                              <p:par>
-                                <p:cTn id="7" presetID="1" presetClass="entr" presetSubtype="0" fill="hold" grpId="0" nodeType="withEffect">
-                                  <p:stCondLst>
-                                    <p:cond delay="0"/>
-                                  </p:stCondLst>
-                                  <p:childTnLst>
-                                    <p:set>
-                                      <p:cBhvr>
-                                        <p:cTn id="8" dur="1" fill="hold">
-                                          <p:stCondLst>
-                                            <p:cond delay="0"/>
-                                          </p:stCondLst>
-                                        </p:cTn>
-                                        <p:tgtEl>
-                                          <p:spTgt spid="674819">
-                                            <p:txEl>
-                                              <p:pRg st="3" end="3"/>
-                                            </p:txEl>
-                                          </p:spTgt>
-                                        </p:tgtEl>
-                                        <p:attrNameLst>
-                                          <p:attrName>style.visibility</p:attrName>
-                                        </p:attrNameLst>
-                                      </p:cBhvr>
-                                      <p:to>
-                                        <p:strVal val="visible"/>
-                                      </p:to>
-                                    </p:set>
-                                  </p:childTnLst>
-                                </p:cTn>
-                              </p:par>
-                            </p:childTnLst>
-                          </p:cTn>
-                        </p:par>
-                      </p:childTnLst>
-                    </p:cTn>
-                  </p:par>
-                </p:childTnLst>
-              </p:cTn>
-              <p:prevCondLst>
-                <p:cond evt="onPrev" delay="0">
-                  <p:tgtEl>
-                    <p:sldTgt/>
-                  </p:tgtEl>
-                </p:cond>
-              </p:prevCondLst>
-              <p:nextCondLst>
-                <p:cond evt="onNext" delay="0">
-                  <p:tgtEl>
-                    <p:sldTgt/>
-                  </p:tgtEl>
-                </p:cond>
-              </p:nextCondLst>
-            </p:seq>
-          </p:childTnLst>
-        </p:cTn>
-      </p:par>
-    </p:tnLst>
-    <p:bldLst>
-      <p:bldP spid="674819" grpId="0" uiExpand="1" build="p"/>
-    </p:bldLst>
-  </p:timing>
-</p:sld>
-</file>
-
-<file path=ppt/slides/slide47.xml><?xml version="1.0" encoding="utf-8"?>
-<p:sld xmlns:a="http://schemas.openxmlformats.org/drawingml/2006/main" xmlns:r="http://schemas.openxmlformats.org/officeDocument/2006/relationships" xmlns:mc="http://schemas.openxmlformats.org/markup-compatibility/2006" xmlns:mv="urn:schemas-microsoft-com:mac:vml" xmlns:p="http://schemas.openxmlformats.org/presentationml/2006/main" mc:Ignorable="mv" mc:PreserveAttributes="mv:*" show="0">
-  <p:cSld>
-    <p:spTree>
-      <p:nvGrpSpPr>
-        <p:cNvPr id="1" name=""/>
-        <p:cNvGrpSpPr/>
-        <p:nvPr/>
-      </p:nvGrpSpPr>
-      <p:grpSpPr>
-        <a:xfrm>
-          <a:off x="0" y="0"/>
-          <a:ext cx="0" cy="0"/>
-          <a:chOff x="0" y="0"/>
-          <a:chExt cx="0" cy="0"/>
-        </a:xfrm>
-      </p:grpSpPr>
-      <p:sp>
-        <p:nvSpPr>
-          <p:cNvPr id="675842" name="Rectangle 2"/>
-          <p:cNvSpPr>
-            <a:spLocks noGrp="1" noChangeArrowheads="1"/>
-          </p:cNvSpPr>
-          <p:nvPr>
-            <p:ph type="ctrTitle"/>
-          </p:nvPr>
-        </p:nvSpPr>
-        <p:spPr>
-          <a:xfrm>
-            <a:off x="762000" y="0"/>
-            <a:ext cx="7772400" cy="1470025"/>
-          </a:xfrm>
-        </p:spPr>
-        <p:txBody>
-          <a:bodyPr/>
-          <a:lstStyle/>
-          <a:p>
-            <a:r>
-              <a:rPr lang="en-US" sz="6600" dirty="0"/>
-              <a:t>   </a:t>
-            </a:r>
-            <a:r>
-              <a:rPr lang="en-US" sz="6000" dirty="0"/>
-              <a:t>Dilworth Demo</a:t>
-            </a:r>
-            <a:endParaRPr lang="en-US" sz="6600" dirty="0"/>
-          </a:p>
-        </p:txBody>
-      </p:sp>
-      <p:pic>
-        <p:nvPicPr>
-          <p:cNvPr id="675843" name="Picture 3" descr="j0232890[1]"/>
-          <p:cNvPicPr>
-            <a:picLocks noChangeAspect="1" noChangeArrowheads="1"/>
-          </p:cNvPicPr>
-          <p:nvPr/>
-        </p:nvPicPr>
-        <p:blipFill>
-          <a:blip r:embed="rId3"/>
-          <a:srcRect/>
-          <a:stretch>
-            <a:fillRect/>
-          </a:stretch>
-        </p:blipFill>
-        <p:spPr bwMode="auto">
-          <a:xfrm>
-            <a:off x="1066800" y="1981200"/>
-            <a:ext cx="1758950" cy="2590800"/>
-          </a:xfrm>
-          <a:prstGeom prst="rect">
-            <a:avLst/>
-          </a:prstGeom>
-          <a:noFill/>
-        </p:spPr>
-      </p:pic>
-      <p:pic>
-        <p:nvPicPr>
-          <p:cNvPr id="675844" name="Picture 4" descr="j0232890[1]"/>
-          <p:cNvPicPr>
-            <a:picLocks noChangeAspect="1" noChangeArrowheads="1"/>
-          </p:cNvPicPr>
-          <p:nvPr/>
-        </p:nvPicPr>
-        <p:blipFill>
-          <a:blip r:embed="rId4"/>
-          <a:srcRect/>
-          <a:stretch>
-            <a:fillRect/>
-          </a:stretch>
-        </p:blipFill>
-        <p:spPr bwMode="auto">
-          <a:xfrm>
-            <a:off x="2541588" y="2286000"/>
-            <a:ext cx="1552575" cy="2286000"/>
-          </a:xfrm>
-          <a:prstGeom prst="rect">
-            <a:avLst/>
-          </a:prstGeom>
-          <a:noFill/>
-        </p:spPr>
-      </p:pic>
-      <p:pic>
-        <p:nvPicPr>
-          <p:cNvPr id="675845" name="Picture 5" descr="j0232890[1]"/>
-          <p:cNvPicPr>
-            <a:picLocks noChangeAspect="1" noChangeArrowheads="1"/>
-          </p:cNvPicPr>
-          <p:nvPr/>
-        </p:nvPicPr>
-        <p:blipFill>
-          <a:blip r:embed="rId5"/>
-          <a:srcRect/>
-          <a:stretch>
-            <a:fillRect/>
-          </a:stretch>
-        </p:blipFill>
-        <p:spPr bwMode="auto">
-          <a:xfrm>
-            <a:off x="6884988" y="2971800"/>
-            <a:ext cx="1035050" cy="1524000"/>
-          </a:xfrm>
-          <a:prstGeom prst="rect">
-            <a:avLst/>
-          </a:prstGeom>
-          <a:noFill/>
-        </p:spPr>
-      </p:pic>
-      <p:pic>
-        <p:nvPicPr>
-          <p:cNvPr id="675846" name="Picture 6" descr="j0232890[1]"/>
-          <p:cNvPicPr>
-            <a:picLocks noChangeAspect="1" noChangeArrowheads="1"/>
-          </p:cNvPicPr>
-          <p:nvPr/>
-        </p:nvPicPr>
-        <p:blipFill>
-          <a:blip r:embed="rId6"/>
-          <a:srcRect/>
-          <a:stretch>
-            <a:fillRect/>
-          </a:stretch>
-        </p:blipFill>
-        <p:spPr bwMode="auto">
-          <a:xfrm>
-            <a:off x="4751388" y="2667000"/>
-            <a:ext cx="1293812" cy="1905000"/>
-          </a:xfrm>
-          <a:prstGeom prst="rect">
-            <a:avLst/>
-          </a:prstGeom>
-          <a:noFill/>
-        </p:spPr>
-      </p:pic>
-      <p:pic>
-        <p:nvPicPr>
-          <p:cNvPr id="675847" name="Picture 7" descr="j0135033[1]"/>
-          <p:cNvPicPr>
-            <a:picLocks noChangeAspect="1" noChangeArrowheads="1"/>
-          </p:cNvPicPr>
-          <p:nvPr/>
-        </p:nvPicPr>
-        <p:blipFill>
-          <a:blip r:embed="rId7"/>
-          <a:srcRect/>
-          <a:stretch>
-            <a:fillRect/>
-          </a:stretch>
-        </p:blipFill>
-        <p:spPr bwMode="auto">
-          <a:xfrm>
-            <a:off x="7951788" y="3352800"/>
-            <a:ext cx="511175" cy="1143000"/>
-          </a:xfrm>
-          <a:prstGeom prst="rect">
-            <a:avLst/>
-          </a:prstGeom>
-          <a:noFill/>
-        </p:spPr>
-      </p:pic>
-      <p:pic>
-        <p:nvPicPr>
-          <p:cNvPr id="675848" name="Picture 8" descr="j0135033[1]"/>
-          <p:cNvPicPr>
-            <a:picLocks noChangeAspect="1" noChangeArrowheads="1"/>
-          </p:cNvPicPr>
-          <p:nvPr/>
-        </p:nvPicPr>
-        <p:blipFill>
-          <a:blip r:embed="rId8"/>
-          <a:srcRect/>
-          <a:stretch>
-            <a:fillRect/>
-          </a:stretch>
-        </p:blipFill>
-        <p:spPr bwMode="auto">
-          <a:xfrm>
-            <a:off x="6046788" y="2743200"/>
-            <a:ext cx="782637" cy="1752600"/>
-          </a:xfrm>
-          <a:prstGeom prst="rect">
-            <a:avLst/>
-          </a:prstGeom>
-          <a:noFill/>
-        </p:spPr>
-      </p:pic>
-      <p:pic>
-        <p:nvPicPr>
-          <p:cNvPr id="675849" name="Picture 9" descr="j0135033[1]"/>
-          <p:cNvPicPr>
-            <a:picLocks noChangeAspect="1" noChangeArrowheads="1"/>
-          </p:cNvPicPr>
-          <p:nvPr/>
-        </p:nvPicPr>
-        <p:blipFill>
-          <a:blip r:embed="rId9"/>
-          <a:srcRect/>
-          <a:stretch>
-            <a:fillRect/>
-          </a:stretch>
-        </p:blipFill>
-        <p:spPr bwMode="auto">
-          <a:xfrm>
-            <a:off x="3836988" y="2438400"/>
-            <a:ext cx="919162" cy="2057400"/>
-          </a:xfrm>
-          <a:prstGeom prst="rect">
-            <a:avLst/>
-          </a:prstGeom>
-          <a:noFill/>
-        </p:spPr>
-      </p:pic>
-      <p:sp>
-        <p:nvSpPr>
-          <p:cNvPr id="675850" name="Line 10"/>
-          <p:cNvSpPr>
-            <a:spLocks noChangeShapeType="1"/>
-          </p:cNvSpPr>
-          <p:nvPr/>
-        </p:nvSpPr>
-        <p:spPr bwMode="auto">
-          <a:xfrm>
-            <a:off x="1447800" y="4800600"/>
-            <a:ext cx="6858000" cy="0"/>
-          </a:xfrm>
-          <a:prstGeom prst="line">
-            <a:avLst/>
-          </a:prstGeom>
-          <a:noFill/>
-          <a:ln w="76200">
-            <a:solidFill>
-              <a:schemeClr val="tx1"/>
-            </a:solidFill>
-            <a:round/>
-            <a:headEnd type="stealth" w="lg" len="lg"/>
-            <a:tailEnd type="none" w="lg" len="lg"/>
-          </a:ln>
-          <a:effectLst/>
-        </p:spPr>
-        <p:txBody>
-          <a:bodyPr/>
-          <a:lstStyle/>
-          <a:p>
-            <a:endParaRPr lang="en-US"/>
-          </a:p>
-        </p:txBody>
-      </p:sp>
-      <p:sp>
-        <p:nvSpPr>
-          <p:cNvPr id="675851" name="Text Box 11"/>
-          <p:cNvSpPr txBox="1">
-            <a:spLocks noChangeArrowheads="1"/>
-          </p:cNvSpPr>
-          <p:nvPr/>
-        </p:nvSpPr>
-        <p:spPr bwMode="auto">
-          <a:xfrm>
-            <a:off x="3300384" y="4772016"/>
-            <a:ext cx="2712602" cy="923330"/>
-          </a:xfrm>
-          <a:prstGeom prst="rect">
-            <a:avLst/>
-          </a:prstGeom>
-          <a:noFill/>
-          <a:ln w="9525">
-            <a:noFill/>
-            <a:miter lim="800000"/>
-            <a:headEnd/>
-            <a:tailEnd type="none" w="lg" len="lg"/>
-          </a:ln>
-          <a:effectLst/>
-        </p:spPr>
-        <p:txBody>
-          <a:bodyPr wrap="none">
-            <a:spAutoFit/>
-          </a:bodyPr>
-          <a:lstStyle/>
-          <a:p>
-            <a:pPr algn="l">
-              <a:spcBef>
-                <a:spcPct val="0"/>
-              </a:spcBef>
-            </a:pPr>
-            <a:r>
-              <a:rPr lang="en-US" sz="5400" i="1" dirty="0" smtClean="0">
-                <a:solidFill>
-                  <a:srgbClr val="0033CC"/>
-                </a:solidFill>
-                <a:latin typeface="Comic Sans MS" pitchFamily="66" charset="0"/>
-              </a:rPr>
-              <a:t>younger</a:t>
-            </a:r>
-            <a:endParaRPr lang="en-US" sz="5400" i="1" dirty="0">
-              <a:solidFill>
-                <a:srgbClr val="0033CC"/>
-              </a:solidFill>
-              <a:latin typeface="Comic Sans MS" pitchFamily="66" charset="0"/>
-            </a:endParaRPr>
-          </a:p>
-        </p:txBody>
-      </p:sp>
-    </p:spTree>
-  </p:cSld>
-  <p:clrMapOvr>
-    <a:masterClrMapping/>
-  </p:clrMapOvr>
-  <p:transition/>
-  <p:timing>
-    <p:tnLst>
-      <p:par>
-        <p:cTn id="1" dur="indefinite" restart="never" nodeType="tmRoot"/>
-      </p:par>
-    </p:tnLst>
-  </p:timing>
-</p:sld>
-</file>
-
-<file path=ppt/slides/slide48.xml><?xml version="1.0" encoding="utf-8"?>
-<p:sld xmlns:a="http://schemas.openxmlformats.org/drawingml/2006/main" xmlns:r="http://schemas.openxmlformats.org/officeDocument/2006/relationships" xmlns:mc="http://schemas.openxmlformats.org/markup-compatibility/2006" xmlns:mv="urn:schemas-microsoft-com:mac:vml" xmlns:p="http://schemas.openxmlformats.org/presentationml/2006/main" mc:Ignorable="mv" mc:PreserveAttributes="mv:*" show="0">
-  <p:cSld>
-    <p:spTree>
-      <p:nvGrpSpPr>
-        <p:cNvPr id="1" name=""/>
-        <p:cNvGrpSpPr/>
-        <p:nvPr/>
-      </p:nvGrpSpPr>
-      <p:grpSpPr>
-        <a:xfrm>
-          <a:off x="0" y="0"/>
-          <a:ext cx="0" cy="0"/>
-          <a:chOff x="0" y="0"/>
-          <a:chExt cx="0" cy="0"/>
-        </a:xfrm>
-      </p:grpSpPr>
-      <p:sp>
-        <p:nvSpPr>
-          <p:cNvPr id="503810" name="Rectangle 2"/>
-          <p:cNvSpPr>
-            <a:spLocks noGrp="1" noChangeArrowheads="1"/>
-          </p:cNvSpPr>
-          <p:nvPr>
-            <p:ph type="title"/>
-          </p:nvPr>
-        </p:nvSpPr>
-        <p:spPr/>
-        <p:txBody>
-          <a:bodyPr>
-            <a:noAutofit/>
-          </a:bodyPr>
-          <a:lstStyle/>
-          <a:p>
-            <a:r>
-              <a:rPr lang="en-US" dirty="0"/>
-              <a:t>r</a:t>
-            </a:r>
-            <a:r>
-              <a:rPr lang="en-US" dirty="0" smtClean="0">
-                <a:solidFill>
-                  <a:schemeClr val="tx1"/>
-                </a:solidFill>
-              </a:rPr>
-              <a:t>epresenting </a:t>
-            </a:r>
-            <a:r>
-              <a:rPr lang="en-US" dirty="0">
-                <a:solidFill>
-                  <a:schemeClr val="tx1"/>
-                </a:solidFill>
-              </a:rPr>
-              <a:t>Partial Orders</a:t>
-            </a:r>
-          </a:p>
-        </p:txBody>
-      </p:sp>
-      <p:sp>
-        <p:nvSpPr>
-          <p:cNvPr id="503811" name="Rectangle 3"/>
-          <p:cNvSpPr>
-            <a:spLocks noGrp="1" noChangeArrowheads="1"/>
-          </p:cNvSpPr>
-          <p:nvPr>
-            <p:ph type="body" idx="1"/>
-          </p:nvPr>
-        </p:nvSpPr>
-        <p:spPr>
-          <a:xfrm>
-            <a:off x="685800" y="1524001"/>
-            <a:ext cx="7543801" cy="3505200"/>
-          </a:xfrm>
-        </p:spPr>
-        <p:txBody>
-          <a:bodyPr>
-            <a:normAutofit/>
-          </a:bodyPr>
-          <a:lstStyle/>
-          <a:p>
-            <a:pPr algn="ctr">
-              <a:lnSpc>
-                <a:spcPct val="90000"/>
-              </a:lnSpc>
-              <a:buFontTx/>
-              <a:buNone/>
-            </a:pPr>
-            <a:r>
-              <a:rPr lang="en-US" sz="4400" dirty="0">
-                <a:cs typeface="Times New Roman" pitchFamily="18" charset="0"/>
-              </a:rPr>
-              <a:t>The </a:t>
-            </a:r>
-            <a:r>
-              <a:rPr lang="en-US" sz="4400" i="1" dirty="0" smtClean="0">
-                <a:cs typeface="Times New Roman" pitchFamily="18" charset="0"/>
-              </a:rPr>
-              <a:t>proper</a:t>
-            </a:r>
-            <a:r>
-              <a:rPr lang="en-US" sz="4400" dirty="0" smtClean="0">
-                <a:cs typeface="Times New Roman" pitchFamily="18" charset="0"/>
-              </a:rPr>
-              <a:t> subset relation</a:t>
-            </a:r>
-          </a:p>
-          <a:p>
-            <a:pPr algn="ctr">
-              <a:lnSpc>
-                <a:spcPct val="90000"/>
-              </a:lnSpc>
-              <a:buFontTx/>
-              <a:buNone/>
-            </a:pPr>
-            <a:r>
-              <a:rPr lang="en-US" sz="4800" b="1" dirty="0" smtClean="0">
-                <a:solidFill>
-                  <a:srgbClr val="1E03BD"/>
-                </a:solidFill>
-                <a:latin typeface="cmsy10"/>
-                <a:cs typeface="Times New Roman" pitchFamily="18" charset="0"/>
-                <a:sym typeface="Euclid Symbol"/>
-              </a:rPr>
-              <a:t></a:t>
-            </a:r>
-            <a:r>
-              <a:rPr lang="en-US" sz="4400" b="1" dirty="0" smtClean="0">
-                <a:solidFill>
-                  <a:srgbClr val="1E03BD"/>
-                </a:solidFill>
-                <a:cs typeface="Times New Roman" pitchFamily="18" charset="0"/>
-                <a:sym typeface="Euclid Symbol"/>
-              </a:rPr>
-              <a:t> </a:t>
-            </a:r>
-            <a:r>
-              <a:rPr lang="en-US" sz="4400" dirty="0" smtClean="0">
-                <a:cs typeface="Times New Roman" pitchFamily="18" charset="0"/>
-              </a:rPr>
-              <a:t>on sets</a:t>
-            </a:r>
-          </a:p>
-          <a:p>
-            <a:pPr>
-              <a:lnSpc>
-                <a:spcPct val="90000"/>
-              </a:lnSpc>
-              <a:buFontTx/>
-              <a:buNone/>
-            </a:pPr>
-            <a:r>
-              <a:rPr lang="en-US" sz="4400" dirty="0" smtClean="0">
-                <a:cs typeface="Times New Roman" pitchFamily="18" charset="0"/>
-              </a:rPr>
-              <a:t>is the </a:t>
-            </a:r>
-            <a:r>
-              <a:rPr lang="en-US" sz="4400" b="1" i="1" dirty="0" smtClean="0">
-                <a:solidFill>
-                  <a:srgbClr val="028822"/>
-                </a:solidFill>
-                <a:cs typeface="Times New Roman" pitchFamily="18" charset="0"/>
-                <a:sym typeface="Symbol" pitchFamily="18" charset="2"/>
-              </a:rPr>
-              <a:t>canonical exampl</a:t>
-            </a:r>
-            <a:r>
-              <a:rPr lang="en-US" sz="4400" i="1" dirty="0" smtClean="0">
-                <a:solidFill>
-                  <a:srgbClr val="028822"/>
-                </a:solidFill>
-                <a:cs typeface="Times New Roman" pitchFamily="18" charset="0"/>
-                <a:sym typeface="Symbol" pitchFamily="18" charset="2"/>
-              </a:rPr>
-              <a:t>e</a:t>
-            </a:r>
-            <a:r>
-              <a:rPr lang="en-US" sz="4400" i="1" dirty="0" smtClean="0">
-                <a:solidFill>
-                  <a:srgbClr val="009900"/>
-                </a:solidFill>
-                <a:cs typeface="Times New Roman" pitchFamily="18" charset="0"/>
-                <a:sym typeface="Symbol" pitchFamily="18" charset="2"/>
-              </a:rPr>
-              <a:t> </a:t>
-            </a:r>
-          </a:p>
-          <a:p>
-            <a:pPr>
-              <a:lnSpc>
-                <a:spcPct val="90000"/>
-              </a:lnSpc>
-              <a:buFontTx/>
-              <a:buNone/>
-            </a:pPr>
-            <a:r>
-              <a:rPr lang="en-US" sz="4400" dirty="0" smtClean="0">
-                <a:cs typeface="Times New Roman" pitchFamily="18" charset="0"/>
-                <a:sym typeface="Symbol" pitchFamily="18" charset="2"/>
-              </a:rPr>
-              <a:t>of a strict </a:t>
-            </a:r>
-            <a:r>
-              <a:rPr lang="en-US" sz="4400" dirty="0">
-                <a:cs typeface="Times New Roman" pitchFamily="18" charset="0"/>
-                <a:sym typeface="Symbol" pitchFamily="18" charset="2"/>
-              </a:rPr>
-              <a:t>partial order</a:t>
-            </a:r>
-          </a:p>
-        </p:txBody>
-      </p:sp>
-    </p:spTree>
-  </p:cSld>
-  <p:clrMapOvr>
-    <a:masterClrMapping/>
-  </p:clrMapOvr>
-  <p:transition/>
-  <p:timing>
-    <p:tnLst>
-      <p:par>
-        <p:cTn id="1" dur="indefinite" restart="never" nodeType="tmRoot"/>
-      </p:par>
-    </p:tnLst>
-  </p:timing>
-</p:sld>
-</file>
-
-<file path=ppt/slides/slide49.xml><?xml version="1.0" encoding="utf-8"?>
-<p:sld xmlns:a="http://schemas.openxmlformats.org/drawingml/2006/main" xmlns:r="http://schemas.openxmlformats.org/officeDocument/2006/relationships" xmlns:mc="http://schemas.openxmlformats.org/markup-compatibility/2006" xmlns:mv="urn:schemas-microsoft-com:mac:vml" xmlns:p="http://schemas.openxmlformats.org/presentationml/2006/main" mc:Ignorable="mv" mc:PreserveAttributes="mv:*" show="0">
-  <p:cSld>
-    <p:spTree>
-      <p:nvGrpSpPr>
-        <p:cNvPr id="1" name=""/>
-        <p:cNvGrpSpPr/>
-        <p:nvPr/>
-      </p:nvGrpSpPr>
-      <p:grpSpPr>
-        <a:xfrm>
-          <a:off x="0" y="0"/>
-          <a:ext cx="0" cy="0"/>
-          <a:chOff x="0" y="0"/>
-          <a:chExt cx="0" cy="0"/>
-        </a:xfrm>
-      </p:grpSpPr>
-      <p:sp>
-        <p:nvSpPr>
-          <p:cNvPr id="588802" name="Rectangle 2"/>
-          <p:cNvSpPr>
-            <a:spLocks noGrp="1" noChangeArrowheads="1"/>
-          </p:cNvSpPr>
-          <p:nvPr>
-            <p:ph type="title"/>
-          </p:nvPr>
-        </p:nvSpPr>
-        <p:spPr>
-          <a:xfrm>
-            <a:off x="1219200" y="304800"/>
-            <a:ext cx="7543800" cy="1143000"/>
-          </a:xfrm>
-        </p:spPr>
-        <p:txBody>
-          <a:bodyPr>
-            <a:normAutofit/>
-          </a:bodyPr>
-          <a:lstStyle/>
-          <a:p>
-            <a:r>
-              <a:rPr lang="en-US" sz="4400" dirty="0"/>
-              <a:t>p</a:t>
-            </a:r>
-            <a:r>
-              <a:rPr lang="en-US" sz="4400" dirty="0" smtClean="0"/>
-              <a:t>roper </a:t>
-            </a:r>
-            <a:r>
-              <a:rPr lang="en-US" sz="4400" dirty="0"/>
-              <a:t>s</a:t>
-            </a:r>
-            <a:r>
-              <a:rPr lang="en-US" sz="4400" dirty="0" smtClean="0"/>
-              <a:t>ubset </a:t>
-            </a:r>
-            <a:r>
-              <a:rPr lang="en-US" sz="4400" dirty="0"/>
-              <a:t>r</a:t>
-            </a:r>
-            <a:r>
-              <a:rPr lang="en-US" sz="4400" dirty="0" smtClean="0"/>
-              <a:t>elation</a:t>
-            </a:r>
-            <a:endParaRPr lang="en-US" sz="4400" dirty="0"/>
-          </a:p>
-        </p:txBody>
-      </p:sp>
-      <p:grpSp>
-        <p:nvGrpSpPr>
-          <p:cNvPr id="42" name="Group 41"/>
-          <p:cNvGrpSpPr/>
-          <p:nvPr/>
-        </p:nvGrpSpPr>
-        <p:grpSpPr>
-          <a:xfrm>
-            <a:off x="533400" y="1371600"/>
-            <a:ext cx="8153400" cy="4724400"/>
-            <a:chOff x="347662" y="1219200"/>
-            <a:chExt cx="8796338" cy="5029200"/>
-          </a:xfrm>
-        </p:grpSpPr>
-        <p:sp>
-          <p:nvSpPr>
-            <p:cNvPr id="588804" name="Text Box 4"/>
-            <p:cNvSpPr txBox="1">
-              <a:spLocks noChangeArrowheads="1"/>
-            </p:cNvSpPr>
-            <p:nvPr/>
-          </p:nvSpPr>
-          <p:spPr bwMode="auto">
-            <a:xfrm>
-              <a:off x="2971800" y="5540514"/>
-              <a:ext cx="790601" cy="707886"/>
-            </a:xfrm>
-            <a:prstGeom prst="rect">
-              <a:avLst/>
-            </a:prstGeom>
-            <a:noFill/>
-            <a:ln w="9525">
-              <a:noFill/>
-              <a:miter lim="800000"/>
-              <a:headEnd/>
-              <a:tailEnd type="none" w="lg" len="lg"/>
-            </a:ln>
-            <a:effectLst/>
-          </p:spPr>
-          <p:txBody>
-            <a:bodyPr wrap="none">
-              <a:spAutoFit/>
-            </a:bodyPr>
-            <a:lstStyle/>
-            <a:p>
-              <a:pPr algn="l">
-                <a:spcBef>
-                  <a:spcPct val="0"/>
-                </a:spcBef>
-              </a:pPr>
-              <a:r>
-                <a:rPr lang="en-US" sz="3600" dirty="0">
-                  <a:latin typeface="Comic Sans MS" pitchFamily="66" charset="0"/>
-                </a:rPr>
-                <a:t>{1}</a:t>
-              </a:r>
-            </a:p>
-          </p:txBody>
-        </p:sp>
-        <p:grpSp>
-          <p:nvGrpSpPr>
-            <p:cNvPr id="41" name="Group 40"/>
-            <p:cNvGrpSpPr/>
-            <p:nvPr/>
-          </p:nvGrpSpPr>
-          <p:grpSpPr>
-            <a:xfrm>
-              <a:off x="347662" y="1219200"/>
-              <a:ext cx="8796338" cy="4800600"/>
-              <a:chOff x="76200" y="1066800"/>
-              <a:chExt cx="8796338" cy="4800600"/>
-            </a:xfrm>
-          </p:grpSpPr>
-          <p:sp>
-            <p:nvSpPr>
-              <p:cNvPr id="588826" name="Text Box 26"/>
-              <p:cNvSpPr txBox="1">
-                <a:spLocks noChangeArrowheads="1"/>
-              </p:cNvSpPr>
-              <p:nvPr/>
-            </p:nvSpPr>
-            <p:spPr bwMode="auto">
-              <a:xfrm>
-                <a:off x="76200" y="2209800"/>
-                <a:ext cx="2387192" cy="707886"/>
-              </a:xfrm>
-              <a:prstGeom prst="rect">
-                <a:avLst/>
-              </a:prstGeom>
-              <a:noFill/>
-              <a:ln w="9525">
-                <a:noFill/>
-                <a:miter lim="800000"/>
-                <a:headEnd/>
-                <a:tailEnd type="none" w="lg" len="lg"/>
-              </a:ln>
-              <a:effectLst/>
-            </p:spPr>
-            <p:txBody>
-              <a:bodyPr wrap="none">
-                <a:spAutoFit/>
-              </a:bodyPr>
-              <a:lstStyle/>
-              <a:p>
-                <a:pPr algn="l">
-                  <a:spcBef>
-                    <a:spcPct val="0"/>
-                  </a:spcBef>
-                </a:pPr>
-                <a:r>
-                  <a:rPr lang="en-US" sz="3600" dirty="0">
-                    <a:latin typeface="Comic Sans MS" pitchFamily="66" charset="0"/>
-                  </a:rPr>
-                  <a:t>{1,3,5,15}</a:t>
-                </a:r>
-              </a:p>
-            </p:txBody>
-          </p:sp>
-          <p:grpSp>
-            <p:nvGrpSpPr>
-              <p:cNvPr id="40" name="Group 39"/>
-              <p:cNvGrpSpPr/>
-              <p:nvPr/>
-            </p:nvGrpSpPr>
-            <p:grpSpPr>
-              <a:xfrm>
-                <a:off x="685800" y="2101851"/>
-                <a:ext cx="6921500" cy="3765549"/>
-                <a:chOff x="685800" y="2101851"/>
-                <a:chExt cx="6921500" cy="3765549"/>
-              </a:xfrm>
-            </p:grpSpPr>
-            <p:grpSp>
-              <p:nvGrpSpPr>
-                <p:cNvPr id="2" name="Group 38"/>
-                <p:cNvGrpSpPr>
-                  <a:grpSpLocks/>
-                </p:cNvGrpSpPr>
-                <p:nvPr/>
-              </p:nvGrpSpPr>
-              <p:grpSpPr bwMode="auto">
-                <a:xfrm>
-                  <a:off x="3860801" y="3581400"/>
-                  <a:ext cx="3684588" cy="2209800"/>
-                  <a:chOff x="2928" y="2160"/>
-                  <a:chExt cx="2321" cy="1392"/>
-                </a:xfrm>
-              </p:grpSpPr>
-              <p:grpSp>
-                <p:nvGrpSpPr>
-                  <p:cNvPr id="3" name="Group 37"/>
-                  <p:cNvGrpSpPr>
-                    <a:grpSpLocks/>
-                  </p:cNvGrpSpPr>
-                  <p:nvPr/>
-                </p:nvGrpSpPr>
-                <p:grpSpPr bwMode="auto">
-                  <a:xfrm>
-                    <a:off x="2928" y="2400"/>
-                    <a:ext cx="1536" cy="1152"/>
-                    <a:chOff x="2928" y="2400"/>
-                    <a:chExt cx="1536" cy="1152"/>
-                  </a:xfrm>
-                </p:grpSpPr>
-                <p:sp>
-                  <p:nvSpPr>
-                    <p:cNvPr id="588806" name="Oval 6"/>
-                    <p:cNvSpPr>
-                      <a:spLocks noChangeArrowheads="1"/>
-                    </p:cNvSpPr>
-                    <p:nvPr/>
-                  </p:nvSpPr>
-                  <p:spPr bwMode="auto">
-                    <a:xfrm>
-                      <a:off x="4368" y="2400"/>
-                      <a:ext cx="96" cy="96"/>
-                    </a:xfrm>
-                    <a:prstGeom prst="ellipse">
-                      <a:avLst/>
-                    </a:prstGeom>
-                    <a:solidFill>
-                      <a:srgbClr val="008000"/>
-                    </a:solidFill>
-                    <a:ln w="9525">
-                      <a:solidFill>
-                        <a:schemeClr val="tx1"/>
-                      </a:solidFill>
-                      <a:round/>
-                      <a:headEnd/>
-                      <a:tailEnd type="none" w="lg" len="lg"/>
-                    </a:ln>
-                    <a:effectLst/>
-                  </p:spPr>
-                  <p:txBody>
-                    <a:bodyPr wrap="none" anchor="ctr"/>
-                    <a:lstStyle/>
-                    <a:p>
-                      <a:endParaRPr lang="en-US" sz="3600">
-                        <a:latin typeface="Comic Sans MS" pitchFamily="66" charset="0"/>
-                      </a:endParaRPr>
-                    </a:p>
-                  </p:txBody>
-                </p:sp>
-                <p:cxnSp>
-                  <p:nvCxnSpPr>
-                    <p:cNvPr id="588807" name="AutoShape 7"/>
-                    <p:cNvCxnSpPr>
-                      <a:cxnSpLocks noChangeShapeType="1"/>
-                    </p:cNvCxnSpPr>
-                    <p:nvPr/>
-                  </p:nvCxnSpPr>
-                  <p:spPr bwMode="auto">
-                    <a:xfrm flipH="1">
-                      <a:off x="2928" y="2496"/>
-                      <a:ext cx="1488" cy="1056"/>
-                    </a:xfrm>
-                    <a:prstGeom prst="straightConnector1">
-                      <a:avLst/>
-                    </a:prstGeom>
-                    <a:noFill/>
-                    <a:ln w="25400">
-                      <a:solidFill>
-                        <a:schemeClr val="tx1"/>
-                      </a:solidFill>
-                      <a:round/>
-                      <a:headEnd/>
-                      <a:tailEnd type="none" w="lg" len="lg"/>
-                    </a:ln>
-                    <a:effectLst/>
-                  </p:spPr>
-                </p:cxnSp>
-              </p:grpSp>
-              <p:grpSp>
-                <p:nvGrpSpPr>
-                  <p:cNvPr id="4" name="Group 31"/>
-                  <p:cNvGrpSpPr>
-                    <a:grpSpLocks/>
-                  </p:cNvGrpSpPr>
-                  <p:nvPr/>
-                </p:nvGrpSpPr>
-                <p:grpSpPr bwMode="auto">
-                  <a:xfrm>
-                    <a:off x="3688" y="2160"/>
-                    <a:ext cx="1561" cy="1104"/>
-                    <a:chOff x="3688" y="2160"/>
-                    <a:chExt cx="1561" cy="1104"/>
-                  </a:xfrm>
-                </p:grpSpPr>
-                <p:sp>
-                  <p:nvSpPr>
-                    <p:cNvPr id="588808" name="Text Box 8"/>
-                    <p:cNvSpPr txBox="1">
-                      <a:spLocks noChangeArrowheads="1"/>
-                    </p:cNvSpPr>
-                    <p:nvPr/>
-                  </p:nvSpPr>
-                  <p:spPr bwMode="auto">
-                    <a:xfrm>
-                      <a:off x="4464" y="2160"/>
-                      <a:ext cx="785" cy="446"/>
-                    </a:xfrm>
-                    <a:prstGeom prst="rect">
-                      <a:avLst/>
-                    </a:prstGeom>
-                    <a:noFill/>
-                    <a:ln w="9525">
-                      <a:noFill/>
-                      <a:miter lim="800000"/>
-                      <a:headEnd/>
-                      <a:tailEnd type="none" w="lg" len="lg"/>
-                    </a:ln>
-                    <a:effectLst/>
-                  </p:spPr>
-                  <p:txBody>
-                    <a:bodyPr wrap="none">
-                      <a:spAutoFit/>
-                    </a:bodyPr>
-                    <a:lstStyle/>
-                    <a:p>
-                      <a:pPr algn="l">
-                        <a:spcBef>
-                          <a:spcPct val="0"/>
-                        </a:spcBef>
-                      </a:pPr>
-                      <a:r>
-                        <a:rPr lang="en-US" sz="3600">
-                          <a:latin typeface="Comic Sans MS" pitchFamily="66" charset="0"/>
-                        </a:rPr>
-                        <a:t>{1,2}</a:t>
-                      </a:r>
-                    </a:p>
-                  </p:txBody>
-                </p:sp>
-                <p:sp>
-                  <p:nvSpPr>
-                    <p:cNvPr id="588829" name="Freeform 29"/>
-                    <p:cNvSpPr>
-                      <a:spLocks/>
-                    </p:cNvSpPr>
-                    <p:nvPr/>
-                  </p:nvSpPr>
-                  <p:spPr bwMode="auto">
-                    <a:xfrm>
-                      <a:off x="3688" y="2976"/>
-                      <a:ext cx="344" cy="288"/>
-                    </a:xfrm>
-                    <a:custGeom>
-                      <a:avLst/>
-                      <a:gdLst/>
-                      <a:ahLst/>
-                      <a:cxnLst>
-                        <a:cxn ang="0">
-                          <a:pos x="200" y="0"/>
-                        </a:cxn>
-                        <a:cxn ang="0">
-                          <a:pos x="56" y="96"/>
-                        </a:cxn>
-                        <a:cxn ang="0">
-                          <a:pos x="8" y="240"/>
-                        </a:cxn>
-                        <a:cxn ang="0">
-                          <a:pos x="104" y="288"/>
-                        </a:cxn>
-                        <a:cxn ang="0">
-                          <a:pos x="248" y="240"/>
-                        </a:cxn>
-                        <a:cxn ang="0">
-                          <a:pos x="344" y="144"/>
-                        </a:cxn>
-                      </a:cxnLst>
-                      <a:rect l="0" t="0" r="r" b="b"/>
-                      <a:pathLst>
-                        <a:path w="344" h="288">
-                          <a:moveTo>
-                            <a:pt x="200" y="0"/>
-                          </a:moveTo>
-                          <a:cubicBezTo>
-                            <a:pt x="144" y="28"/>
-                            <a:pt x="88" y="56"/>
-                            <a:pt x="56" y="96"/>
-                          </a:cubicBezTo>
-                          <a:cubicBezTo>
-                            <a:pt x="24" y="136"/>
-                            <a:pt x="0" y="208"/>
-                            <a:pt x="8" y="240"/>
-                          </a:cubicBezTo>
-                          <a:cubicBezTo>
-                            <a:pt x="16" y="272"/>
-                            <a:pt x="64" y="288"/>
-                            <a:pt x="104" y="288"/>
-                          </a:cubicBezTo>
-                          <a:cubicBezTo>
-                            <a:pt x="144" y="288"/>
-                            <a:pt x="208" y="264"/>
-                            <a:pt x="248" y="240"/>
-                          </a:cubicBezTo>
-                          <a:cubicBezTo>
-                            <a:pt x="288" y="216"/>
-                            <a:pt x="316" y="180"/>
-                            <a:pt x="344" y="144"/>
-                          </a:cubicBezTo>
-                        </a:path>
-                      </a:pathLst>
-                    </a:custGeom>
-                    <a:noFill/>
-                    <a:ln w="25400" cap="flat" cmpd="sng">
-                      <a:solidFill>
-                        <a:srgbClr val="0033CC"/>
-                      </a:solidFill>
-                      <a:prstDash val="solid"/>
-                      <a:round/>
-                      <a:headEnd type="none" w="med" len="med"/>
-                      <a:tailEnd type="none" w="lg" len="lg"/>
-                    </a:ln>
-                    <a:effectLst/>
-                  </p:spPr>
-                  <p:txBody>
-                    <a:bodyPr/>
-                    <a:lstStyle/>
-                    <a:p>
-                      <a:endParaRPr lang="en-US" sz="3600">
-                        <a:latin typeface="Comic Sans MS" pitchFamily="66" charset="0"/>
-                      </a:endParaRPr>
-                    </a:p>
-                  </p:txBody>
-                </p:sp>
-              </p:grpSp>
-            </p:grpSp>
-            <p:sp>
-              <p:nvSpPr>
-                <p:cNvPr id="588803" name="Oval 3"/>
-                <p:cNvSpPr>
-                  <a:spLocks noChangeArrowheads="1"/>
-                </p:cNvSpPr>
-                <p:nvPr/>
-              </p:nvSpPr>
-              <p:spPr bwMode="auto">
-                <a:xfrm>
-                  <a:off x="3708400" y="5715000"/>
-                  <a:ext cx="152400" cy="152400"/>
-                </a:xfrm>
-                <a:prstGeom prst="ellipse">
-                  <a:avLst/>
-                </a:prstGeom>
-                <a:solidFill>
-                  <a:srgbClr val="008000"/>
-                </a:solidFill>
-                <a:ln w="9525">
-                  <a:solidFill>
-                    <a:schemeClr val="tx1"/>
-                  </a:solidFill>
-                  <a:round/>
-                  <a:headEnd/>
-                  <a:tailEnd type="none" w="lg" len="lg"/>
-                </a:ln>
-                <a:effectLst/>
-              </p:spPr>
-              <p:txBody>
-                <a:bodyPr wrap="none" anchor="ctr"/>
-                <a:lstStyle/>
-                <a:p>
-                  <a:endParaRPr lang="en-US" sz="3600">
-                    <a:latin typeface="Comic Sans MS" pitchFamily="66" charset="0"/>
-                  </a:endParaRPr>
-                </a:p>
-              </p:txBody>
-            </p:sp>
-            <p:grpSp>
-              <p:nvGrpSpPr>
-                <p:cNvPr id="5" name="Group 39"/>
-                <p:cNvGrpSpPr>
-                  <a:grpSpLocks/>
-                </p:cNvGrpSpPr>
-                <p:nvPr/>
-              </p:nvGrpSpPr>
-              <p:grpSpPr bwMode="auto">
-                <a:xfrm>
-                  <a:off x="685800" y="3657600"/>
-                  <a:ext cx="3022600" cy="2133600"/>
-                  <a:chOff x="928" y="2208"/>
-                  <a:chExt cx="1904" cy="1344"/>
-                </a:xfrm>
-              </p:grpSpPr>
-              <p:sp>
-                <p:nvSpPr>
-                  <p:cNvPr id="588810" name="Oval 10"/>
-                  <p:cNvSpPr>
-                    <a:spLocks noChangeArrowheads="1"/>
-                  </p:cNvSpPr>
-                  <p:nvPr/>
-                </p:nvSpPr>
-                <p:spPr bwMode="auto">
-                  <a:xfrm>
-                    <a:off x="1632" y="2400"/>
-                    <a:ext cx="96" cy="96"/>
-                  </a:xfrm>
-                  <a:prstGeom prst="ellipse">
-                    <a:avLst/>
-                  </a:prstGeom>
-                  <a:solidFill>
-                    <a:srgbClr val="008000"/>
-                  </a:solidFill>
-                  <a:ln w="9525">
-                    <a:solidFill>
-                      <a:schemeClr val="tx1"/>
-                    </a:solidFill>
-                    <a:round/>
-                    <a:headEnd/>
-                    <a:tailEnd type="none" w="lg" len="lg"/>
-                  </a:ln>
-                  <a:effectLst/>
-                </p:spPr>
-                <p:txBody>
-                  <a:bodyPr wrap="none" anchor="ctr"/>
-                  <a:lstStyle/>
-                  <a:p>
-                    <a:endParaRPr lang="en-US" sz="3600">
-                      <a:latin typeface="Comic Sans MS" pitchFamily="66" charset="0"/>
-                    </a:endParaRPr>
-                  </a:p>
-                </p:txBody>
-              </p:sp>
-              <p:cxnSp>
-                <p:nvCxnSpPr>
-                  <p:cNvPr id="588811" name="AutoShape 11"/>
-                  <p:cNvCxnSpPr>
-                    <a:cxnSpLocks noChangeShapeType="1"/>
-                    <a:stCxn id="588810" idx="7"/>
-                    <a:endCxn id="588803" idx="2"/>
-                  </p:cNvCxnSpPr>
-                  <p:nvPr/>
-                </p:nvCxnSpPr>
-                <p:spPr bwMode="auto">
-                  <a:xfrm>
-                    <a:off x="1714" y="2414"/>
-                    <a:ext cx="1118" cy="1138"/>
-                  </a:xfrm>
-                  <a:prstGeom prst="straightConnector1">
-                    <a:avLst/>
-                  </a:prstGeom>
-                  <a:noFill/>
-                  <a:ln w="25400">
-                    <a:solidFill>
-                      <a:schemeClr val="tx1"/>
-                    </a:solidFill>
-                    <a:round/>
-                    <a:headEnd/>
-                    <a:tailEnd type="none" w="lg" len="lg"/>
-                  </a:ln>
-                  <a:effectLst/>
-                </p:spPr>
-              </p:cxnSp>
-              <p:sp>
-                <p:nvSpPr>
-                  <p:cNvPr id="588812" name="Text Box 12"/>
-                  <p:cNvSpPr txBox="1">
-                    <a:spLocks noChangeArrowheads="1"/>
-                  </p:cNvSpPr>
-                  <p:nvPr/>
-                </p:nvSpPr>
-                <p:spPr bwMode="auto">
-                  <a:xfrm>
-                    <a:off x="928" y="2208"/>
-                    <a:ext cx="785" cy="446"/>
-                  </a:xfrm>
-                  <a:prstGeom prst="rect">
-                    <a:avLst/>
-                  </a:prstGeom>
-                  <a:noFill/>
-                  <a:ln w="9525">
-                    <a:noFill/>
-                    <a:miter lim="800000"/>
-                    <a:headEnd/>
-                    <a:tailEnd type="none" w="lg" len="lg"/>
-                  </a:ln>
-                  <a:effectLst/>
-                </p:spPr>
-                <p:txBody>
-                  <a:bodyPr wrap="none">
-                    <a:spAutoFit/>
-                  </a:bodyPr>
-                  <a:lstStyle/>
-                  <a:p>
-                    <a:pPr algn="l">
-                      <a:spcBef>
-                        <a:spcPct val="0"/>
-                      </a:spcBef>
-                    </a:pPr>
-                    <a:r>
-                      <a:rPr lang="en-US" sz="3600">
-                        <a:latin typeface="Comic Sans MS" pitchFamily="66" charset="0"/>
-                      </a:rPr>
-                      <a:t>{1,3}</a:t>
-                    </a:r>
-                  </a:p>
-                </p:txBody>
-              </p:sp>
-            </p:grpSp>
-            <p:grpSp>
-              <p:nvGrpSpPr>
-                <p:cNvPr id="6" name="Group 40"/>
-                <p:cNvGrpSpPr>
-                  <a:grpSpLocks/>
-                </p:cNvGrpSpPr>
-                <p:nvPr/>
-              </p:nvGrpSpPr>
-              <p:grpSpPr bwMode="auto">
-                <a:xfrm>
-                  <a:off x="3708402" y="3657600"/>
-                  <a:ext cx="1322388" cy="2079625"/>
-                  <a:chOff x="2832" y="2208"/>
-                  <a:chExt cx="833" cy="1310"/>
-                </a:xfrm>
-              </p:grpSpPr>
-              <p:sp>
-                <p:nvSpPr>
-                  <p:cNvPr id="588815" name="Oval 15"/>
-                  <p:cNvSpPr>
-                    <a:spLocks noChangeArrowheads="1"/>
-                  </p:cNvSpPr>
-                  <p:nvPr/>
-                </p:nvSpPr>
-                <p:spPr bwMode="auto">
-                  <a:xfrm>
-                    <a:off x="2832" y="2400"/>
-                    <a:ext cx="96" cy="96"/>
-                  </a:xfrm>
-                  <a:prstGeom prst="ellipse">
-                    <a:avLst/>
-                  </a:prstGeom>
-                  <a:solidFill>
-                    <a:srgbClr val="008000"/>
-                  </a:solidFill>
-                  <a:ln w="9525">
-                    <a:solidFill>
-                      <a:schemeClr val="tx1"/>
-                    </a:solidFill>
-                    <a:round/>
-                    <a:headEnd/>
-                    <a:tailEnd type="none" w="lg" len="lg"/>
-                  </a:ln>
-                  <a:effectLst/>
-                </p:spPr>
-                <p:txBody>
-                  <a:bodyPr wrap="none" anchor="ctr"/>
-                  <a:lstStyle/>
-                  <a:p>
-                    <a:endParaRPr lang="en-US" sz="3600">
-                      <a:latin typeface="Comic Sans MS" pitchFamily="66" charset="0"/>
-                    </a:endParaRPr>
-                  </a:p>
-                </p:txBody>
-              </p:sp>
-              <p:cxnSp>
-                <p:nvCxnSpPr>
-                  <p:cNvPr id="588816" name="AutoShape 16"/>
-                  <p:cNvCxnSpPr>
-                    <a:cxnSpLocks noChangeShapeType="1"/>
-                    <a:stCxn id="588815" idx="4"/>
-                    <a:endCxn id="588803" idx="7"/>
-                  </p:cNvCxnSpPr>
-                  <p:nvPr/>
-                </p:nvCxnSpPr>
-                <p:spPr bwMode="auto">
-                  <a:xfrm>
-                    <a:off x="2880" y="2496"/>
-                    <a:ext cx="34" cy="1022"/>
-                  </a:xfrm>
-                  <a:prstGeom prst="straightConnector1">
-                    <a:avLst/>
-                  </a:prstGeom>
-                  <a:noFill/>
-                  <a:ln w="25400">
-                    <a:solidFill>
-                      <a:schemeClr val="tx1"/>
-                    </a:solidFill>
-                    <a:round/>
-                    <a:headEnd/>
-                    <a:tailEnd type="none" w="lg" len="lg"/>
-                  </a:ln>
-                  <a:effectLst/>
-                </p:spPr>
-              </p:cxnSp>
-              <p:sp>
-                <p:nvSpPr>
-                  <p:cNvPr id="588817" name="Text Box 17"/>
-                  <p:cNvSpPr txBox="1">
-                    <a:spLocks noChangeArrowheads="1"/>
-                  </p:cNvSpPr>
-                  <p:nvPr/>
-                </p:nvSpPr>
-                <p:spPr bwMode="auto">
-                  <a:xfrm>
-                    <a:off x="2880" y="2208"/>
-                    <a:ext cx="785" cy="446"/>
-                  </a:xfrm>
-                  <a:prstGeom prst="rect">
-                    <a:avLst/>
-                  </a:prstGeom>
-                  <a:noFill/>
-                  <a:ln w="9525">
-                    <a:noFill/>
-                    <a:miter lim="800000"/>
-                    <a:headEnd/>
-                    <a:tailEnd type="none" w="lg" len="lg"/>
-                  </a:ln>
-                  <a:effectLst/>
-                </p:spPr>
-                <p:txBody>
-                  <a:bodyPr wrap="none">
-                    <a:spAutoFit/>
-                  </a:bodyPr>
-                  <a:lstStyle/>
-                  <a:p>
-                    <a:pPr algn="l">
-                      <a:spcBef>
-                        <a:spcPct val="0"/>
-                      </a:spcBef>
-                    </a:pPr>
-                    <a:r>
-                      <a:rPr lang="en-US" sz="3600">
-                        <a:latin typeface="Comic Sans MS" pitchFamily="66" charset="0"/>
-                      </a:rPr>
-                      <a:t>{1,5}</a:t>
-                    </a:r>
-                  </a:p>
-                </p:txBody>
-              </p:sp>
-            </p:grpSp>
-            <p:sp>
-              <p:nvSpPr>
-                <p:cNvPr id="588825" name="Oval 25"/>
-                <p:cNvSpPr>
-                  <a:spLocks noChangeArrowheads="1"/>
-                </p:cNvSpPr>
-                <p:nvPr/>
-              </p:nvSpPr>
-              <p:spPr bwMode="auto">
-                <a:xfrm>
-                  <a:off x="2413000" y="2438400"/>
-                  <a:ext cx="152400" cy="152400"/>
-                </a:xfrm>
-                <a:prstGeom prst="ellipse">
-                  <a:avLst/>
-                </a:prstGeom>
-                <a:solidFill>
-                  <a:srgbClr val="008000"/>
-                </a:solidFill>
-                <a:ln w="9525">
-                  <a:solidFill>
-                    <a:schemeClr val="tx1"/>
-                  </a:solidFill>
-                  <a:round/>
-                  <a:headEnd/>
-                  <a:tailEnd type="none" w="lg" len="lg"/>
-                </a:ln>
-                <a:effectLst/>
-              </p:spPr>
-              <p:txBody>
-                <a:bodyPr wrap="none" anchor="ctr"/>
-                <a:lstStyle/>
-                <a:p>
-                  <a:endParaRPr lang="en-US" sz="3600">
-                    <a:latin typeface="Comic Sans MS" pitchFamily="66" charset="0"/>
-                  </a:endParaRPr>
-                </a:p>
-              </p:txBody>
-            </p:sp>
-            <p:cxnSp>
-              <p:nvCxnSpPr>
-                <p:cNvPr id="588827" name="AutoShape 27"/>
-                <p:cNvCxnSpPr>
-                  <a:cxnSpLocks noChangeShapeType="1"/>
-                  <a:stCxn id="588825" idx="5"/>
-                  <a:endCxn id="588810" idx="7"/>
-                </p:cNvCxnSpPr>
-                <p:nvPr/>
-              </p:nvCxnSpPr>
-              <p:spPr bwMode="auto">
-                <a:xfrm flipH="1">
-                  <a:off x="1933575" y="2568575"/>
-                  <a:ext cx="609600" cy="1416050"/>
-                </a:xfrm>
-                <a:prstGeom prst="straightConnector1">
-                  <a:avLst/>
-                </a:prstGeom>
-                <a:noFill/>
-                <a:ln w="25400">
-                  <a:solidFill>
-                    <a:schemeClr val="tx1"/>
-                  </a:solidFill>
-                  <a:round/>
-                  <a:headEnd/>
-                  <a:tailEnd type="none" w="lg" len="lg"/>
-                </a:ln>
-                <a:effectLst/>
-              </p:spPr>
-            </p:cxnSp>
-            <p:cxnSp>
-              <p:nvCxnSpPr>
-                <p:cNvPr id="588828" name="AutoShape 28"/>
-                <p:cNvCxnSpPr>
-                  <a:cxnSpLocks noChangeShapeType="1"/>
-                  <a:stCxn id="588825" idx="6"/>
-                  <a:endCxn id="588815" idx="2"/>
-                </p:cNvCxnSpPr>
-                <p:nvPr/>
-              </p:nvCxnSpPr>
-              <p:spPr bwMode="auto">
-                <a:xfrm>
-                  <a:off x="2565400" y="2514600"/>
-                  <a:ext cx="1143000" cy="1524000"/>
-                </a:xfrm>
-                <a:prstGeom prst="straightConnector1">
-                  <a:avLst/>
-                </a:prstGeom>
-                <a:noFill/>
-                <a:ln w="25400">
-                  <a:solidFill>
-                    <a:schemeClr val="tx1"/>
-                  </a:solidFill>
-                  <a:round/>
-                  <a:headEnd/>
-                  <a:tailEnd type="none" w="lg" len="lg"/>
-                </a:ln>
-                <a:effectLst/>
-              </p:spPr>
-            </p:cxnSp>
-            <p:grpSp>
-              <p:nvGrpSpPr>
-                <p:cNvPr id="8" name="Group 45"/>
-                <p:cNvGrpSpPr>
-                  <a:grpSpLocks/>
-                </p:cNvGrpSpPr>
-                <p:nvPr/>
-              </p:nvGrpSpPr>
-              <p:grpSpPr bwMode="auto">
-                <a:xfrm>
-                  <a:off x="3784600" y="2101851"/>
-                  <a:ext cx="3822700" cy="1909763"/>
-                  <a:chOff x="2880" y="1228"/>
-                  <a:chExt cx="2408" cy="1203"/>
-                </a:xfrm>
-              </p:grpSpPr>
-              <p:sp>
-                <p:nvSpPr>
-                  <p:cNvPr id="588821" name="Text Box 21"/>
-                  <p:cNvSpPr txBox="1">
-                    <a:spLocks noChangeArrowheads="1"/>
-                  </p:cNvSpPr>
-                  <p:nvPr/>
-                </p:nvSpPr>
-                <p:spPr bwMode="auto">
-                  <a:xfrm>
-                    <a:off x="3784" y="1228"/>
-                    <a:ext cx="1504" cy="446"/>
-                  </a:xfrm>
-                  <a:prstGeom prst="rect">
-                    <a:avLst/>
-                  </a:prstGeom>
-                  <a:noFill/>
-                  <a:ln w="9525">
-                    <a:noFill/>
-                    <a:miter lim="800000"/>
-                    <a:headEnd/>
-                    <a:tailEnd type="none" w="lg" len="lg"/>
-                  </a:ln>
-                  <a:effectLst/>
-                </p:spPr>
-                <p:txBody>
-                  <a:bodyPr wrap="none">
-                    <a:spAutoFit/>
-                  </a:bodyPr>
-                  <a:lstStyle/>
-                  <a:p>
-                    <a:pPr algn="l">
-                      <a:spcBef>
-                        <a:spcPct val="0"/>
-                      </a:spcBef>
-                    </a:pPr>
-                    <a:r>
-                      <a:rPr lang="en-US" sz="3600" dirty="0">
-                        <a:latin typeface="Comic Sans MS" pitchFamily="66" charset="0"/>
-                      </a:rPr>
-                      <a:t>{1,2,5,10}</a:t>
-                    </a:r>
-                  </a:p>
-                </p:txBody>
-              </p:sp>
-              <p:cxnSp>
-                <p:nvCxnSpPr>
-                  <p:cNvPr id="588823" name="AutoShape 23"/>
-                  <p:cNvCxnSpPr>
-                    <a:cxnSpLocks noChangeShapeType="1"/>
-                    <a:stCxn id="588806" idx="1"/>
-                  </p:cNvCxnSpPr>
-                  <p:nvPr/>
-                </p:nvCxnSpPr>
-                <p:spPr bwMode="auto">
-                  <a:xfrm flipH="1" flipV="1">
-                    <a:off x="3696" y="1536"/>
-                    <a:ext cx="686" cy="878"/>
-                  </a:xfrm>
-                  <a:prstGeom prst="straightConnector1">
-                    <a:avLst/>
-                  </a:prstGeom>
-                  <a:noFill/>
-                  <a:ln w="25400">
-                    <a:solidFill>
-                      <a:schemeClr val="tx1"/>
-                    </a:solidFill>
-                    <a:round/>
-                    <a:headEnd/>
-                    <a:tailEnd type="none" w="lg" len="lg"/>
-                  </a:ln>
-                  <a:effectLst/>
-                </p:spPr>
-              </p:cxnSp>
-              <p:sp>
-                <p:nvSpPr>
-                  <p:cNvPr id="588843" name="Oval 43"/>
-                  <p:cNvSpPr>
-                    <a:spLocks noChangeArrowheads="1"/>
-                  </p:cNvSpPr>
-                  <p:nvPr/>
-                </p:nvSpPr>
-                <p:spPr bwMode="auto">
-                  <a:xfrm>
-                    <a:off x="3600" y="1440"/>
-                    <a:ext cx="96" cy="96"/>
-                  </a:xfrm>
-                  <a:prstGeom prst="ellipse">
-                    <a:avLst/>
-                  </a:prstGeom>
-                  <a:solidFill>
-                    <a:srgbClr val="008000"/>
-                  </a:solidFill>
-                  <a:ln w="9525">
-                    <a:solidFill>
-                      <a:schemeClr val="tx1"/>
-                    </a:solidFill>
-                    <a:round/>
-                    <a:headEnd/>
-                    <a:tailEnd type="none" w="lg" len="lg"/>
-                  </a:ln>
-                  <a:effectLst/>
-                </p:spPr>
-                <p:txBody>
-                  <a:bodyPr wrap="none" anchor="ctr"/>
-                  <a:lstStyle/>
-                  <a:p>
-                    <a:endParaRPr lang="en-US" sz="3600">
-                      <a:latin typeface="Comic Sans MS" pitchFamily="66" charset="0"/>
-                    </a:endParaRPr>
-                  </a:p>
-                </p:txBody>
-              </p:sp>
-              <p:cxnSp>
-                <p:nvCxnSpPr>
-                  <p:cNvPr id="588844" name="AutoShape 44"/>
-                  <p:cNvCxnSpPr>
-                    <a:cxnSpLocks noChangeShapeType="1"/>
-                    <a:stCxn id="588817" idx="1"/>
-                    <a:endCxn id="588843" idx="3"/>
-                  </p:cNvCxnSpPr>
-                  <p:nvPr/>
-                </p:nvCxnSpPr>
-                <p:spPr bwMode="auto">
-                  <a:xfrm rot="10800000" flipH="1">
-                    <a:off x="2880" y="1522"/>
-                    <a:ext cx="734" cy="909"/>
-                  </a:xfrm>
-                  <a:prstGeom prst="straightConnector1">
-                    <a:avLst/>
-                  </a:prstGeom>
-                  <a:noFill/>
-                  <a:ln w="25400">
-                    <a:solidFill>
-                      <a:schemeClr val="tx1"/>
-                    </a:solidFill>
-                    <a:round/>
-                    <a:headEnd/>
-                    <a:tailEnd/>
-                  </a:ln>
-                  <a:effectLst/>
-                </p:spPr>
-              </p:cxnSp>
-            </p:grpSp>
-          </p:grpSp>
-          <p:grpSp>
-            <p:nvGrpSpPr>
-              <p:cNvPr id="9" name="Group 50"/>
-              <p:cNvGrpSpPr>
-                <a:grpSpLocks/>
-              </p:cNvGrpSpPr>
-              <p:nvPr/>
-            </p:nvGrpSpPr>
-            <p:grpSpPr bwMode="auto">
-              <a:xfrm>
-                <a:off x="2489200" y="1066800"/>
-                <a:ext cx="6383338" cy="1447800"/>
-                <a:chOff x="1568" y="672"/>
-                <a:chExt cx="4021" cy="912"/>
-              </a:xfrm>
-            </p:grpSpPr>
-            <p:grpSp>
-              <p:nvGrpSpPr>
-                <p:cNvPr id="10" name="Group 47"/>
-                <p:cNvGrpSpPr>
-                  <a:grpSpLocks/>
-                </p:cNvGrpSpPr>
-                <p:nvPr/>
-              </p:nvGrpSpPr>
-              <p:grpSpPr bwMode="auto">
-                <a:xfrm>
-                  <a:off x="1568" y="864"/>
-                  <a:ext cx="1550" cy="720"/>
-                  <a:chOff x="2064" y="768"/>
-                  <a:chExt cx="1550" cy="720"/>
-                </a:xfrm>
-              </p:grpSpPr>
-              <p:sp>
-                <p:nvSpPr>
-                  <p:cNvPr id="588820" name="Oval 20"/>
-                  <p:cNvSpPr>
-                    <a:spLocks noChangeArrowheads="1"/>
-                  </p:cNvSpPr>
-                  <p:nvPr/>
-                </p:nvSpPr>
-                <p:spPr bwMode="auto">
-                  <a:xfrm>
-                    <a:off x="3168" y="768"/>
-                    <a:ext cx="96" cy="96"/>
-                  </a:xfrm>
-                  <a:prstGeom prst="ellipse">
-                    <a:avLst/>
-                  </a:prstGeom>
-                  <a:solidFill>
-                    <a:srgbClr val="008000"/>
-                  </a:solidFill>
-                  <a:ln w="9525">
-                    <a:solidFill>
-                      <a:schemeClr val="tx1"/>
-                    </a:solidFill>
-                    <a:round/>
-                    <a:headEnd/>
-                    <a:tailEnd type="none" w="lg" len="lg"/>
-                  </a:ln>
-                  <a:effectLst/>
-                </p:spPr>
-                <p:txBody>
-                  <a:bodyPr wrap="none" anchor="ctr"/>
-                  <a:lstStyle/>
-                  <a:p>
-                    <a:endParaRPr lang="en-US" sz="3600">
-                      <a:latin typeface="Comic Sans MS" pitchFamily="66" charset="0"/>
-                    </a:endParaRPr>
-                  </a:p>
-                </p:txBody>
-              </p:sp>
-              <p:cxnSp>
-                <p:nvCxnSpPr>
-                  <p:cNvPr id="588830" name="AutoShape 30"/>
-                  <p:cNvCxnSpPr>
-                    <a:cxnSpLocks noChangeShapeType="1"/>
-                    <a:stCxn id="588825" idx="6"/>
-                    <a:endCxn id="588820" idx="2"/>
-                  </p:cNvCxnSpPr>
-                  <p:nvPr/>
-                </p:nvCxnSpPr>
-                <p:spPr bwMode="auto">
-                  <a:xfrm flipV="1">
-                    <a:off x="2064" y="816"/>
-                    <a:ext cx="1104" cy="672"/>
-                  </a:xfrm>
-                  <a:prstGeom prst="straightConnector1">
-                    <a:avLst/>
-                  </a:prstGeom>
-                  <a:noFill/>
-                  <a:ln w="25400">
-                    <a:solidFill>
-                      <a:schemeClr val="tx1"/>
-                    </a:solidFill>
-                    <a:round/>
-                    <a:headEnd/>
-                    <a:tailEnd/>
-                  </a:ln>
-                  <a:effectLst/>
-                </p:spPr>
-              </p:cxnSp>
-              <p:cxnSp>
-                <p:nvCxnSpPr>
-                  <p:cNvPr id="588846" name="AutoShape 46"/>
-                  <p:cNvCxnSpPr>
-                    <a:cxnSpLocks noChangeShapeType="1"/>
-                    <a:stCxn id="588820" idx="5"/>
-                    <a:endCxn id="588843" idx="1"/>
-                  </p:cNvCxnSpPr>
-                  <p:nvPr/>
-                </p:nvCxnSpPr>
-                <p:spPr bwMode="auto">
-                  <a:xfrm>
-                    <a:off x="3250" y="850"/>
-                    <a:ext cx="364" cy="604"/>
-                  </a:xfrm>
-                  <a:prstGeom prst="straightConnector1">
-                    <a:avLst/>
-                  </a:prstGeom>
-                  <a:noFill/>
-                  <a:ln w="25400">
-                    <a:solidFill>
-                      <a:schemeClr val="tx1"/>
-                    </a:solidFill>
-                    <a:round/>
-                    <a:headEnd/>
-                    <a:tailEnd/>
-                  </a:ln>
-                  <a:effectLst/>
-                </p:spPr>
-              </p:cxnSp>
-            </p:grpSp>
-            <p:sp>
-              <p:nvSpPr>
-                <p:cNvPr id="588848" name="Text Box 48"/>
-                <p:cNvSpPr txBox="1">
-                  <a:spLocks noChangeArrowheads="1"/>
-                </p:cNvSpPr>
-                <p:nvPr/>
-              </p:nvSpPr>
-              <p:spPr bwMode="auto">
-                <a:xfrm>
-                  <a:off x="2592" y="672"/>
-                  <a:ext cx="2997" cy="446"/>
-                </a:xfrm>
-                <a:prstGeom prst="rect">
-                  <a:avLst/>
-                </a:prstGeom>
-                <a:noFill/>
-                <a:ln w="9525" algn="ctr">
-                  <a:noFill/>
-                  <a:miter lim="800000"/>
-                  <a:headEnd/>
-                  <a:tailEnd/>
-                </a:ln>
-                <a:effectLst/>
-              </p:spPr>
-              <p:txBody>
-                <a:bodyPr wrap="none">
-                  <a:spAutoFit/>
-                </a:bodyPr>
-                <a:lstStyle/>
-                <a:p>
-                  <a:pPr marL="742950" indent="-285750" algn="l"/>
-                  <a:r>
-                    <a:rPr lang="en-US" sz="3600" dirty="0">
-                      <a:latin typeface="Comic Sans MS" pitchFamily="66" charset="0"/>
-                    </a:rPr>
-                    <a:t>{1,2,3,5,10,15,30}</a:t>
-                  </a:r>
-                </a:p>
-              </p:txBody>
-            </p:sp>
-          </p:grpSp>
-        </p:grpSp>
-      </p:grpSp>
-    </p:spTree>
-  </p:cSld>
-  <p:clrMapOvr>
-    <a:masterClrMapping/>
-  </p:clrMapOvr>
-  <p:transition/>
-  <p:timing>
-    <p:tnLst>
-      <p:par>
-        <p:cTn id="1" dur="indefinite" restart="never" nodeType="tmRoot"/>
-      </p:par>
-    </p:tnLst>
-  </p:timing>
-</p:sld>
-</file>
-
 <file path=ppt/slides/slide5.xml><?xml version="1.0" encoding="utf-8"?>
 <p:sld xmlns:a="http://schemas.openxmlformats.org/drawingml/2006/main" xmlns:r="http://schemas.openxmlformats.org/officeDocument/2006/relationships" xmlns:mc="http://schemas.openxmlformats.org/markup-compatibility/2006" xmlns:mv="urn:schemas-microsoft-com:mac:vml" xmlns:p="http://schemas.openxmlformats.org/presentationml/2006/main" mc:Ignorable="mv" mc:PreserveAttributes="mv:*">
   <p:cSld>
@@ -28461,1872 +22732,6 @@
     <p:bldLst>
       <p:bldP spid="9" grpId="0" build="p"/>
     </p:bldLst>
-  </p:timing>
-</p:sld>
-</file>
-
-<file path=ppt/slides/slide50.xml><?xml version="1.0" encoding="utf-8"?>
-<p:sld xmlns:a="http://schemas.openxmlformats.org/drawingml/2006/main" xmlns:r="http://schemas.openxmlformats.org/officeDocument/2006/relationships" xmlns:mc="http://schemas.openxmlformats.org/markup-compatibility/2006" xmlns:mv="urn:schemas-microsoft-com:mac:vml" xmlns:p="http://schemas.openxmlformats.org/presentationml/2006/main" mc:Ignorable="mv" mc:PreserveAttributes="mv:*" show="0">
-  <p:cSld>
-    <p:spTree>
-      <p:nvGrpSpPr>
-        <p:cNvPr id="1" name=""/>
-        <p:cNvGrpSpPr/>
-        <p:nvPr/>
-      </p:nvGrpSpPr>
-      <p:grpSpPr>
-        <a:xfrm>
-          <a:off x="0" y="0"/>
-          <a:ext cx="0" cy="0"/>
-          <a:chOff x="0" y="0"/>
-          <a:chExt cx="0" cy="0"/>
-        </a:xfrm>
-      </p:grpSpPr>
-      <p:sp>
-        <p:nvSpPr>
-          <p:cNvPr id="521218" name="Rectangle 2"/>
-          <p:cNvSpPr>
-            <a:spLocks noGrp="1" noChangeArrowheads="1"/>
-          </p:cNvSpPr>
-          <p:nvPr>
-            <p:ph type="title"/>
-          </p:nvPr>
-        </p:nvSpPr>
-        <p:spPr/>
-        <p:txBody>
-          <a:bodyPr/>
-          <a:lstStyle/>
-          <a:p>
-            <a:r>
-              <a:rPr lang="en-US" sz="4400" b="0" dirty="0"/>
-              <a:t>p</a:t>
-            </a:r>
-            <a:r>
-              <a:rPr lang="en-US" sz="4400" b="0" dirty="0" smtClean="0"/>
-              <a:t>artial </a:t>
-            </a:r>
-            <a:r>
-              <a:rPr lang="en-US" sz="4400" b="0" dirty="0"/>
-              <a:t>o</a:t>
-            </a:r>
-            <a:r>
-              <a:rPr lang="en-US" sz="4400" b="0" dirty="0" smtClean="0"/>
-              <a:t>rder</a:t>
-            </a:r>
-            <a:r>
-              <a:rPr lang="en-US" sz="4400" b="0" dirty="0"/>
-              <a:t>: </a:t>
-            </a:r>
-            <a:r>
-              <a:rPr lang="en-US" sz="4400" b="0" i="1" dirty="0"/>
-              <a:t>divides</a:t>
-            </a:r>
-            <a:r>
-              <a:rPr lang="en-US" sz="4400" b="0" dirty="0"/>
-              <a:t> </a:t>
-            </a:r>
-          </a:p>
-        </p:txBody>
-      </p:sp>
-      <p:sp>
-        <p:nvSpPr>
-          <p:cNvPr id="521219" name="Rectangle 3"/>
-          <p:cNvSpPr>
-            <a:spLocks noGrp="1" noChangeArrowheads="1"/>
-          </p:cNvSpPr>
-          <p:nvPr>
-            <p:ph type="body" idx="1"/>
-          </p:nvPr>
-        </p:nvSpPr>
-        <p:spPr>
-          <a:xfrm>
-            <a:off x="533400" y="2133600"/>
-            <a:ext cx="8077200" cy="2666999"/>
-          </a:xfrm>
-        </p:spPr>
-        <p:txBody>
-          <a:bodyPr>
-            <a:noAutofit/>
-          </a:bodyPr>
-          <a:lstStyle/>
-          <a:p>
-            <a:pPr>
-              <a:lnSpc>
-                <a:spcPct val="90000"/>
-              </a:lnSpc>
-              <a:buFontTx/>
-              <a:buNone/>
-            </a:pPr>
-            <a:r>
-              <a:rPr lang="en-US" sz="6000" dirty="0" smtClean="0">
-                <a:solidFill>
-                  <a:srgbClr val="1E03BD"/>
-                </a:solidFill>
-              </a:rPr>
-              <a:t>a</a:t>
-            </a:r>
-            <a:r>
-              <a:rPr lang="en-US" sz="6000" dirty="0" smtClean="0"/>
-              <a:t> </a:t>
-            </a:r>
-            <a:r>
-              <a:rPr lang="en-US" sz="6000" i="1" dirty="0"/>
-              <a:t>divides</a:t>
-            </a:r>
-            <a:r>
-              <a:rPr lang="en-US" sz="6000" dirty="0"/>
-              <a:t> </a:t>
-            </a:r>
-            <a:r>
-              <a:rPr lang="en-US" sz="6000" dirty="0">
-                <a:solidFill>
-                  <a:srgbClr val="1E03BD"/>
-                </a:solidFill>
-              </a:rPr>
-              <a:t>b</a:t>
-            </a:r>
-            <a:r>
-              <a:rPr lang="en-US" sz="6000" dirty="0"/>
-              <a:t> </a:t>
-            </a:r>
-            <a:r>
-              <a:rPr lang="en-US" sz="6000" dirty="0" err="1" smtClean="0"/>
-              <a:t>iff</a:t>
-            </a:r>
-            <a:endParaRPr lang="en-US" sz="6000" dirty="0"/>
-          </a:p>
-          <a:p>
-            <a:pPr algn="ctr">
-              <a:lnSpc>
-                <a:spcPct val="150000"/>
-              </a:lnSpc>
-              <a:buFontTx/>
-              <a:buNone/>
-            </a:pPr>
-            <a:r>
-              <a:rPr lang="en-US" sz="6000" dirty="0">
-                <a:solidFill>
-                  <a:srgbClr val="1E03BD"/>
-                </a:solidFill>
-              </a:rPr>
-              <a:t>ka = b  </a:t>
-            </a:r>
-            <a:r>
-              <a:rPr lang="en-US" sz="4800" dirty="0"/>
-              <a:t> </a:t>
-            </a:r>
-            <a:r>
-              <a:rPr lang="en-US" sz="5400" dirty="0"/>
-              <a:t>for some </a:t>
-            </a:r>
-            <a:r>
-              <a:rPr lang="en-US" sz="5400" dirty="0">
-                <a:solidFill>
-                  <a:srgbClr val="1E03BD"/>
-                </a:solidFill>
-              </a:rPr>
-              <a:t>k</a:t>
-            </a:r>
-            <a:r>
-              <a:rPr lang="en-US" sz="5400" dirty="0" smtClean="0">
-                <a:solidFill>
-                  <a:srgbClr val="1E03BD"/>
-                </a:solidFill>
-                <a:sym typeface="Symbol" pitchFamily="18" charset="2"/>
-              </a:rPr>
-              <a:t></a:t>
-            </a:r>
-            <a:r>
-              <a:rPr lang="en-US" sz="5400" dirty="0" smtClean="0">
-                <a:solidFill>
-                  <a:srgbClr val="1E03BD"/>
-                </a:solidFill>
-                <a:sym typeface="Euclid Math Two" pitchFamily="18" charset="2"/>
-              </a:rPr>
-              <a:t></a:t>
-            </a:r>
-            <a:endParaRPr lang="en-US" sz="5400" b="1" dirty="0">
-              <a:solidFill>
-                <a:srgbClr val="1E03BD"/>
-              </a:solidFill>
-              <a:sym typeface="Euclid Math Two" pitchFamily="18" charset="2"/>
-            </a:endParaRPr>
-          </a:p>
-        </p:txBody>
-      </p:sp>
-    </p:spTree>
-  </p:cSld>
-  <p:clrMapOvr>
-    <a:masterClrMapping/>
-  </p:clrMapOvr>
-  <p:transition/>
-  <p:timing>
-    <p:tnLst>
-      <p:par>
-        <p:cTn id="1" dur="indefinite" restart="never" nodeType="tmRoot"/>
-      </p:par>
-    </p:tnLst>
-  </p:timing>
-</p:sld>
-</file>
-
-<file path=ppt/slides/slide51.xml><?xml version="1.0" encoding="utf-8"?>
-<p:sld xmlns:a="http://schemas.openxmlformats.org/drawingml/2006/main" xmlns:r="http://schemas.openxmlformats.org/officeDocument/2006/relationships" xmlns:mc="http://schemas.openxmlformats.org/markup-compatibility/2006" xmlns:mv="urn:schemas-microsoft-com:mac:vml" xmlns:p="http://schemas.openxmlformats.org/presentationml/2006/main" mc:Ignorable="mv" mc:PreserveAttributes="mv:*" show="0">
-  <p:cSld>
-    <p:spTree>
-      <p:nvGrpSpPr>
-        <p:cNvPr id="1" name=""/>
-        <p:cNvGrpSpPr/>
-        <p:nvPr/>
-      </p:nvGrpSpPr>
-      <p:grpSpPr>
-        <a:xfrm>
-          <a:off x="0" y="0"/>
-          <a:ext cx="0" cy="0"/>
-          <a:chOff x="0" y="0"/>
-          <a:chExt cx="0" cy="0"/>
-        </a:xfrm>
-      </p:grpSpPr>
-      <p:sp>
-        <p:nvSpPr>
-          <p:cNvPr id="521218" name="Rectangle 2"/>
-          <p:cNvSpPr>
-            <a:spLocks noGrp="1" noChangeArrowheads="1"/>
-          </p:cNvSpPr>
-          <p:nvPr>
-            <p:ph type="title"/>
-          </p:nvPr>
-        </p:nvSpPr>
-        <p:spPr/>
-        <p:txBody>
-          <a:bodyPr/>
-          <a:lstStyle/>
-          <a:p>
-            <a:r>
-              <a:rPr lang="en-US" sz="4400" b="0" dirty="0"/>
-              <a:t>p</a:t>
-            </a:r>
-            <a:r>
-              <a:rPr lang="en-US" sz="4400" b="0" dirty="0" smtClean="0"/>
-              <a:t>artial </a:t>
-            </a:r>
-            <a:r>
-              <a:rPr lang="en-US" sz="4400" b="0" dirty="0"/>
-              <a:t>o</a:t>
-            </a:r>
-            <a:r>
-              <a:rPr lang="en-US" sz="4400" b="0" dirty="0" smtClean="0"/>
-              <a:t>rder</a:t>
-            </a:r>
-            <a:r>
-              <a:rPr lang="en-US" sz="4400" b="0" dirty="0"/>
-              <a:t>: </a:t>
-            </a:r>
-            <a:r>
-              <a:rPr lang="en-US" sz="4400" b="0" i="1" dirty="0"/>
-              <a:t>divides</a:t>
-            </a:r>
-            <a:r>
-              <a:rPr lang="en-US" sz="4400" b="0" dirty="0"/>
-              <a:t> </a:t>
-            </a:r>
-          </a:p>
-        </p:txBody>
-      </p:sp>
-      <p:sp>
-        <p:nvSpPr>
-          <p:cNvPr id="521219" name="Rectangle 3"/>
-          <p:cNvSpPr>
-            <a:spLocks noGrp="1" noChangeArrowheads="1"/>
-          </p:cNvSpPr>
-          <p:nvPr>
-            <p:ph type="body" idx="1"/>
-          </p:nvPr>
-        </p:nvSpPr>
-        <p:spPr>
-          <a:xfrm>
-            <a:off x="932528" y="2453143"/>
-            <a:ext cx="7220872" cy="2195057"/>
-          </a:xfrm>
-        </p:spPr>
-        <p:txBody>
-          <a:bodyPr/>
-          <a:lstStyle/>
-          <a:p>
-            <a:pPr>
-              <a:lnSpc>
-                <a:spcPct val="90000"/>
-              </a:lnSpc>
-              <a:buFontTx/>
-              <a:buNone/>
-            </a:pPr>
-            <a:r>
-              <a:rPr lang="en-US" sz="5400" dirty="0" smtClean="0">
-                <a:solidFill>
-                  <a:srgbClr val="1E03BD"/>
-                </a:solidFill>
-              </a:rPr>
-              <a:t>a</a:t>
-            </a:r>
-            <a:r>
-              <a:rPr lang="en-US" sz="5400" dirty="0" smtClean="0"/>
-              <a:t> </a:t>
-            </a:r>
-            <a:r>
-              <a:rPr lang="en-US" sz="5400" i="1" dirty="0"/>
-              <a:t>divides</a:t>
-            </a:r>
-            <a:r>
-              <a:rPr lang="en-US" sz="5400" dirty="0"/>
-              <a:t> </a:t>
-            </a:r>
-            <a:r>
-              <a:rPr lang="en-US" sz="5400" dirty="0">
-                <a:solidFill>
-                  <a:srgbClr val="1E03BD"/>
-                </a:solidFill>
-              </a:rPr>
-              <a:t>b</a:t>
-            </a:r>
-            <a:r>
-              <a:rPr lang="en-US" sz="5400" dirty="0"/>
-              <a:t> </a:t>
-            </a:r>
-            <a:r>
-              <a:rPr lang="en-US" sz="5400" dirty="0" err="1" smtClean="0"/>
-              <a:t>iff</a:t>
-            </a:r>
-            <a:endParaRPr lang="en-US" sz="5400" dirty="0"/>
-          </a:p>
-          <a:p>
-            <a:pPr algn="ctr">
-              <a:lnSpc>
-                <a:spcPct val="150000"/>
-              </a:lnSpc>
-              <a:buFontTx/>
-              <a:buNone/>
-            </a:pPr>
-            <a:r>
-              <a:rPr lang="en-US" sz="5400" dirty="0">
-                <a:solidFill>
-                  <a:srgbClr val="1E03BD"/>
-                </a:solidFill>
-              </a:rPr>
-              <a:t>ka = b  </a:t>
-            </a:r>
-            <a:r>
-              <a:rPr lang="en-US" sz="4400" dirty="0"/>
-              <a:t> </a:t>
-            </a:r>
-            <a:r>
-              <a:rPr lang="en-US" sz="4800" dirty="0"/>
-              <a:t>for some </a:t>
-            </a:r>
-            <a:r>
-              <a:rPr lang="en-US" sz="4800" dirty="0">
-                <a:solidFill>
-                  <a:srgbClr val="1E03BD"/>
-                </a:solidFill>
-              </a:rPr>
-              <a:t>k</a:t>
-            </a:r>
-            <a:r>
-              <a:rPr lang="en-US" sz="4800" dirty="0" smtClean="0">
-                <a:solidFill>
-                  <a:srgbClr val="1E03BD"/>
-                </a:solidFill>
-                <a:sym typeface="Symbol" pitchFamily="18" charset="2"/>
-              </a:rPr>
-              <a:t></a:t>
-            </a:r>
-            <a:r>
-              <a:rPr lang="en-US" sz="4800" dirty="0" smtClean="0">
-                <a:solidFill>
-                  <a:srgbClr val="1E03BD"/>
-                </a:solidFill>
-                <a:sym typeface="Euclid Math Two" pitchFamily="18" charset="2"/>
-              </a:rPr>
-              <a:t></a:t>
-            </a:r>
-            <a:endParaRPr lang="en-US" sz="4800" b="1" dirty="0">
-              <a:solidFill>
-                <a:srgbClr val="1E03BD"/>
-              </a:solidFill>
-              <a:sym typeface="Euclid Math Two" pitchFamily="18" charset="2"/>
-            </a:endParaRPr>
-          </a:p>
-        </p:txBody>
-      </p:sp>
-      <p:grpSp>
-        <p:nvGrpSpPr>
-          <p:cNvPr id="12" name="Group 11"/>
-          <p:cNvGrpSpPr/>
-          <p:nvPr/>
-        </p:nvGrpSpPr>
-        <p:grpSpPr>
-          <a:xfrm>
-            <a:off x="298078" y="1712259"/>
-            <a:ext cx="2506730" cy="1063622"/>
-            <a:chOff x="298078" y="1712259"/>
-            <a:chExt cx="2506730" cy="1063622"/>
-          </a:xfrm>
-        </p:grpSpPr>
-        <p:sp>
-          <p:nvSpPr>
-            <p:cNvPr id="8" name="TextBox 7"/>
-            <p:cNvSpPr txBox="1"/>
-            <p:nvPr/>
-          </p:nvSpPr>
-          <p:spPr>
-            <a:xfrm>
-              <a:off x="319024" y="1712259"/>
-              <a:ext cx="2382383" cy="769441"/>
-            </a:xfrm>
-            <a:prstGeom prst="rect">
-              <a:avLst/>
-            </a:prstGeom>
-            <a:noFill/>
-          </p:spPr>
-          <p:txBody>
-            <a:bodyPr wrap="none" rtlCol="0">
-              <a:spAutoFit/>
-            </a:bodyPr>
-            <a:lstStyle/>
-            <a:p>
-              <a:r>
-                <a:rPr lang="en-US" sz="4400" i="1" dirty="0" smtClean="0">
-                  <a:solidFill>
-                    <a:srgbClr val="FF0000"/>
-                  </a:solidFill>
-                  <a:latin typeface="Comic Sans MS" pitchFamily="66" charset="0"/>
-                </a:rPr>
-                <a:t>properly</a:t>
-              </a:r>
-              <a:endParaRPr lang="en-US" sz="4400" i="1" dirty="0">
-                <a:solidFill>
-                  <a:srgbClr val="FF0000"/>
-                </a:solidFill>
-                <a:latin typeface="Comic Sans MS" pitchFamily="66" charset="0"/>
-              </a:endParaRPr>
-            </a:p>
-          </p:txBody>
-        </p:sp>
-        <p:sp>
-          <p:nvSpPr>
-            <p:cNvPr id="9" name="Right Brace 8"/>
-            <p:cNvSpPr/>
-            <p:nvPr/>
-          </p:nvSpPr>
-          <p:spPr>
-            <a:xfrm rot="5400000">
-              <a:off x="1274118" y="1245192"/>
-              <a:ext cx="554649" cy="2506730"/>
-            </a:xfrm>
-            <a:prstGeom prst="rightBrace">
-              <a:avLst/>
-            </a:prstGeom>
-            <a:ln w="28575">
-              <a:solidFill>
-                <a:srgbClr val="FF0000"/>
-              </a:solidFill>
-              <a:prstDash val="sysDash"/>
-            </a:ln>
-          </p:spPr>
-          <p:style>
-            <a:lnRef idx="1">
-              <a:schemeClr val="accent1"/>
-            </a:lnRef>
-            <a:fillRef idx="0">
-              <a:schemeClr val="accent1"/>
-            </a:fillRef>
-            <a:effectRef idx="0">
-              <a:schemeClr val="accent1"/>
-            </a:effectRef>
-            <a:fontRef idx="minor">
-              <a:schemeClr val="tx1"/>
-            </a:fontRef>
-          </p:style>
-          <p:txBody>
-            <a:bodyPr rtlCol="0" anchor="ctr"/>
-            <a:lstStyle/>
-            <a:p>
-              <a:pPr algn="ctr"/>
-              <a:endParaRPr lang="en-US" dirty="0">
-                <a:solidFill>
-                  <a:srgbClr val="FF0000"/>
-                </a:solidFill>
-              </a:endParaRPr>
-            </a:p>
-          </p:txBody>
-        </p:sp>
-      </p:grpSp>
-      <p:grpSp>
-        <p:nvGrpSpPr>
-          <p:cNvPr id="11" name="Group 10"/>
-          <p:cNvGrpSpPr/>
-          <p:nvPr/>
-        </p:nvGrpSpPr>
-        <p:grpSpPr>
-          <a:xfrm>
-            <a:off x="990600" y="3429000"/>
-            <a:ext cx="3886200" cy="2066330"/>
-            <a:chOff x="990600" y="3429000"/>
-            <a:chExt cx="3886200" cy="2066330"/>
-          </a:xfrm>
-        </p:grpSpPr>
-        <p:sp>
-          <p:nvSpPr>
-            <p:cNvPr id="10" name="TextBox 9"/>
-            <p:cNvSpPr txBox="1"/>
-            <p:nvPr/>
-          </p:nvSpPr>
-          <p:spPr>
-            <a:xfrm>
-              <a:off x="1295400" y="4572000"/>
-              <a:ext cx="3581400" cy="923330"/>
-            </a:xfrm>
-            <a:prstGeom prst="rect">
-              <a:avLst/>
-            </a:prstGeom>
-            <a:noFill/>
-          </p:spPr>
-          <p:txBody>
-            <a:bodyPr wrap="square" rtlCol="0">
-              <a:spAutoFit/>
-            </a:bodyPr>
-            <a:lstStyle/>
-            <a:p>
-              <a:r>
-                <a:rPr lang="en-US" sz="5400" dirty="0" smtClean="0">
-                  <a:solidFill>
-                    <a:srgbClr val="FF0000"/>
-                  </a:solidFill>
-                  <a:latin typeface="Comic Sans MS" pitchFamily="66" charset="0"/>
-                </a:rPr>
-                <a:t>and  a </a:t>
-              </a:r>
-              <a:r>
-                <a:rPr lang="en-US" sz="5400" dirty="0" smtClean="0">
-                  <a:solidFill>
-                    <a:srgbClr val="FF0000"/>
-                  </a:solidFill>
-                  <a:latin typeface="Comic Sans MS" pitchFamily="66" charset="0"/>
-                  <a:sym typeface="Symbol"/>
-                </a:rPr>
-                <a:t></a:t>
-              </a:r>
-              <a:r>
-                <a:rPr lang="en-US" sz="5400" dirty="0" smtClean="0">
-                  <a:solidFill>
-                    <a:srgbClr val="FF0000"/>
-                  </a:solidFill>
-                  <a:latin typeface="Comic Sans MS" pitchFamily="66" charset="0"/>
-                </a:rPr>
-                <a:t> b</a:t>
-              </a:r>
-              <a:endParaRPr lang="en-US" sz="5400" dirty="0">
-                <a:solidFill>
-                  <a:srgbClr val="FF0000"/>
-                </a:solidFill>
-                <a:latin typeface="Comic Sans MS" pitchFamily="66" charset="0"/>
-              </a:endParaRPr>
-            </a:p>
-          </p:txBody>
-        </p:sp>
-        <p:sp>
-          <p:nvSpPr>
-            <p:cNvPr id="13" name="TextBox 12"/>
-            <p:cNvSpPr txBox="1"/>
-            <p:nvPr/>
-          </p:nvSpPr>
-          <p:spPr>
-            <a:xfrm>
-              <a:off x="4334595" y="4191000"/>
-              <a:ext cx="474810" cy="1015663"/>
-            </a:xfrm>
-            <a:prstGeom prst="rect">
-              <a:avLst/>
-            </a:prstGeom>
-            <a:noFill/>
-          </p:spPr>
-          <p:txBody>
-            <a:bodyPr wrap="none" rtlCol="0">
-              <a:spAutoFit/>
-            </a:bodyPr>
-            <a:lstStyle/>
-            <a:p>
-              <a:r>
-                <a:rPr lang="en-US" sz="6000" dirty="0" smtClean="0">
-                  <a:latin typeface="Comic Sans MS" pitchFamily="66" charset="0"/>
-                </a:rPr>
-                <a:t>]</a:t>
-              </a:r>
-              <a:endParaRPr lang="en-US" sz="6000" dirty="0">
-                <a:latin typeface="Comic Sans MS" pitchFamily="66" charset="0"/>
-              </a:endParaRPr>
-            </a:p>
-          </p:txBody>
-        </p:sp>
-        <p:sp>
-          <p:nvSpPr>
-            <p:cNvPr id="14" name="TextBox 13"/>
-            <p:cNvSpPr txBox="1"/>
-            <p:nvPr/>
-          </p:nvSpPr>
-          <p:spPr>
-            <a:xfrm>
-              <a:off x="990600" y="3429000"/>
-              <a:ext cx="474810" cy="1015663"/>
-            </a:xfrm>
-            <a:prstGeom prst="rect">
-              <a:avLst/>
-            </a:prstGeom>
-            <a:noFill/>
-          </p:spPr>
-          <p:txBody>
-            <a:bodyPr wrap="none" rtlCol="0">
-              <a:spAutoFit/>
-            </a:bodyPr>
-            <a:lstStyle/>
-            <a:p>
-              <a:r>
-                <a:rPr lang="en-US" sz="6000" dirty="0" smtClean="0">
-                  <a:latin typeface="Comic Sans MS" pitchFamily="66" charset="0"/>
-                </a:rPr>
-                <a:t>[</a:t>
-              </a:r>
-              <a:endParaRPr lang="en-US" sz="6000" dirty="0">
-                <a:latin typeface="Comic Sans MS" pitchFamily="66" charset="0"/>
-              </a:endParaRPr>
-            </a:p>
-          </p:txBody>
-        </p:sp>
-      </p:grpSp>
-    </p:spTree>
-  </p:cSld>
-  <p:clrMapOvr>
-    <a:masterClrMapping/>
-  </p:clrMapOvr>
-  <p:transition/>
-  <p:timing>
-    <p:tnLst>
-      <p:par>
-        <p:cTn id="1" dur="indefinite" restart="never" nodeType="tmRoot">
-          <p:childTnLst>
-            <p:seq concurrent="1" nextAc="seek">
-              <p:cTn id="2" dur="indefinite" nodeType="mainSeq">
-                <p:childTnLst>
-                  <p:par>
-                    <p:cTn id="3" fill="hold">
-                      <p:stCondLst>
-                        <p:cond delay="indefinite"/>
-                      </p:stCondLst>
-                      <p:childTnLst>
-                        <p:par>
-                          <p:cTn id="4" fill="hold">
-                            <p:stCondLst>
-                              <p:cond delay="0"/>
-                            </p:stCondLst>
-                            <p:childTnLst>
-                              <p:par>
-                                <p:cTn id="5" presetID="1" presetClass="entr" presetSubtype="0" fill="hold" nodeType="clickEffect">
-                                  <p:stCondLst>
-                                    <p:cond delay="0"/>
-                                  </p:stCondLst>
-                                  <p:childTnLst>
-                                    <p:set>
-                                      <p:cBhvr>
-                                        <p:cTn id="6" dur="1" fill="hold">
-                                          <p:stCondLst>
-                                            <p:cond delay="0"/>
-                                          </p:stCondLst>
-                                        </p:cTn>
-                                        <p:tgtEl>
-                                          <p:spTgt spid="12"/>
-                                        </p:tgtEl>
-                                        <p:attrNameLst>
-                                          <p:attrName>style.visibility</p:attrName>
-                                        </p:attrNameLst>
-                                      </p:cBhvr>
-                                      <p:to>
-                                        <p:strVal val="visible"/>
-                                      </p:to>
-                                    </p:set>
-                                  </p:childTnLst>
-                                </p:cTn>
-                              </p:par>
-                              <p:par>
-                                <p:cTn id="7" presetID="1" presetClass="entr" presetSubtype="0" fill="hold" nodeType="withEffect">
-                                  <p:stCondLst>
-                                    <p:cond delay="0"/>
-                                  </p:stCondLst>
-                                  <p:childTnLst>
-                                    <p:set>
-                                      <p:cBhvr>
-                                        <p:cTn id="8" dur="1" fill="hold">
-                                          <p:stCondLst>
-                                            <p:cond delay="0"/>
-                                          </p:stCondLst>
-                                        </p:cTn>
-                                        <p:tgtEl>
-                                          <p:spTgt spid="11"/>
-                                        </p:tgtEl>
-                                        <p:attrNameLst>
-                                          <p:attrName>style.visibility</p:attrName>
-                                        </p:attrNameLst>
-                                      </p:cBhvr>
-                                      <p:to>
-                                        <p:strVal val="visible"/>
-                                      </p:to>
-                                    </p:set>
-                                  </p:childTnLst>
-                                </p:cTn>
-                              </p:par>
-                            </p:childTnLst>
-                          </p:cTn>
-                        </p:par>
-                      </p:childTnLst>
-                    </p:cTn>
-                  </p:par>
-                </p:childTnLst>
-              </p:cTn>
-              <p:prevCondLst>
-                <p:cond evt="onPrev" delay="0">
-                  <p:tgtEl>
-                    <p:sldTgt/>
-                  </p:tgtEl>
-                </p:cond>
-              </p:prevCondLst>
-              <p:nextCondLst>
-                <p:cond evt="onNext" delay="0">
-                  <p:tgtEl>
-                    <p:sldTgt/>
-                  </p:tgtEl>
-                </p:cond>
-              </p:nextCondLst>
-            </p:seq>
-          </p:childTnLst>
-        </p:cTn>
-      </p:par>
-    </p:tnLst>
-  </p:timing>
-</p:sld>
-</file>
-
-<file path=ppt/slides/slide52.xml><?xml version="1.0" encoding="utf-8"?>
-<p:sld xmlns:a="http://schemas.openxmlformats.org/drawingml/2006/main" xmlns:r="http://schemas.openxmlformats.org/officeDocument/2006/relationships" xmlns:mc="http://schemas.openxmlformats.org/markup-compatibility/2006" xmlns:mv="urn:schemas-microsoft-com:mac:vml" xmlns:p="http://schemas.openxmlformats.org/presentationml/2006/main" mc:Ignorable="mv" mc:PreserveAttributes="mv:*" show="0">
-  <p:cSld>
-    <p:spTree>
-      <p:nvGrpSpPr>
-        <p:cNvPr id="1" name=""/>
-        <p:cNvGrpSpPr/>
-        <p:nvPr/>
-      </p:nvGrpSpPr>
-      <p:grpSpPr>
-        <a:xfrm>
-          <a:off x="0" y="0"/>
-          <a:ext cx="0" cy="0"/>
-          <a:chOff x="0" y="0"/>
-          <a:chExt cx="0" cy="0"/>
-        </a:xfrm>
-      </p:grpSpPr>
-      <p:grpSp>
-        <p:nvGrpSpPr>
-          <p:cNvPr id="37" name="Group 36"/>
-          <p:cNvGrpSpPr/>
-          <p:nvPr/>
-        </p:nvGrpSpPr>
-        <p:grpSpPr>
-          <a:xfrm>
-            <a:off x="228600" y="1017588"/>
-            <a:ext cx="6483350" cy="5395912"/>
-            <a:chOff x="254000" y="1017588"/>
-            <a:chExt cx="6483350" cy="5395912"/>
-          </a:xfrm>
-        </p:grpSpPr>
-        <p:sp>
-          <p:nvSpPr>
-            <p:cNvPr id="589826" name="Text Box 2"/>
-            <p:cNvSpPr txBox="1">
-              <a:spLocks noChangeArrowheads="1"/>
-            </p:cNvSpPr>
-            <p:nvPr/>
-          </p:nvSpPr>
-          <p:spPr bwMode="auto">
-            <a:xfrm>
-              <a:off x="3403600" y="5711825"/>
-              <a:ext cx="438150" cy="701675"/>
-            </a:xfrm>
-            <a:prstGeom prst="rect">
-              <a:avLst/>
-            </a:prstGeom>
-            <a:noFill/>
-            <a:ln w="9525">
-              <a:noFill/>
-              <a:miter lim="800000"/>
-              <a:headEnd/>
-              <a:tailEnd type="none" w="lg" len="lg"/>
-            </a:ln>
-            <a:effectLst/>
-          </p:spPr>
-          <p:txBody>
-            <a:bodyPr wrap="none">
-              <a:spAutoFit/>
-            </a:bodyPr>
-            <a:lstStyle/>
-            <a:p>
-              <a:pPr algn="l">
-                <a:spcBef>
-                  <a:spcPct val="0"/>
-                </a:spcBef>
-              </a:pPr>
-              <a:r>
-                <a:rPr lang="en-US" sz="4000"/>
-                <a:t>1</a:t>
-              </a:r>
-            </a:p>
-          </p:txBody>
-        </p:sp>
-        <p:grpSp>
-          <p:nvGrpSpPr>
-            <p:cNvPr id="2" name="Group 5"/>
-            <p:cNvGrpSpPr>
-              <a:grpSpLocks/>
-            </p:cNvGrpSpPr>
-            <p:nvPr/>
-          </p:nvGrpSpPr>
-          <p:grpSpPr bwMode="auto">
-            <a:xfrm>
-              <a:off x="3860800" y="3962400"/>
-              <a:ext cx="2438400" cy="1828800"/>
-              <a:chOff x="2928" y="2400"/>
-              <a:chExt cx="1536" cy="1152"/>
-            </a:xfrm>
-          </p:grpSpPr>
-          <p:sp>
-            <p:nvSpPr>
-              <p:cNvPr id="589830" name="Oval 6"/>
-              <p:cNvSpPr>
-                <a:spLocks noChangeArrowheads="1"/>
-              </p:cNvSpPr>
-              <p:nvPr/>
-            </p:nvSpPr>
-            <p:spPr bwMode="auto">
-              <a:xfrm>
-                <a:off x="4368" y="2400"/>
-                <a:ext cx="96" cy="96"/>
-              </a:xfrm>
-              <a:prstGeom prst="ellipse">
-                <a:avLst/>
-              </a:prstGeom>
-              <a:solidFill>
-                <a:srgbClr val="008000"/>
-              </a:solidFill>
-              <a:ln w="9525">
-                <a:solidFill>
-                  <a:schemeClr val="tx1"/>
-                </a:solidFill>
-                <a:round/>
-                <a:headEnd/>
-                <a:tailEnd type="none" w="lg" len="lg"/>
-              </a:ln>
-              <a:effectLst/>
-            </p:spPr>
-            <p:txBody>
-              <a:bodyPr wrap="none" anchor="ctr"/>
-              <a:lstStyle/>
-              <a:p>
-                <a:endParaRPr lang="en-US"/>
-              </a:p>
-            </p:txBody>
-          </p:sp>
-          <p:cxnSp>
-            <p:nvCxnSpPr>
-              <p:cNvPr id="589831" name="AutoShape 7"/>
-              <p:cNvCxnSpPr>
-                <a:cxnSpLocks noChangeShapeType="1"/>
-              </p:cNvCxnSpPr>
-              <p:nvPr/>
-            </p:nvCxnSpPr>
-            <p:spPr bwMode="auto">
-              <a:xfrm flipH="1">
-                <a:off x="2928" y="2496"/>
-                <a:ext cx="1488" cy="1056"/>
-              </a:xfrm>
-              <a:prstGeom prst="straightConnector1">
-                <a:avLst/>
-              </a:prstGeom>
-              <a:noFill/>
-              <a:ln w="25400">
-                <a:solidFill>
-                  <a:schemeClr val="tx1"/>
-                </a:solidFill>
-                <a:round/>
-                <a:headEnd/>
-                <a:tailEnd type="none" w="lg" len="lg"/>
-              </a:ln>
-              <a:effectLst/>
-            </p:spPr>
-          </p:cxnSp>
-        </p:grpSp>
-        <p:sp>
-          <p:nvSpPr>
-            <p:cNvPr id="589833" name="Text Box 9"/>
-            <p:cNvSpPr txBox="1">
-              <a:spLocks noChangeArrowheads="1"/>
-            </p:cNvSpPr>
-            <p:nvPr/>
-          </p:nvSpPr>
-          <p:spPr bwMode="auto">
-            <a:xfrm>
-              <a:off x="6299200" y="3533775"/>
-              <a:ext cx="438150" cy="701675"/>
-            </a:xfrm>
-            <a:prstGeom prst="rect">
-              <a:avLst/>
-            </a:prstGeom>
-            <a:noFill/>
-            <a:ln w="9525">
-              <a:noFill/>
-              <a:miter lim="800000"/>
-              <a:headEnd/>
-              <a:tailEnd type="none" w="lg" len="lg"/>
-            </a:ln>
-            <a:effectLst/>
-          </p:spPr>
-          <p:txBody>
-            <a:bodyPr wrap="none">
-              <a:spAutoFit/>
-            </a:bodyPr>
-            <a:lstStyle/>
-            <a:p>
-              <a:pPr algn="l">
-                <a:spcBef>
-                  <a:spcPct val="0"/>
-                </a:spcBef>
-              </a:pPr>
-              <a:r>
-                <a:rPr lang="en-US" sz="4000"/>
-                <a:t>2</a:t>
-              </a:r>
-            </a:p>
-          </p:txBody>
-        </p:sp>
-        <p:sp>
-          <p:nvSpPr>
-            <p:cNvPr id="589835" name="Oval 11"/>
-            <p:cNvSpPr>
-              <a:spLocks noChangeArrowheads="1"/>
-            </p:cNvSpPr>
-            <p:nvPr/>
-          </p:nvSpPr>
-          <p:spPr bwMode="auto">
-            <a:xfrm>
-              <a:off x="3708400" y="5715000"/>
-              <a:ext cx="152400" cy="152400"/>
-            </a:xfrm>
-            <a:prstGeom prst="ellipse">
-              <a:avLst/>
-            </a:prstGeom>
-            <a:solidFill>
-              <a:srgbClr val="008000"/>
-            </a:solidFill>
-            <a:ln w="9525">
-              <a:solidFill>
-                <a:schemeClr val="tx1"/>
-              </a:solidFill>
-              <a:round/>
-              <a:headEnd/>
-              <a:tailEnd type="none" w="lg" len="lg"/>
-            </a:ln>
-            <a:effectLst/>
-          </p:spPr>
-          <p:txBody>
-            <a:bodyPr wrap="none" anchor="ctr"/>
-            <a:lstStyle/>
-            <a:p>
-              <a:endParaRPr lang="en-US"/>
-            </a:p>
-          </p:txBody>
-        </p:sp>
-        <p:grpSp>
-          <p:nvGrpSpPr>
-            <p:cNvPr id="3" name="Group 37"/>
-            <p:cNvGrpSpPr>
-              <a:grpSpLocks/>
-            </p:cNvGrpSpPr>
-            <p:nvPr/>
-          </p:nvGrpSpPr>
-          <p:grpSpPr bwMode="auto">
-            <a:xfrm>
-              <a:off x="4927600" y="2054225"/>
-              <a:ext cx="1241425" cy="1930400"/>
-              <a:chOff x="3104" y="1294"/>
-              <a:chExt cx="782" cy="1216"/>
-            </a:xfrm>
-          </p:grpSpPr>
-          <p:sp>
-            <p:nvSpPr>
-              <p:cNvPr id="589850" name="Text Box 26"/>
-              <p:cNvSpPr txBox="1">
-                <a:spLocks noChangeArrowheads="1"/>
-              </p:cNvSpPr>
-              <p:nvPr/>
-            </p:nvSpPr>
-            <p:spPr bwMode="auto">
-              <a:xfrm>
-                <a:off x="3288" y="1294"/>
-                <a:ext cx="436" cy="442"/>
-              </a:xfrm>
-              <a:prstGeom prst="rect">
-                <a:avLst/>
-              </a:prstGeom>
-              <a:noFill/>
-              <a:ln w="9525">
-                <a:noFill/>
-                <a:miter lim="800000"/>
-                <a:headEnd/>
-                <a:tailEnd type="none" w="lg" len="lg"/>
-              </a:ln>
-              <a:effectLst/>
-            </p:spPr>
-            <p:txBody>
-              <a:bodyPr wrap="none">
-                <a:spAutoFit/>
-              </a:bodyPr>
-              <a:lstStyle/>
-              <a:p>
-                <a:pPr algn="l">
-                  <a:spcBef>
-                    <a:spcPct val="0"/>
-                  </a:spcBef>
-                </a:pPr>
-                <a:r>
-                  <a:rPr lang="en-US" sz="4000"/>
-                  <a:t>10</a:t>
-                </a:r>
-              </a:p>
-            </p:txBody>
-          </p:sp>
-          <p:cxnSp>
-            <p:nvCxnSpPr>
-              <p:cNvPr id="589851" name="AutoShape 27"/>
-              <p:cNvCxnSpPr>
-                <a:cxnSpLocks noChangeShapeType="1"/>
-                <a:stCxn id="589830" idx="1"/>
-              </p:cNvCxnSpPr>
-              <p:nvPr/>
-            </p:nvCxnSpPr>
-            <p:spPr bwMode="auto">
-              <a:xfrm flipH="1" flipV="1">
-                <a:off x="3200" y="1632"/>
-                <a:ext cx="686" cy="878"/>
-              </a:xfrm>
-              <a:prstGeom prst="straightConnector1">
-                <a:avLst/>
-              </a:prstGeom>
-              <a:noFill/>
-              <a:ln w="25400">
-                <a:solidFill>
-                  <a:schemeClr val="tx1"/>
-                </a:solidFill>
-                <a:round/>
-                <a:headEnd/>
-                <a:tailEnd type="none" w="lg" len="lg"/>
-              </a:ln>
-              <a:effectLst/>
-            </p:spPr>
-          </p:cxnSp>
-          <p:sp>
-            <p:nvSpPr>
-              <p:cNvPr id="589852" name="Oval 28"/>
-              <p:cNvSpPr>
-                <a:spLocks noChangeArrowheads="1"/>
-              </p:cNvSpPr>
-              <p:nvPr/>
-            </p:nvSpPr>
-            <p:spPr bwMode="auto">
-              <a:xfrm>
-                <a:off x="3104" y="1536"/>
-                <a:ext cx="96" cy="96"/>
-              </a:xfrm>
-              <a:prstGeom prst="ellipse">
-                <a:avLst/>
-              </a:prstGeom>
-              <a:solidFill>
-                <a:srgbClr val="008000"/>
-              </a:solidFill>
-              <a:ln w="9525">
-                <a:solidFill>
-                  <a:schemeClr val="tx1"/>
-                </a:solidFill>
-                <a:round/>
-                <a:headEnd/>
-                <a:tailEnd type="none" w="lg" len="lg"/>
-              </a:ln>
-              <a:effectLst/>
-            </p:spPr>
-            <p:txBody>
-              <a:bodyPr wrap="none" anchor="ctr"/>
-              <a:lstStyle/>
-              <a:p>
-                <a:endParaRPr lang="en-US"/>
-              </a:p>
-            </p:txBody>
-          </p:sp>
-        </p:grpSp>
-        <p:sp>
-          <p:nvSpPr>
-            <p:cNvPr id="589841" name="Oval 17"/>
-            <p:cNvSpPr>
-              <a:spLocks noChangeArrowheads="1"/>
-            </p:cNvSpPr>
-            <p:nvPr/>
-          </p:nvSpPr>
-          <p:spPr bwMode="auto">
-            <a:xfrm>
-              <a:off x="3708400" y="3962400"/>
-              <a:ext cx="152400" cy="152400"/>
-            </a:xfrm>
-            <a:prstGeom prst="ellipse">
-              <a:avLst/>
-            </a:prstGeom>
-            <a:solidFill>
-              <a:srgbClr val="008000"/>
-            </a:solidFill>
-            <a:ln w="9525">
-              <a:solidFill>
-                <a:schemeClr val="tx1"/>
-              </a:solidFill>
-              <a:round/>
-              <a:headEnd/>
-              <a:tailEnd type="none" w="lg" len="lg"/>
-            </a:ln>
-            <a:effectLst/>
-          </p:spPr>
-          <p:txBody>
-            <a:bodyPr wrap="none" anchor="ctr"/>
-            <a:lstStyle/>
-            <a:p>
-              <a:endParaRPr lang="en-US"/>
-            </a:p>
-          </p:txBody>
-        </p:sp>
-        <p:grpSp>
-          <p:nvGrpSpPr>
-            <p:cNvPr id="5" name="Group 41"/>
-            <p:cNvGrpSpPr>
-              <a:grpSpLocks/>
-            </p:cNvGrpSpPr>
-            <p:nvPr/>
-          </p:nvGrpSpPr>
-          <p:grpSpPr bwMode="auto">
-            <a:xfrm>
-              <a:off x="254000" y="1017588"/>
-              <a:ext cx="5060950" cy="4773612"/>
-              <a:chOff x="160" y="641"/>
-              <a:chExt cx="3188" cy="3007"/>
-            </a:xfrm>
-          </p:grpSpPr>
-          <p:sp>
-            <p:nvSpPr>
-              <p:cNvPr id="589845" name="Oval 21"/>
-              <p:cNvSpPr>
-                <a:spLocks noChangeArrowheads="1"/>
-              </p:cNvSpPr>
-              <p:nvPr/>
-            </p:nvSpPr>
-            <p:spPr bwMode="auto">
-              <a:xfrm>
-                <a:off x="1520" y="1536"/>
-                <a:ext cx="96" cy="96"/>
-              </a:xfrm>
-              <a:prstGeom prst="ellipse">
-                <a:avLst/>
-              </a:prstGeom>
-              <a:solidFill>
-                <a:srgbClr val="008000"/>
-              </a:solidFill>
-              <a:ln w="9525">
-                <a:solidFill>
-                  <a:schemeClr val="tx1"/>
-                </a:solidFill>
-                <a:round/>
-                <a:headEnd/>
-                <a:tailEnd type="none" w="lg" len="lg"/>
-              </a:ln>
-              <a:effectLst/>
-            </p:spPr>
-            <p:txBody>
-              <a:bodyPr wrap="none" anchor="ctr"/>
-              <a:lstStyle/>
-              <a:p>
-                <a:endParaRPr lang="en-US"/>
-              </a:p>
-            </p:txBody>
-          </p:sp>
-          <p:cxnSp>
-            <p:nvCxnSpPr>
-              <p:cNvPr id="589853" name="AutoShape 29"/>
-              <p:cNvCxnSpPr>
-                <a:cxnSpLocks noChangeShapeType="1"/>
-                <a:stCxn id="589843" idx="1"/>
-                <a:endCxn id="589852" idx="3"/>
-              </p:cNvCxnSpPr>
-              <p:nvPr/>
-            </p:nvCxnSpPr>
-            <p:spPr bwMode="auto">
-              <a:xfrm flipV="1">
-                <a:off x="2384" y="1618"/>
-                <a:ext cx="734" cy="877"/>
-              </a:xfrm>
-              <a:prstGeom prst="straightConnector1">
-                <a:avLst/>
-              </a:prstGeom>
-              <a:noFill/>
-              <a:ln w="25400">
-                <a:solidFill>
-                  <a:schemeClr val="tx1"/>
-                </a:solidFill>
-                <a:round/>
-                <a:headEnd/>
-                <a:tailEnd/>
-              </a:ln>
-              <a:effectLst/>
-            </p:spPr>
-          </p:cxnSp>
-          <p:grpSp>
-            <p:nvGrpSpPr>
-              <p:cNvPr id="6" name="Group 39"/>
-              <p:cNvGrpSpPr>
-                <a:grpSpLocks/>
-              </p:cNvGrpSpPr>
-              <p:nvPr/>
-            </p:nvGrpSpPr>
-            <p:grpSpPr bwMode="auto">
-              <a:xfrm>
-                <a:off x="160" y="641"/>
-                <a:ext cx="3188" cy="3007"/>
-                <a:chOff x="160" y="641"/>
-                <a:chExt cx="3188" cy="3007"/>
-              </a:xfrm>
-            </p:grpSpPr>
-            <p:grpSp>
-              <p:nvGrpSpPr>
-                <p:cNvPr id="7" name="Group 38"/>
-                <p:cNvGrpSpPr>
-                  <a:grpSpLocks/>
-                </p:cNvGrpSpPr>
-                <p:nvPr/>
-              </p:nvGrpSpPr>
-              <p:grpSpPr bwMode="auto">
-                <a:xfrm>
-                  <a:off x="432" y="2274"/>
-                  <a:ext cx="2308" cy="1374"/>
-                  <a:chOff x="432" y="2274"/>
-                  <a:chExt cx="2308" cy="1374"/>
-                </a:xfrm>
-              </p:grpSpPr>
-              <p:sp>
-                <p:nvSpPr>
-                  <p:cNvPr id="589837" name="Oval 13"/>
-                  <p:cNvSpPr>
-                    <a:spLocks noChangeArrowheads="1"/>
-                  </p:cNvSpPr>
-                  <p:nvPr/>
-                </p:nvSpPr>
-                <p:spPr bwMode="auto">
-                  <a:xfrm>
-                    <a:off x="1136" y="2496"/>
-                    <a:ext cx="96" cy="96"/>
-                  </a:xfrm>
-                  <a:prstGeom prst="ellipse">
-                    <a:avLst/>
-                  </a:prstGeom>
-                  <a:solidFill>
-                    <a:srgbClr val="008000"/>
-                  </a:solidFill>
-                  <a:ln w="9525">
-                    <a:solidFill>
-                      <a:schemeClr val="tx1"/>
-                    </a:solidFill>
-                    <a:round/>
-                    <a:headEnd/>
-                    <a:tailEnd type="none" w="lg" len="lg"/>
-                  </a:ln>
-                  <a:effectLst/>
-                </p:spPr>
-                <p:txBody>
-                  <a:bodyPr wrap="none" anchor="ctr"/>
-                  <a:lstStyle/>
-                  <a:p>
-                    <a:endParaRPr lang="en-US"/>
-                  </a:p>
-                </p:txBody>
-              </p:sp>
-              <p:cxnSp>
-                <p:nvCxnSpPr>
-                  <p:cNvPr id="589838" name="AutoShape 14"/>
-                  <p:cNvCxnSpPr>
-                    <a:cxnSpLocks noChangeShapeType="1"/>
-                    <a:stCxn id="589837" idx="7"/>
-                    <a:endCxn id="589835" idx="2"/>
-                  </p:cNvCxnSpPr>
-                  <p:nvPr/>
-                </p:nvCxnSpPr>
-                <p:spPr bwMode="auto">
-                  <a:xfrm>
-                    <a:off x="1218" y="2510"/>
-                    <a:ext cx="1118" cy="1138"/>
-                  </a:xfrm>
-                  <a:prstGeom prst="straightConnector1">
-                    <a:avLst/>
-                  </a:prstGeom>
-                  <a:noFill/>
-                  <a:ln w="25400">
-                    <a:solidFill>
-                      <a:schemeClr val="tx1"/>
-                    </a:solidFill>
-                    <a:round/>
-                    <a:headEnd/>
-                    <a:tailEnd type="none" w="lg" len="lg"/>
-                  </a:ln>
-                  <a:effectLst/>
-                </p:spPr>
-              </p:cxnSp>
-              <p:sp>
-                <p:nvSpPr>
-                  <p:cNvPr id="589839" name="Text Box 15"/>
-                  <p:cNvSpPr txBox="1">
-                    <a:spLocks noChangeArrowheads="1"/>
-                  </p:cNvSpPr>
-                  <p:nvPr/>
-                </p:nvSpPr>
-                <p:spPr bwMode="auto">
-                  <a:xfrm>
-                    <a:off x="432" y="2274"/>
-                    <a:ext cx="756" cy="442"/>
-                  </a:xfrm>
-                  <a:prstGeom prst="rect">
-                    <a:avLst/>
-                  </a:prstGeom>
-                  <a:noFill/>
-                  <a:ln w="9525">
-                    <a:noFill/>
-                    <a:miter lim="800000"/>
-                    <a:headEnd/>
-                    <a:tailEnd type="none" w="lg" len="lg"/>
-                  </a:ln>
-                  <a:effectLst/>
-                </p:spPr>
-                <p:txBody>
-                  <a:bodyPr wrap="none">
-                    <a:spAutoFit/>
-                  </a:bodyPr>
-                  <a:lstStyle/>
-                  <a:p>
-                    <a:pPr algn="l">
-                      <a:spcBef>
-                        <a:spcPct val="0"/>
-                      </a:spcBef>
-                    </a:pPr>
-                    <a:r>
-                      <a:rPr lang="en-US" sz="4000"/>
-                      <a:t>      3</a:t>
-                    </a:r>
-                  </a:p>
-                </p:txBody>
-              </p:sp>
-              <p:cxnSp>
-                <p:nvCxnSpPr>
-                  <p:cNvPr id="589842" name="AutoShape 18"/>
-                  <p:cNvCxnSpPr>
-                    <a:cxnSpLocks noChangeShapeType="1"/>
-                    <a:stCxn id="589841" idx="4"/>
-                    <a:endCxn id="589835" idx="7"/>
-                  </p:cNvCxnSpPr>
-                  <p:nvPr/>
-                </p:nvCxnSpPr>
-                <p:spPr bwMode="auto">
-                  <a:xfrm>
-                    <a:off x="2384" y="2592"/>
-                    <a:ext cx="34" cy="1022"/>
-                  </a:xfrm>
-                  <a:prstGeom prst="straightConnector1">
-                    <a:avLst/>
-                  </a:prstGeom>
-                  <a:noFill/>
-                  <a:ln w="25400">
-                    <a:solidFill>
-                      <a:schemeClr val="tx1"/>
-                    </a:solidFill>
-                    <a:round/>
-                    <a:headEnd/>
-                    <a:tailEnd type="none" w="lg" len="lg"/>
-                  </a:ln>
-                  <a:effectLst/>
-                </p:spPr>
-              </p:cxnSp>
-              <p:sp>
-                <p:nvSpPr>
-                  <p:cNvPr id="589843" name="Text Box 19"/>
-                  <p:cNvSpPr txBox="1">
-                    <a:spLocks noChangeArrowheads="1"/>
-                  </p:cNvSpPr>
-                  <p:nvPr/>
-                </p:nvSpPr>
-                <p:spPr bwMode="auto">
-                  <a:xfrm>
-                    <a:off x="2384" y="2274"/>
-                    <a:ext cx="356" cy="442"/>
-                  </a:xfrm>
-                  <a:prstGeom prst="rect">
-                    <a:avLst/>
-                  </a:prstGeom>
-                  <a:noFill/>
-                  <a:ln w="9525">
-                    <a:noFill/>
-                    <a:miter lim="800000"/>
-                    <a:headEnd/>
-                    <a:tailEnd type="none" w="lg" len="lg"/>
-                  </a:ln>
-                  <a:effectLst/>
-                </p:spPr>
-                <p:txBody>
-                  <a:bodyPr wrap="none">
-                    <a:spAutoFit/>
-                  </a:bodyPr>
-                  <a:lstStyle/>
-                  <a:p>
-                    <a:pPr algn="l">
-                      <a:spcBef>
-                        <a:spcPct val="0"/>
-                      </a:spcBef>
-                    </a:pPr>
-                    <a:r>
-                      <a:rPr lang="en-US" sz="4000"/>
-                      <a:t> 5</a:t>
-                    </a:r>
-                  </a:p>
-                </p:txBody>
-              </p:sp>
-            </p:grpSp>
-            <p:sp>
-              <p:nvSpPr>
-                <p:cNvPr id="589846" name="Text Box 22"/>
-                <p:cNvSpPr txBox="1">
-                  <a:spLocks noChangeArrowheads="1"/>
-                </p:cNvSpPr>
-                <p:nvPr/>
-              </p:nvSpPr>
-              <p:spPr bwMode="auto">
-                <a:xfrm>
-                  <a:off x="160" y="1362"/>
-                  <a:ext cx="1396" cy="442"/>
-                </a:xfrm>
-                <a:prstGeom prst="rect">
-                  <a:avLst/>
-                </a:prstGeom>
-                <a:noFill/>
-                <a:ln w="9525">
-                  <a:noFill/>
-                  <a:miter lim="800000"/>
-                  <a:headEnd/>
-                  <a:tailEnd type="none" w="lg" len="lg"/>
-                </a:ln>
-                <a:effectLst/>
-              </p:spPr>
-              <p:txBody>
-                <a:bodyPr wrap="none">
-                  <a:spAutoFit/>
-                </a:bodyPr>
-                <a:lstStyle/>
-                <a:p>
-                  <a:pPr algn="l">
-                    <a:spcBef>
-                      <a:spcPct val="0"/>
-                    </a:spcBef>
-                  </a:pPr>
-                  <a:r>
-                    <a:rPr lang="en-US" sz="4000"/>
-                    <a:t>            15</a:t>
-                  </a:r>
-                </a:p>
-              </p:txBody>
-            </p:sp>
-            <p:cxnSp>
-              <p:nvCxnSpPr>
-                <p:cNvPr id="589847" name="AutoShape 23"/>
-                <p:cNvCxnSpPr>
-                  <a:cxnSpLocks noChangeShapeType="1"/>
-                  <a:stCxn id="589845" idx="5"/>
-                  <a:endCxn id="589837" idx="7"/>
-                </p:cNvCxnSpPr>
-                <p:nvPr/>
-              </p:nvCxnSpPr>
-              <p:spPr bwMode="auto">
-                <a:xfrm flipH="1">
-                  <a:off x="1218" y="1618"/>
-                  <a:ext cx="384" cy="892"/>
-                </a:xfrm>
-                <a:prstGeom prst="straightConnector1">
-                  <a:avLst/>
-                </a:prstGeom>
-                <a:noFill/>
-                <a:ln w="25400">
-                  <a:solidFill>
-                    <a:schemeClr val="tx1"/>
-                  </a:solidFill>
-                  <a:round/>
-                  <a:headEnd/>
-                  <a:tailEnd type="none" w="lg" len="lg"/>
-                </a:ln>
-                <a:effectLst/>
-              </p:spPr>
-            </p:cxnSp>
-            <p:cxnSp>
-              <p:nvCxnSpPr>
-                <p:cNvPr id="589848" name="AutoShape 24"/>
-                <p:cNvCxnSpPr>
-                  <a:cxnSpLocks noChangeShapeType="1"/>
-                  <a:stCxn id="589845" idx="6"/>
-                  <a:endCxn id="589841" idx="2"/>
-                </p:cNvCxnSpPr>
-                <p:nvPr/>
-              </p:nvCxnSpPr>
-              <p:spPr bwMode="auto">
-                <a:xfrm>
-                  <a:off x="1616" y="1584"/>
-                  <a:ext cx="720" cy="960"/>
-                </a:xfrm>
-                <a:prstGeom prst="straightConnector1">
-                  <a:avLst/>
-                </a:prstGeom>
-                <a:noFill/>
-                <a:ln w="25400">
-                  <a:solidFill>
-                    <a:schemeClr val="tx1"/>
-                  </a:solidFill>
-                  <a:round/>
-                  <a:headEnd/>
-                  <a:tailEnd type="none" w="lg" len="lg"/>
-                </a:ln>
-                <a:effectLst/>
-              </p:spPr>
-            </p:cxnSp>
-            <p:grpSp>
-              <p:nvGrpSpPr>
-                <p:cNvPr id="8" name="Group 31"/>
-                <p:cNvGrpSpPr>
-                  <a:grpSpLocks/>
-                </p:cNvGrpSpPr>
-                <p:nvPr/>
-              </p:nvGrpSpPr>
-              <p:grpSpPr bwMode="auto">
-                <a:xfrm>
-                  <a:off x="1568" y="864"/>
-                  <a:ext cx="1550" cy="720"/>
-                  <a:chOff x="2064" y="768"/>
-                  <a:chExt cx="1550" cy="720"/>
-                </a:xfrm>
-              </p:grpSpPr>
-              <p:sp>
-                <p:nvSpPr>
-                  <p:cNvPr id="589856" name="Oval 32"/>
-                  <p:cNvSpPr>
-                    <a:spLocks noChangeArrowheads="1"/>
-                  </p:cNvSpPr>
-                  <p:nvPr/>
-                </p:nvSpPr>
-                <p:spPr bwMode="auto">
-                  <a:xfrm>
-                    <a:off x="3168" y="768"/>
-                    <a:ext cx="96" cy="96"/>
-                  </a:xfrm>
-                  <a:prstGeom prst="ellipse">
-                    <a:avLst/>
-                  </a:prstGeom>
-                  <a:solidFill>
-                    <a:srgbClr val="008000"/>
-                  </a:solidFill>
-                  <a:ln w="9525">
-                    <a:solidFill>
-                      <a:schemeClr val="tx1"/>
-                    </a:solidFill>
-                    <a:round/>
-                    <a:headEnd/>
-                    <a:tailEnd type="none" w="lg" len="lg"/>
-                  </a:ln>
-                  <a:effectLst/>
-                </p:spPr>
-                <p:txBody>
-                  <a:bodyPr wrap="none" anchor="ctr"/>
-                  <a:lstStyle/>
-                  <a:p>
-                    <a:endParaRPr lang="en-US"/>
-                  </a:p>
-                </p:txBody>
-              </p:sp>
-              <p:cxnSp>
-                <p:nvCxnSpPr>
-                  <p:cNvPr id="589857" name="AutoShape 33"/>
-                  <p:cNvCxnSpPr>
-                    <a:cxnSpLocks noChangeShapeType="1"/>
-                    <a:stCxn id="589845" idx="6"/>
-                    <a:endCxn id="589856" idx="2"/>
-                  </p:cNvCxnSpPr>
-                  <p:nvPr/>
-                </p:nvCxnSpPr>
-                <p:spPr bwMode="auto">
-                  <a:xfrm flipV="1">
-                    <a:off x="2064" y="816"/>
-                    <a:ext cx="1104" cy="672"/>
-                  </a:xfrm>
-                  <a:prstGeom prst="straightConnector1">
-                    <a:avLst/>
-                  </a:prstGeom>
-                  <a:noFill/>
-                  <a:ln w="25400">
-                    <a:solidFill>
-                      <a:schemeClr val="tx1"/>
-                    </a:solidFill>
-                    <a:round/>
-                    <a:headEnd/>
-                    <a:tailEnd/>
-                  </a:ln>
-                  <a:effectLst/>
-                </p:spPr>
-              </p:cxnSp>
-              <p:cxnSp>
-                <p:nvCxnSpPr>
-                  <p:cNvPr id="589858" name="AutoShape 34"/>
-                  <p:cNvCxnSpPr>
-                    <a:cxnSpLocks noChangeShapeType="1"/>
-                    <a:stCxn id="589856" idx="5"/>
-                    <a:endCxn id="589852" idx="1"/>
-                  </p:cNvCxnSpPr>
-                  <p:nvPr/>
-                </p:nvCxnSpPr>
-                <p:spPr bwMode="auto">
-                  <a:xfrm>
-                    <a:off x="3250" y="850"/>
-                    <a:ext cx="364" cy="604"/>
-                  </a:xfrm>
-                  <a:prstGeom prst="straightConnector1">
-                    <a:avLst/>
-                  </a:prstGeom>
-                  <a:noFill/>
-                  <a:ln w="25400">
-                    <a:solidFill>
-                      <a:schemeClr val="tx1"/>
-                    </a:solidFill>
-                    <a:round/>
-                    <a:headEnd/>
-                    <a:tailEnd/>
-                  </a:ln>
-                  <a:effectLst/>
-                </p:spPr>
-              </p:cxnSp>
-            </p:grpSp>
-            <p:sp>
-              <p:nvSpPr>
-                <p:cNvPr id="589859" name="Text Box 35"/>
-                <p:cNvSpPr txBox="1">
-                  <a:spLocks noChangeArrowheads="1"/>
-                </p:cNvSpPr>
-                <p:nvPr/>
-              </p:nvSpPr>
-              <p:spPr bwMode="auto">
-                <a:xfrm>
-                  <a:off x="2592" y="641"/>
-                  <a:ext cx="756" cy="480"/>
-                </a:xfrm>
-                <a:prstGeom prst="rect">
-                  <a:avLst/>
-                </a:prstGeom>
-                <a:noFill/>
-                <a:ln w="9525" algn="ctr">
-                  <a:noFill/>
-                  <a:miter lim="800000"/>
-                  <a:headEnd/>
-                  <a:tailEnd/>
-                </a:ln>
-                <a:effectLst/>
-              </p:spPr>
-              <p:txBody>
-                <a:bodyPr wrap="none">
-                  <a:spAutoFit/>
-                </a:bodyPr>
-                <a:lstStyle/>
-                <a:p>
-                  <a:pPr marL="742950" indent="-285750" algn="l"/>
-                  <a:r>
-                    <a:rPr lang="en-US" sz="4400"/>
-                    <a:t>30</a:t>
-                  </a:r>
-                </a:p>
-              </p:txBody>
-            </p:sp>
-          </p:grpSp>
-        </p:grpSp>
-      </p:grpSp>
-      <p:sp>
-        <p:nvSpPr>
-          <p:cNvPr id="38" name="Rectangle 2"/>
-          <p:cNvSpPr>
-            <a:spLocks noGrp="1" noChangeArrowheads="1"/>
-          </p:cNvSpPr>
-          <p:nvPr>
-            <p:ph type="title"/>
-          </p:nvPr>
-        </p:nvSpPr>
-        <p:spPr>
-          <a:xfrm>
-            <a:off x="2024742" y="274638"/>
-            <a:ext cx="6662057" cy="1105126"/>
-          </a:xfrm>
-        </p:spPr>
-        <p:txBody>
-          <a:bodyPr/>
-          <a:lstStyle/>
-          <a:p>
-            <a:r>
-              <a:rPr lang="en-US" sz="4400" b="0" dirty="0"/>
-              <a:t>p</a:t>
-            </a:r>
-            <a:r>
-              <a:rPr lang="en-US" sz="4400" b="0" dirty="0" smtClean="0"/>
-              <a:t>artial order</a:t>
-            </a:r>
-            <a:r>
-              <a:rPr lang="en-US" sz="4400" b="0" dirty="0"/>
-              <a:t>: </a:t>
-            </a:r>
-            <a:r>
-              <a:rPr lang="en-US" sz="4400" b="0" i="1" dirty="0"/>
-              <a:t>divides</a:t>
-            </a:r>
-            <a:r>
-              <a:rPr lang="en-US" sz="4400" b="0" dirty="0"/>
-              <a:t> </a:t>
-            </a:r>
-          </a:p>
-        </p:txBody>
-      </p:sp>
-      <p:sp>
-        <p:nvSpPr>
-          <p:cNvPr id="34" name="TextBox 33"/>
-          <p:cNvSpPr txBox="1"/>
-          <p:nvPr/>
-        </p:nvSpPr>
-        <p:spPr>
-          <a:xfrm>
-            <a:off x="4114800" y="5715000"/>
-            <a:ext cx="4988866" cy="707886"/>
-          </a:xfrm>
-          <a:prstGeom prst="rect">
-            <a:avLst/>
-          </a:prstGeom>
-          <a:noFill/>
-        </p:spPr>
-        <p:txBody>
-          <a:bodyPr wrap="none" rtlCol="0">
-            <a:spAutoFit/>
-          </a:bodyPr>
-          <a:lstStyle/>
-          <a:p>
-            <a:r>
-              <a:rPr lang="en-US" sz="4000" dirty="0" smtClean="0">
-                <a:latin typeface="Comic Sans MS" pitchFamily="66" charset="0"/>
-              </a:rPr>
-              <a:t>on {1,2,3,5,10,15,30}</a:t>
-            </a:r>
-            <a:endParaRPr lang="en-US" sz="4000" dirty="0">
-              <a:latin typeface="Comic Sans MS" pitchFamily="66" charset="0"/>
-            </a:endParaRPr>
-          </a:p>
-        </p:txBody>
-      </p:sp>
-    </p:spTree>
-  </p:cSld>
-  <p:clrMapOvr>
-    <a:masterClrMapping/>
-  </p:clrMapOvr>
-  <p:transition/>
-  <p:timing>
-    <p:tnLst>
-      <p:par>
-        <p:cTn id="1" dur="indefinite" restart="never" nodeType="tmRoot">
-          <p:childTnLst>
-            <p:seq concurrent="1" nextAc="seek">
-              <p:cTn id="2" dur="indefinite" nodeType="mainSeq">
-                <p:childTnLst>
-                  <p:par>
-                    <p:cTn id="3" fill="hold">
-                      <p:stCondLst>
-                        <p:cond delay="indefinite"/>
-                      </p:stCondLst>
-                      <p:childTnLst>
-                        <p:par>
-                          <p:cTn id="4" fill="hold">
-                            <p:stCondLst>
-                              <p:cond delay="0"/>
-                            </p:stCondLst>
-                            <p:childTnLst>
-                              <p:par>
-                                <p:cTn id="5" presetID="1" presetClass="entr" presetSubtype="0" fill="hold" nodeType="clickEffect">
-                                  <p:stCondLst>
-                                    <p:cond delay="0"/>
-                                  </p:stCondLst>
-                                  <p:childTnLst>
-                                    <p:set>
-                                      <p:cBhvr>
-                                        <p:cTn id="6" dur="1" fill="hold">
-                                          <p:stCondLst>
-                                            <p:cond delay="0"/>
-                                          </p:stCondLst>
-                                        </p:cTn>
-                                        <p:tgtEl>
-                                          <p:spTgt spid="37"/>
-                                        </p:tgtEl>
-                                        <p:attrNameLst>
-                                          <p:attrName>style.visibility</p:attrName>
-                                        </p:attrNameLst>
-                                      </p:cBhvr>
-                                      <p:to>
-                                        <p:strVal val="visible"/>
-                                      </p:to>
-                                    </p:set>
-                                  </p:childTnLst>
-                                </p:cTn>
-                              </p:par>
-                            </p:childTnLst>
-                          </p:cTn>
-                        </p:par>
-                      </p:childTnLst>
-                    </p:cTn>
-                  </p:par>
-                </p:childTnLst>
-              </p:cTn>
-              <p:prevCondLst>
-                <p:cond evt="onPrev" delay="0">
-                  <p:tgtEl>
-                    <p:sldTgt/>
-                  </p:tgtEl>
-                </p:cond>
-              </p:prevCondLst>
-              <p:nextCondLst>
-                <p:cond evt="onNext" delay="0">
-                  <p:tgtEl>
-                    <p:sldTgt/>
-                  </p:tgtEl>
-                </p:cond>
-              </p:nextCondLst>
-            </p:seq>
-          </p:childTnLst>
-        </p:cTn>
-      </p:par>
-    </p:tnLst>
   </p:timing>
 </p:sld>
 </file>
